--- a/javaPPT/Java 2实用教程第5版_第1章_Java入门.pptx
+++ b/javaPPT/Java 2实用教程第5版_第1章_Java入门.pptx
@@ -5,50 +5,49 @@
     <p:sldMasterId id="2147483648" r:id="rId1"/>
   </p:sldMasterIdLst>
   <p:notesMasterIdLst>
-    <p:notesMasterId r:id="rId40"/>
+    <p:notesMasterId r:id="rId4"/>
   </p:notesMasterIdLst>
   <p:handoutMasterIdLst>
     <p:handoutMasterId r:id="rId41"/>
   </p:handoutMasterIdLst>
   <p:sldIdLst>
-    <p:sldId id="292" r:id="rId2"/>
-    <p:sldId id="354" r:id="rId3"/>
-    <p:sldId id="351" r:id="rId4"/>
-    <p:sldId id="261" r:id="rId5"/>
-    <p:sldId id="288" r:id="rId6"/>
-    <p:sldId id="315" r:id="rId7"/>
-    <p:sldId id="289" r:id="rId8"/>
-    <p:sldId id="290" r:id="rId9"/>
-    <p:sldId id="316" r:id="rId10"/>
-    <p:sldId id="317" r:id="rId11"/>
-    <p:sldId id="318" r:id="rId12"/>
-    <p:sldId id="355" r:id="rId13"/>
-    <p:sldId id="293" r:id="rId14"/>
-    <p:sldId id="294" r:id="rId15"/>
-    <p:sldId id="295" r:id="rId16"/>
-    <p:sldId id="296" r:id="rId17"/>
-    <p:sldId id="313" r:id="rId18"/>
-    <p:sldId id="297" r:id="rId19"/>
-    <p:sldId id="356" r:id="rId20"/>
-    <p:sldId id="358" r:id="rId21"/>
-    <p:sldId id="360" r:id="rId22"/>
-    <p:sldId id="298" r:id="rId23"/>
-    <p:sldId id="299" r:id="rId24"/>
-    <p:sldId id="300" r:id="rId25"/>
-    <p:sldId id="301" r:id="rId26"/>
-    <p:sldId id="302" r:id="rId27"/>
-    <p:sldId id="362" r:id="rId28"/>
-    <p:sldId id="363" r:id="rId29"/>
-    <p:sldId id="303" r:id="rId30"/>
-    <p:sldId id="304" r:id="rId31"/>
-    <p:sldId id="305" r:id="rId32"/>
-    <p:sldId id="306" r:id="rId33"/>
-    <p:sldId id="361" r:id="rId34"/>
-    <p:sldId id="364" r:id="rId35"/>
-    <p:sldId id="365" r:id="rId36"/>
-    <p:sldId id="309" r:id="rId37"/>
-    <p:sldId id="308" r:id="rId38"/>
-    <p:sldId id="287" r:id="rId39"/>
+    <p:sldId id="292" r:id="rId3"/>
+    <p:sldId id="354" r:id="rId5"/>
+    <p:sldId id="351" r:id="rId6"/>
+    <p:sldId id="261" r:id="rId7"/>
+    <p:sldId id="288" r:id="rId8"/>
+    <p:sldId id="315" r:id="rId9"/>
+    <p:sldId id="289" r:id="rId10"/>
+    <p:sldId id="290" r:id="rId11"/>
+    <p:sldId id="316" r:id="rId12"/>
+    <p:sldId id="317" r:id="rId13"/>
+    <p:sldId id="318" r:id="rId14"/>
+    <p:sldId id="355" r:id="rId15"/>
+    <p:sldId id="293" r:id="rId16"/>
+    <p:sldId id="294" r:id="rId17"/>
+    <p:sldId id="295" r:id="rId18"/>
+    <p:sldId id="296" r:id="rId19"/>
+    <p:sldId id="313" r:id="rId20"/>
+    <p:sldId id="297" r:id="rId21"/>
+    <p:sldId id="356" r:id="rId22"/>
+    <p:sldId id="358" r:id="rId23"/>
+    <p:sldId id="360" r:id="rId24"/>
+    <p:sldId id="298" r:id="rId25"/>
+    <p:sldId id="299" r:id="rId26"/>
+    <p:sldId id="300" r:id="rId27"/>
+    <p:sldId id="301" r:id="rId28"/>
+    <p:sldId id="302" r:id="rId29"/>
+    <p:sldId id="362" r:id="rId30"/>
+    <p:sldId id="363" r:id="rId31"/>
+    <p:sldId id="303" r:id="rId32"/>
+    <p:sldId id="304" r:id="rId33"/>
+    <p:sldId id="305" r:id="rId34"/>
+    <p:sldId id="306" r:id="rId35"/>
+    <p:sldId id="361" r:id="rId36"/>
+    <p:sldId id="364" r:id="rId37"/>
+    <p:sldId id="365" r:id="rId38"/>
+    <p:sldId id="309" r:id="rId39"/>
+    <p:sldId id="391" r:id="rId40"/>
   </p:sldIdLst>
   <p:sldSz cx="9144000" cy="6858000" type="screen4x3"/>
   <p:notesSz cx="6858000" cy="9144000"/>
@@ -393,7 +392,6 @@
                 <a:ea typeface="宋体" panose="02010600030101010101" pitchFamily="2" charset="-122"/>
                 <a:cs typeface="+mn-cs"/>
               </a:rPr>
-              <a:t>2019/9/3</a:t>
             </a:fld>
             <a:endParaRPr kumimoji="1" lang="en-US" altLang="zh-CN" sz="1200" b="0" i="0" u="none" strike="noStrike" kern="1200" cap="none" spc="0" normalizeH="0" baseline="0" noProof="0">
               <a:ln>
@@ -510,18 +508,12 @@
             </a:pPr>
             <a:fld id="{9A0DB2DC-4C9A-4742-B13C-FB6460FD3503}" type="slidenum">
               <a:rPr lang="zh-CN" altLang="en-US" sz="1200" dirty="0"/>
-              <a:t>‹#›</a:t>
             </a:fld>
             <a:endParaRPr lang="zh-CN" altLang="en-US" sz="1200" dirty="0"/>
           </a:p>
         </p:txBody>
       </p:sp>
     </p:spTree>
-    <p:extLst>
-      <p:ext uri="{BB962C8B-B14F-4D97-AF65-F5344CB8AC3E}">
-        <p14:creationId xmlns:p14="http://schemas.microsoft.com/office/powerpoint/2010/main" val="2400301215"/>
-      </p:ext>
-    </p:extLst>
   </p:cSld>
   <p:clrMap bg1="lt1" tx1="dk1" bg2="lt2" tx2="dk2" accent1="accent1" accent2="accent2" accent3="accent3" accent4="accent4" accent5="accent5" accent6="accent6" hlink="hlink" folHlink="folHlink"/>
 </p:handoutMaster>
@@ -680,7 +672,6 @@
                 <a:ea typeface="宋体" panose="02010600030101010101" pitchFamily="2" charset="-122"/>
                 <a:cs typeface="+mn-cs"/>
               </a:rPr>
-              <a:t>2019/9/3</a:t>
             </a:fld>
             <a:endParaRPr kumimoji="1" lang="en-US" altLang="zh-CN" sz="1200" b="0" i="0" u="none" strike="noStrike" kern="1200" cap="none" spc="0" normalizeH="0" baseline="0" noProof="0">
               <a:ln>
@@ -790,6 +781,20 @@
               </a:rPr>
               <a:t>单击此处编辑母版文本样式</a:t>
             </a:r>
+            <a:endParaRPr kumimoji="0" lang="zh-CN" altLang="en-US" sz="1200" b="0" i="0" u="none" strike="noStrike" kern="1200" cap="none" spc="0" normalizeH="0" baseline="0" noProof="0" smtClean="0">
+              <a:ln>
+                <a:noFill/>
+              </a:ln>
+              <a:solidFill>
+                <a:schemeClr val="tx1"/>
+              </a:solidFill>
+              <a:effectLst/>
+              <a:uLnTx/>
+              <a:uFillTx/>
+              <a:latin typeface="Times New Roman" panose="02020603050405020304" pitchFamily="18" charset="0"/>
+              <a:ea typeface="宋体" panose="02010600030101010101" pitchFamily="2" charset="-122"/>
+              <a:cs typeface="+mn-cs"/>
+            </a:endParaRPr>
           </a:p>
           <a:p>
             <a:pPr marL="457200" marR="0" lvl="1" indent="0" algn="l" defTabSz="914400" rtl="0" eaLnBrk="0" fontAlgn="base" latinLnBrk="0" hangingPunct="0">
@@ -825,6 +830,20 @@
               </a:rPr>
               <a:t>第二级</a:t>
             </a:r>
+            <a:endParaRPr kumimoji="0" lang="zh-CN" altLang="en-US" sz="1200" b="0" i="0" u="none" strike="noStrike" kern="1200" cap="none" spc="0" normalizeH="0" baseline="0" noProof="0" smtClean="0">
+              <a:ln>
+                <a:noFill/>
+              </a:ln>
+              <a:solidFill>
+                <a:schemeClr val="tx1"/>
+              </a:solidFill>
+              <a:effectLst/>
+              <a:uLnTx/>
+              <a:uFillTx/>
+              <a:latin typeface="Times New Roman" panose="02020603050405020304" pitchFamily="18" charset="0"/>
+              <a:ea typeface="宋体" panose="02010600030101010101" pitchFamily="2" charset="-122"/>
+              <a:cs typeface="+mn-cs"/>
+            </a:endParaRPr>
           </a:p>
           <a:p>
             <a:pPr marL="914400" marR="0" lvl="2" indent="0" algn="l" defTabSz="914400" rtl="0" eaLnBrk="0" fontAlgn="base" latinLnBrk="0" hangingPunct="0">
@@ -860,6 +879,20 @@
               </a:rPr>
               <a:t>第三级</a:t>
             </a:r>
+            <a:endParaRPr kumimoji="0" lang="zh-CN" altLang="en-US" sz="1200" b="0" i="0" u="none" strike="noStrike" kern="1200" cap="none" spc="0" normalizeH="0" baseline="0" noProof="0" smtClean="0">
+              <a:ln>
+                <a:noFill/>
+              </a:ln>
+              <a:solidFill>
+                <a:schemeClr val="tx1"/>
+              </a:solidFill>
+              <a:effectLst/>
+              <a:uLnTx/>
+              <a:uFillTx/>
+              <a:latin typeface="Times New Roman" panose="02020603050405020304" pitchFamily="18" charset="0"/>
+              <a:ea typeface="宋体" panose="02010600030101010101" pitchFamily="2" charset="-122"/>
+              <a:cs typeface="+mn-cs"/>
+            </a:endParaRPr>
           </a:p>
           <a:p>
             <a:pPr marL="1371600" marR="0" lvl="3" indent="0" algn="l" defTabSz="914400" rtl="0" eaLnBrk="0" fontAlgn="base" latinLnBrk="0" hangingPunct="0">
@@ -895,6 +928,20 @@
               </a:rPr>
               <a:t>第四级</a:t>
             </a:r>
+            <a:endParaRPr kumimoji="0" lang="zh-CN" altLang="en-US" sz="1200" b="0" i="0" u="none" strike="noStrike" kern="1200" cap="none" spc="0" normalizeH="0" baseline="0" noProof="0" smtClean="0">
+              <a:ln>
+                <a:noFill/>
+              </a:ln>
+              <a:solidFill>
+                <a:schemeClr val="tx1"/>
+              </a:solidFill>
+              <a:effectLst/>
+              <a:uLnTx/>
+              <a:uFillTx/>
+              <a:latin typeface="Times New Roman" panose="02020603050405020304" pitchFamily="18" charset="0"/>
+              <a:ea typeface="宋体" panose="02010600030101010101" pitchFamily="2" charset="-122"/>
+              <a:cs typeface="+mn-cs"/>
+            </a:endParaRPr>
           </a:p>
           <a:p>
             <a:pPr marL="1828800" marR="0" lvl="4" indent="0" algn="l" defTabSz="914400" rtl="0" eaLnBrk="0" fontAlgn="base" latinLnBrk="0" hangingPunct="0">
@@ -930,6 +977,20 @@
               </a:rPr>
               <a:t>第五级</a:t>
             </a:r>
+            <a:endParaRPr kumimoji="0" lang="zh-CN" altLang="en-US" sz="1200" b="0" i="0" u="none" strike="noStrike" kern="1200" cap="none" spc="0" normalizeH="0" baseline="0" noProof="0" smtClean="0">
+              <a:ln>
+                <a:noFill/>
+              </a:ln>
+              <a:solidFill>
+                <a:schemeClr val="tx1"/>
+              </a:solidFill>
+              <a:effectLst/>
+              <a:uLnTx/>
+              <a:uFillTx/>
+              <a:latin typeface="Times New Roman" panose="02020603050405020304" pitchFamily="18" charset="0"/>
+              <a:ea typeface="宋体" panose="02010600030101010101" pitchFamily="2" charset="-122"/>
+              <a:cs typeface="+mn-cs"/>
+            </a:endParaRPr>
           </a:p>
         </p:txBody>
       </p:sp>
@@ -1031,18 +1092,12 @@
             </a:pPr>
             <a:fld id="{9A0DB2DC-4C9A-4742-B13C-FB6460FD3503}" type="slidenum">
               <a:rPr lang="zh-CN" altLang="en-US" sz="1200" dirty="0"/>
-              <a:t>‹#›</a:t>
             </a:fld>
             <a:endParaRPr lang="zh-CN" altLang="en-US" sz="1200" dirty="0"/>
           </a:p>
         </p:txBody>
       </p:sp>
     </p:spTree>
-    <p:extLst>
-      <p:ext uri="{BB962C8B-B14F-4D97-AF65-F5344CB8AC3E}">
-        <p14:creationId xmlns:p14="http://schemas.microsoft.com/office/powerpoint/2010/main" val="4009325012"/>
-      </p:ext>
-    </p:extLst>
   </p:cSld>
   <p:clrMap bg1="lt1" tx1="dk1" bg2="lt2" tx2="dk2" accent1="accent1" accent2="accent2" accent3="accent3" accent4="accent4" accent5="accent5" accent6="accent6" hlink="hlink" folHlink="folHlink"/>
   <p:hf sldNum="0" hdr="0" ftr="0"/>
@@ -1219,6 +1274,7 @@
               <a:rPr lang="zh-CN" altLang="en-US"/>
               <a:t>潮汕人。</a:t>
             </a:r>
+            <a:endParaRPr lang="zh-CN" altLang="en-US"/>
           </a:p>
         </p:txBody>
       </p:sp>
@@ -1268,7 +1324,6 @@
                 <a:ea typeface="宋体" panose="02010600030101010101" pitchFamily="2" charset="-122"/>
                 <a:cs typeface="+mn-cs"/>
               </a:rPr>
-              <a:t>2019/9/3</a:t>
             </a:fld>
             <a:endParaRPr kumimoji="1" lang="en-US" altLang="zh-CN" sz="1200" b="0" i="0" u="none" strike="noStrike" kern="1200" cap="none" spc="0" normalizeH="0" baseline="0" noProof="0">
               <a:ln>
@@ -1343,6 +1398,7 @@
               <a:rPr lang="en-US" altLang="zh-CN"/>
               <a:t>python</a:t>
             </a:r>
+            <a:endParaRPr lang="en-US" altLang="zh-CN"/>
           </a:p>
         </p:txBody>
       </p:sp>
@@ -1392,7 +1448,6 @@
                 <a:ea typeface="宋体" panose="02010600030101010101" pitchFamily="2" charset="-122"/>
                 <a:cs typeface="+mn-cs"/>
               </a:rPr>
-              <a:t>2019/9/3</a:t>
             </a:fld>
             <a:endParaRPr kumimoji="1" lang="en-US" altLang="zh-CN" sz="1200" b="0" i="0" u="none" strike="noStrike" kern="1200" cap="none" spc="0" normalizeH="0" baseline="0" noProof="0">
               <a:ln>
@@ -1578,7 +1633,6 @@
                 <a:ea typeface="宋体" panose="02010600030101010101" pitchFamily="2" charset="-122"/>
                 <a:cs typeface="+mn-cs"/>
               </a:rPr>
-              <a:t>2019/9/3</a:t>
             </a:fld>
             <a:endParaRPr kumimoji="1" lang="en-US" altLang="zh-CN" sz="1200" b="0" i="0" u="none" strike="noStrike" kern="1200" cap="none" spc="0" normalizeH="0" baseline="0" noProof="0">
               <a:ln>
@@ -1614,20 +1668,11 @@
         <p:cNvGrpSpPr/>
         <p:nvPr/>
       </p:nvGrpSpPr>
-      <p:grpSpPr>
-        <a:xfrm>
-          <a:off x="0" y="0"/>
-          <a:ext cx="0" cy="0"/>
-          <a:chOff x="0" y="0"/>
-          <a:chExt cx="0" cy="0"/>
-        </a:xfrm>
-      </p:grpSpPr>
+      <p:grpSpPr/>
       <p:sp>
         <p:nvSpPr>
           <p:cNvPr id="2" name="幻灯片图像占位符 1"/>
-          <p:cNvSpPr>
-            <a:spLocks noGrp="1" noRot="1" noChangeAspect="1"/>
-          </p:cNvSpPr>
+          <p:cNvSpPr/>
           <p:nvPr>
             <p:ph type="sldImg" idx="2"/>
           </p:nvPr>
@@ -1637,9 +1682,7 @@
       <p:sp>
         <p:nvSpPr>
           <p:cNvPr id="3" name="文本占位符 2"/>
-          <p:cNvSpPr>
-            <a:spLocks noGrp="1"/>
-          </p:cNvSpPr>
+          <p:cNvSpPr/>
           <p:nvPr>
             <p:ph type="body" idx="3"/>
           </p:nvPr>
@@ -1647,122 +1690,51 @@
         <p:spPr/>
         <p:txBody>
           <a:bodyPr/>
-          <a:lstStyle/>
-          <a:p>
-            <a:r>
-              <a:rPr lang="zh-CN" altLang="zh-CN" dirty="0">
-                <a:solidFill>
-                  <a:srgbClr val="FF0000"/>
-                </a:solidFill>
-                <a:sym typeface="+mn-ea"/>
-              </a:rPr>
-              <a:t>编译器只是针对</a:t>
-            </a:r>
-            <a:r>
-              <a:rPr lang="en-US" altLang="zh-CN" dirty="0">
-                <a:solidFill>
-                  <a:srgbClr val="FF0000"/>
-                </a:solidFill>
-                <a:sym typeface="+mn-ea"/>
-              </a:rPr>
-              <a:t>Java</a:t>
-            </a:r>
-            <a:r>
-              <a:rPr lang="zh-CN" altLang="zh-CN" dirty="0">
-                <a:solidFill>
-                  <a:srgbClr val="FF0000"/>
-                </a:solidFill>
-                <a:sym typeface="+mn-ea"/>
-              </a:rPr>
-              <a:t>虚拟机进行编译，编译出来的</a:t>
-            </a:r>
-            <a:r>
-              <a:rPr lang="en-US" altLang="zh-CN" dirty="0">
-                <a:solidFill>
-                  <a:srgbClr val="FF0000"/>
-                </a:solidFill>
-                <a:sym typeface="+mn-ea"/>
-              </a:rPr>
-              <a:t>class</a:t>
-            </a:r>
-            <a:r>
-              <a:rPr lang="zh-CN" altLang="en-US" dirty="0">
-                <a:solidFill>
-                  <a:srgbClr val="FF0000"/>
-                </a:solidFill>
-                <a:sym typeface="+mn-ea"/>
-              </a:rPr>
-              <a:t>文件是可以</a:t>
-            </a:r>
-            <a:r>
-              <a:rPr lang="en-US" altLang="zh-CN" dirty="0">
-                <a:solidFill>
-                  <a:srgbClr val="FF0000"/>
-                </a:solidFill>
-                <a:sym typeface="+mn-ea"/>
-              </a:rPr>
-              <a:t>java</a:t>
-            </a:r>
-            <a:r>
-              <a:rPr lang="zh-CN" altLang="en-US" dirty="0">
-                <a:solidFill>
-                  <a:srgbClr val="FF0000"/>
-                </a:solidFill>
-                <a:sym typeface="+mn-ea"/>
-              </a:rPr>
-              <a:t>虚拟机识别的</a:t>
-            </a:r>
-            <a:r>
-              <a:rPr lang="en-US" altLang="zh-CN" dirty="0">
-                <a:solidFill>
-                  <a:srgbClr val="FF0000"/>
-                </a:solidFill>
-                <a:sym typeface="+mn-ea"/>
-              </a:rPr>
-              <a:t>,</a:t>
-            </a:r>
-            <a:r>
-              <a:rPr lang="en-US" altLang="zh-CN" b="1" dirty="0">
-                <a:solidFill>
-                  <a:srgbClr val="0070C0"/>
-                </a:solidFill>
-                <a:sym typeface="+mn-ea"/>
-              </a:rPr>
-              <a:t>Java</a:t>
-            </a:r>
-            <a:r>
-              <a:rPr lang="zh-CN" altLang="zh-CN" b="1" dirty="0">
-                <a:solidFill>
-                  <a:srgbClr val="0070C0"/>
-                </a:solidFill>
-                <a:sym typeface="+mn-ea"/>
-              </a:rPr>
-              <a:t>虚拟机</a:t>
-            </a:r>
-            <a:r>
-              <a:rPr lang="en-US" altLang="zh-CN" b="1" dirty="0">
-                <a:solidFill>
-                  <a:srgbClr val="0070C0"/>
-                </a:solidFill>
-                <a:sym typeface="+mn-ea"/>
-              </a:rPr>
-              <a:t>Java</a:t>
-            </a:r>
-            <a:r>
-              <a:rPr lang="zh-CN" altLang="zh-CN" b="1" dirty="0">
-                <a:solidFill>
-                  <a:srgbClr val="0070C0"/>
-                </a:solidFill>
-                <a:sym typeface="+mn-ea"/>
-              </a:rPr>
-              <a:t>虚拟机负责将字节码翻译成虚拟机所在平台的机器码</a:t>
-            </a:r>
-            <a:endParaRPr lang="en-US" altLang="zh-CN" dirty="0">
-              <a:solidFill>
-                <a:srgbClr val="FF0000"/>
-              </a:solidFill>
-              <a:sym typeface="+mn-ea"/>
-            </a:endParaRPr>
+          <a:p>
+            <a:r>
+              <a:rPr lang="zh-CN" altLang="en-US"/>
+              <a:t>就例如，</a:t>
+            </a:r>
+            <a:r>
+              <a:rPr lang="en-US" altLang="zh-CN"/>
+              <a:t>windows</a:t>
+            </a:r>
+            <a:r>
+              <a:rPr lang="zh-CN" altLang="en-US"/>
+              <a:t>操作系统开发出来的</a:t>
+            </a:r>
+            <a:r>
+              <a:rPr lang="en-US" altLang="zh-CN"/>
+              <a:t>c</a:t>
+            </a:r>
+            <a:r>
+              <a:rPr lang="zh-CN" altLang="en-US"/>
+              <a:t>源程序，经过编译之后，只能在</a:t>
+            </a:r>
+            <a:r>
+              <a:rPr lang="en-US" altLang="zh-CN"/>
+              <a:t>window</a:t>
+            </a:r>
+            <a:r>
+              <a:rPr lang="zh-CN" altLang="en-US"/>
+              <a:t>操作系统上运行，并不能在</a:t>
+            </a:r>
+            <a:r>
+              <a:rPr lang="en-US" altLang="zh-CN"/>
+              <a:t>linux</a:t>
+            </a:r>
+            <a:r>
+              <a:rPr lang="zh-CN" altLang="en-US"/>
+              <a:t>系统上运行、</a:t>
+            </a:r>
+            <a:endParaRPr lang="zh-CN" altLang="en-US"/>
+          </a:p>
+          <a:p>
+            <a:r>
+              <a:rPr lang="zh-CN" altLang="en-US"/>
+              <a:t>、现在的模式</a:t>
+            </a:r>
+            <a:endParaRPr lang="zh-CN" altLang="en-US"/>
           </a:p>
         </p:txBody>
       </p:sp>
@@ -1779,7 +1751,6 @@
         <p:spPr/>
         <p:txBody>
           <a:bodyPr/>
-          <a:lstStyle/>
           <a:p>
             <a:pPr marL="0" marR="0" lvl="0" indent="0" algn="r" defTabSz="914400" rtl="0" eaLnBrk="1" fontAlgn="base" latinLnBrk="0" hangingPunct="1">
               <a:lnSpc>
@@ -1812,7 +1783,6 @@
                 <a:ea typeface="宋体" panose="02010600030101010101" pitchFamily="2" charset="-122"/>
                 <a:cs typeface="+mn-cs"/>
               </a:rPr>
-              <a:t>2019/9/3</a:t>
             </a:fld>
             <a:endParaRPr kumimoji="1" lang="en-US" altLang="zh-CN" sz="1200" b="0" i="0" u="none" strike="noStrike" kern="1200" cap="none" spc="0" normalizeH="0" baseline="0" noProof="0">
               <a:ln>
@@ -1884,14 +1854,172 @@
           <a:lstStyle/>
           <a:p>
             <a:r>
-              <a:rPr lang="zh-CN" altLang="en-US" dirty="0"/>
-              <a:t>串行和并行</a:t>
-            </a:r>
-            <a:r>
-              <a:rPr lang="zh-CN" altLang="en-US" dirty="0" smtClean="0"/>
-              <a:t>。多线程就是可以让程序同时跑两个方法。</a:t>
-            </a:r>
-            <a:endParaRPr lang="zh-CN" altLang="en-US" dirty="0"/>
+              <a:rPr lang="zh-CN" altLang="zh-CN" dirty="0">
+                <a:solidFill>
+                  <a:srgbClr val="FF0000"/>
+                </a:solidFill>
+                <a:sym typeface="+mn-ea"/>
+              </a:rPr>
+              <a:t>编译器不针对任何平台进行编译，只针对</a:t>
+            </a:r>
+            <a:r>
+              <a:rPr lang="en-US" altLang="zh-CN" dirty="0">
+                <a:solidFill>
+                  <a:srgbClr val="FF0000"/>
+                </a:solidFill>
+                <a:sym typeface="+mn-ea"/>
+              </a:rPr>
+              <a:t>java</a:t>
+            </a:r>
+            <a:r>
+              <a:rPr lang="zh-CN" altLang="en-US" dirty="0">
+                <a:solidFill>
+                  <a:srgbClr val="FF0000"/>
+                </a:solidFill>
+                <a:sym typeface="+mn-ea"/>
+              </a:rPr>
+              <a:t>虚拟机，而</a:t>
+            </a:r>
+            <a:r>
+              <a:rPr lang="en-US" altLang="zh-CN" dirty="0">
+                <a:solidFill>
+                  <a:srgbClr val="FF0000"/>
+                </a:solidFill>
+                <a:sym typeface="+mn-ea"/>
+              </a:rPr>
+              <a:t>java</a:t>
+            </a:r>
+            <a:r>
+              <a:rPr lang="zh-CN" altLang="en-US" dirty="0">
+                <a:solidFill>
+                  <a:srgbClr val="FF0000"/>
+                </a:solidFill>
+                <a:sym typeface="+mn-ea"/>
+              </a:rPr>
+              <a:t>虚拟机能专门识别和执行编译器编译的字节码文件</a:t>
+            </a:r>
+            <a:endParaRPr lang="zh-CN" altLang="zh-CN" dirty="0">
+              <a:solidFill>
+                <a:srgbClr val="FF0000"/>
+              </a:solidFill>
+              <a:sym typeface="+mn-ea"/>
+            </a:endParaRPr>
+          </a:p>
+          <a:p>
+            <a:r>
+              <a:rPr lang="zh-CN" altLang="zh-CN" dirty="0">
+                <a:solidFill>
+                  <a:srgbClr val="FF0000"/>
+                </a:solidFill>
+                <a:sym typeface="+mn-ea"/>
+              </a:rPr>
+              <a:t>编译器只是针对</a:t>
+            </a:r>
+            <a:r>
+              <a:rPr lang="en-US" altLang="zh-CN" dirty="0">
+                <a:solidFill>
+                  <a:srgbClr val="FF0000"/>
+                </a:solidFill>
+                <a:sym typeface="+mn-ea"/>
+              </a:rPr>
+              <a:t>Java</a:t>
+            </a:r>
+            <a:r>
+              <a:rPr lang="zh-CN" altLang="zh-CN" dirty="0">
+                <a:solidFill>
+                  <a:srgbClr val="FF0000"/>
+                </a:solidFill>
+                <a:sym typeface="+mn-ea"/>
+              </a:rPr>
+              <a:t>虚拟机进行编译，编译出来的</a:t>
+            </a:r>
+            <a:r>
+              <a:rPr lang="en-US" altLang="zh-CN" dirty="0">
+                <a:solidFill>
+                  <a:srgbClr val="FF0000"/>
+                </a:solidFill>
+                <a:sym typeface="+mn-ea"/>
+              </a:rPr>
+              <a:t>class</a:t>
+            </a:r>
+            <a:r>
+              <a:rPr lang="zh-CN" altLang="en-US" dirty="0">
+                <a:solidFill>
+                  <a:srgbClr val="FF0000"/>
+                </a:solidFill>
+                <a:sym typeface="+mn-ea"/>
+              </a:rPr>
+              <a:t>文件是可以</a:t>
+            </a:r>
+            <a:r>
+              <a:rPr lang="en-US" altLang="zh-CN" dirty="0">
+                <a:solidFill>
+                  <a:srgbClr val="FF0000"/>
+                </a:solidFill>
+                <a:sym typeface="+mn-ea"/>
+              </a:rPr>
+              <a:t>java</a:t>
+            </a:r>
+            <a:r>
+              <a:rPr lang="zh-CN" altLang="en-US" dirty="0">
+                <a:solidFill>
+                  <a:srgbClr val="FF0000"/>
+                </a:solidFill>
+                <a:sym typeface="+mn-ea"/>
+              </a:rPr>
+              <a:t>虚拟机识别的</a:t>
+            </a:r>
+            <a:r>
+              <a:rPr lang="en-US" altLang="zh-CN" dirty="0">
+                <a:solidFill>
+                  <a:srgbClr val="FF0000"/>
+                </a:solidFill>
+                <a:sym typeface="+mn-ea"/>
+              </a:rPr>
+              <a:t>,</a:t>
+            </a:r>
+            <a:r>
+              <a:rPr lang="en-US" altLang="zh-CN" b="1" dirty="0">
+                <a:solidFill>
+                  <a:srgbClr val="0070C0"/>
+                </a:solidFill>
+                <a:sym typeface="+mn-ea"/>
+              </a:rPr>
+              <a:t>Java</a:t>
+            </a:r>
+            <a:r>
+              <a:rPr lang="zh-CN" altLang="zh-CN" b="1" dirty="0">
+                <a:solidFill>
+                  <a:srgbClr val="0070C0"/>
+                </a:solidFill>
+                <a:sym typeface="+mn-ea"/>
+              </a:rPr>
+              <a:t>虚拟机</a:t>
+            </a:r>
+            <a:r>
+              <a:rPr lang="en-US" altLang="zh-CN" b="1" dirty="0">
+                <a:solidFill>
+                  <a:srgbClr val="0070C0"/>
+                </a:solidFill>
+                <a:sym typeface="+mn-ea"/>
+              </a:rPr>
+              <a:t>Java</a:t>
+            </a:r>
+            <a:r>
+              <a:rPr lang="zh-CN" altLang="zh-CN" b="1" dirty="0">
+                <a:solidFill>
+                  <a:srgbClr val="0070C0"/>
+                </a:solidFill>
+                <a:sym typeface="+mn-ea"/>
+              </a:rPr>
+              <a:t>虚拟机负责将字节码翻译成虚拟机所在平台的机器码</a:t>
+            </a:r>
+            <a:endParaRPr lang="en-US" altLang="zh-CN" dirty="0">
+              <a:solidFill>
+                <a:srgbClr val="FF0000"/>
+              </a:solidFill>
+              <a:sym typeface="+mn-ea"/>
+            </a:endParaRPr>
           </a:p>
         </p:txBody>
       </p:sp>
@@ -1941,7 +2069,6 @@
                 <a:ea typeface="宋体" panose="02010600030101010101" pitchFamily="2" charset="-122"/>
                 <a:cs typeface="+mn-cs"/>
               </a:rPr>
-              <a:t>2019/9/3</a:t>
             </a:fld>
             <a:endParaRPr kumimoji="1" lang="en-US" altLang="zh-CN" sz="1200" b="0" i="0" u="none" strike="noStrike" kern="1200" cap="none" spc="0" normalizeH="0" baseline="0" noProof="0">
               <a:ln>
@@ -1969,6 +2096,134 @@
 </file>
 
 <file path=ppt/notesSlides/notesSlide6.xml><?xml version="1.0" encoding="utf-8"?>
+<p:notes xmlns:a="http://schemas.openxmlformats.org/drawingml/2006/main" xmlns:r="http://schemas.openxmlformats.org/officeDocument/2006/relationships" xmlns:p="http://schemas.openxmlformats.org/presentationml/2006/main">
+  <p:cSld>
+    <p:spTree>
+      <p:nvGrpSpPr>
+        <p:cNvPr id="1" name=""/>
+        <p:cNvGrpSpPr/>
+        <p:nvPr/>
+      </p:nvGrpSpPr>
+      <p:grpSpPr>
+        <a:xfrm>
+          <a:off x="0" y="0"/>
+          <a:ext cx="0" cy="0"/>
+          <a:chOff x="0" y="0"/>
+          <a:chExt cx="0" cy="0"/>
+        </a:xfrm>
+      </p:grpSpPr>
+      <p:sp>
+        <p:nvSpPr>
+          <p:cNvPr id="2" name="幻灯片图像占位符 1"/>
+          <p:cNvSpPr>
+            <a:spLocks noGrp="1" noRot="1" noChangeAspect="1"/>
+          </p:cNvSpPr>
+          <p:nvPr>
+            <p:ph type="sldImg" idx="2"/>
+          </p:nvPr>
+        </p:nvSpPr>
+        <p:spPr/>
+      </p:sp>
+      <p:sp>
+        <p:nvSpPr>
+          <p:cNvPr id="3" name="文本占位符 2"/>
+          <p:cNvSpPr>
+            <a:spLocks noGrp="1"/>
+          </p:cNvSpPr>
+          <p:nvPr>
+            <p:ph type="body" idx="3"/>
+          </p:nvPr>
+        </p:nvSpPr>
+        <p:spPr/>
+        <p:txBody>
+          <a:bodyPr/>
+          <a:lstStyle/>
+          <a:p>
+            <a:r>
+              <a:rPr lang="zh-CN" altLang="en-US" dirty="0"/>
+              <a:t>串行和并行</a:t>
+            </a:r>
+            <a:r>
+              <a:rPr lang="zh-CN" altLang="en-US" dirty="0" smtClean="0"/>
+              <a:t>。多线程就是可以让程序同时跑两个方法。</a:t>
+            </a:r>
+            <a:endParaRPr lang="zh-CN" altLang="en-US" dirty="0"/>
+          </a:p>
+        </p:txBody>
+      </p:sp>
+      <p:sp>
+        <p:nvSpPr>
+          <p:cNvPr id="4" name="日期占位符 3"/>
+          <p:cNvSpPr>
+            <a:spLocks noGrp="1"/>
+          </p:cNvSpPr>
+          <p:nvPr>
+            <p:ph type="dt" idx="1"/>
+          </p:nvPr>
+        </p:nvSpPr>
+        <p:spPr/>
+        <p:txBody>
+          <a:bodyPr/>
+          <a:lstStyle/>
+          <a:p>
+            <a:pPr marL="0" marR="0" lvl="0" indent="0" algn="r" defTabSz="914400" rtl="0" eaLnBrk="1" fontAlgn="base" latinLnBrk="0" hangingPunct="1">
+              <a:lnSpc>
+                <a:spcPct val="100000"/>
+              </a:lnSpc>
+              <a:spcBef>
+                <a:spcPct val="0"/>
+              </a:spcBef>
+              <a:spcAft>
+                <a:spcPct val="0"/>
+              </a:spcAft>
+              <a:buClrTx/>
+              <a:buSzTx/>
+              <a:buFontTx/>
+              <a:buNone/>
+              <a:defRPr/>
+            </a:pPr>
+            <a:fld id="{FA9169E9-CD67-4AB0-976B-A37E974130E6}" type="datetime5">
+              <a:rPr kumimoji="1" lang="zh-CN" altLang="en-US" sz="1200" b="0" i="0" u="none" strike="noStrike" kern="1200" cap="none" spc="0" normalizeH="0" baseline="0" noProof="0">
+                <a:ln>
+                  <a:noFill/>
+                </a:ln>
+                <a:solidFill>
+                  <a:schemeClr val="tx1"/>
+                </a:solidFill>
+                <a:effectLst/>
+                <a:uLnTx/>
+                <a:uFillTx/>
+                <a:latin typeface="Times New Roman" panose="02020603050405020304" pitchFamily="18" charset="0"/>
+                <a:ea typeface="宋体" panose="02010600030101010101" pitchFamily="2" charset="-122"/>
+                <a:cs typeface="+mn-cs"/>
+              </a:rPr>
+            </a:fld>
+            <a:endParaRPr kumimoji="1" lang="en-US" altLang="zh-CN" sz="1200" b="0" i="0" u="none" strike="noStrike" kern="1200" cap="none" spc="0" normalizeH="0" baseline="0" noProof="0">
+              <a:ln>
+                <a:noFill/>
+              </a:ln>
+              <a:solidFill>
+                <a:schemeClr val="tx1"/>
+              </a:solidFill>
+              <a:effectLst/>
+              <a:uLnTx/>
+              <a:uFillTx/>
+              <a:latin typeface="Times New Roman" panose="02020603050405020304" pitchFamily="18" charset="0"/>
+              <a:ea typeface="宋体" panose="02010600030101010101" pitchFamily="2" charset="-122"/>
+              <a:cs typeface="+mn-cs"/>
+            </a:endParaRPr>
+          </a:p>
+        </p:txBody>
+      </p:sp>
+    </p:spTree>
+  </p:cSld>
+  <p:clrMapOvr>
+    <a:masterClrMapping/>
+  </p:clrMapOvr>
+</p:notes>
+</file>
+
+<file path=ppt/notesSlides/notesSlide7.xml><?xml version="1.0" encoding="utf-8"?>
 <p:notes xmlns:a="http://schemas.openxmlformats.org/drawingml/2006/main" xmlns:r="http://schemas.openxmlformats.org/officeDocument/2006/relationships" xmlns:p="http://schemas.openxmlformats.org/presentationml/2006/main">
   <p:cSld>
     <p:spTree>
@@ -2040,6 +2295,7 @@
               <a:rPr lang="en-US" altLang="zh-CN" dirty="0" smtClean="0"/>
               <a:t>.</a:t>
             </a:r>
+            <a:endParaRPr lang="en-US" altLang="zh-CN" dirty="0" smtClean="0"/>
           </a:p>
           <a:p>
             <a:r>
@@ -2065,10 +2321,6 @@
                 <a:cs typeface="+mn-cs"/>
               </a:rPr>
               <a:t>就可以了。（不需要在添加别的了）</a:t>
-            </a:r>
-            <a:r>
-              <a:rPr lang="zh-CN" altLang="en-US" dirty="0" smtClean="0"/>
-              <a:t/>
             </a:r>
             <a:br>
               <a:rPr lang="zh-CN" altLang="en-US" dirty="0" smtClean="0"/>
@@ -2207,7 +2459,6 @@
                 <a:ea typeface="宋体" panose="02010600030101010101" pitchFamily="2" charset="-122"/>
                 <a:cs typeface="+mn-cs"/>
               </a:rPr>
-              <a:t>2019/9/3</a:t>
             </a:fld>
             <a:endParaRPr kumimoji="1" lang="en-US" altLang="zh-CN" sz="1200" b="0" i="0" u="none" strike="noStrike" kern="1200" cap="none" spc="0" normalizeH="0" baseline="0" noProof="0">
               <a:ln>
@@ -2227,11 +2478,6 @@
         </p:txBody>
       </p:sp>
     </p:spTree>
-    <p:extLst>
-      <p:ext uri="{BB962C8B-B14F-4D97-AF65-F5344CB8AC3E}">
-        <p14:creationId xmlns:p14="http://schemas.microsoft.com/office/powerpoint/2010/main" val="2391888242"/>
-      </p:ext>
-    </p:extLst>
   </p:cSld>
   <p:clrMapOvr>
     <a:masterClrMapping/>
@@ -2240,7 +2486,7 @@
 </file>
 
 <file path=ppt/slideLayouts/slideLayout1.xml><?xml version="1.0" encoding="utf-8"?>
-<p:sldLayout xmlns:a="http://schemas.openxmlformats.org/drawingml/2006/main" xmlns:r="http://schemas.openxmlformats.org/officeDocument/2006/relationships" xmlns:p="http://schemas.openxmlformats.org/presentationml/2006/main" showMasterSp="0" type="title" preserve="1">
+<p:sldLayout xmlns:a="http://schemas.openxmlformats.org/drawingml/2006/main" xmlns:r="http://schemas.openxmlformats.org/officeDocument/2006/relationships" xmlns:p="http://schemas.openxmlformats.org/presentationml/2006/main" type="title" preserve="1" showMasterSp="0">
   <p:cSld name="标题幻灯片">
     <p:spTree>
       <p:nvGrpSpPr>
@@ -2555,7 +2801,6 @@
             </a:pPr>
             <a:fld id="{9A0DB2DC-4C9A-4742-B13C-FB6460FD3503}" type="slidenum">
               <a:rPr lang="zh-CN" altLang="en-US" dirty="0"/>
-              <a:t>‹#›</a:t>
             </a:fld>
             <a:endParaRPr lang="zh-CN" altLang="en-US" dirty="0"/>
           </a:p>
@@ -2577,7 +2822,7 @@
 </file>
 
 <file path=ppt/slideLayouts/slideLayout10.xml><?xml version="1.0" encoding="utf-8"?>
-<p:sldLayout xmlns:a="http://schemas.openxmlformats.org/drawingml/2006/main" xmlns:r="http://schemas.openxmlformats.org/officeDocument/2006/relationships" xmlns:p="http://schemas.openxmlformats.org/presentationml/2006/main" showMasterSp="0" type="vertTx" preserve="1">
+<p:sldLayout xmlns:a="http://schemas.openxmlformats.org/drawingml/2006/main" xmlns:r="http://schemas.openxmlformats.org/officeDocument/2006/relationships" xmlns:p="http://schemas.openxmlformats.org/presentationml/2006/main" type="vertTx" preserve="1" showMasterSp="0">
   <p:cSld name="标题和竖排文字">
     <p:spTree>
       <p:nvGrpSpPr>
@@ -2636,6 +2881,7 @@
               <a:rPr lang="zh-CN" altLang="en-US" smtClean="0"/>
               <a:t>单击此处编辑母版文本样式</a:t>
             </a:r>
+            <a:endParaRPr lang="zh-CN" altLang="en-US" smtClean="0"/>
           </a:p>
           <a:p>
             <a:pPr lvl="1"/>
@@ -2643,6 +2889,7 @@
               <a:rPr lang="zh-CN" altLang="en-US" smtClean="0"/>
               <a:t>第二级</a:t>
             </a:r>
+            <a:endParaRPr lang="zh-CN" altLang="en-US" smtClean="0"/>
           </a:p>
           <a:p>
             <a:pPr lvl="2"/>
@@ -2650,6 +2897,7 @@
               <a:rPr lang="zh-CN" altLang="en-US" smtClean="0"/>
               <a:t>第三级</a:t>
             </a:r>
+            <a:endParaRPr lang="zh-CN" altLang="en-US" smtClean="0"/>
           </a:p>
           <a:p>
             <a:pPr lvl="3"/>
@@ -2657,6 +2905,7 @@
               <a:rPr lang="zh-CN" altLang="en-US" smtClean="0"/>
               <a:t>第四级</a:t>
             </a:r>
+            <a:endParaRPr lang="zh-CN" altLang="en-US" smtClean="0"/>
           </a:p>
           <a:p>
             <a:pPr lvl="4"/>
@@ -2820,7 +3069,6 @@
             </a:pPr>
             <a:fld id="{9A0DB2DC-4C9A-4742-B13C-FB6460FD3503}" type="slidenum">
               <a:rPr lang="zh-CN" altLang="en-US" dirty="0"/>
-              <a:t>‹#›</a:t>
             </a:fld>
             <a:endParaRPr lang="zh-CN" altLang="en-US" dirty="0"/>
           </a:p>
@@ -2842,7 +3090,7 @@
 </file>
 
 <file path=ppt/slideLayouts/slideLayout11.xml><?xml version="1.0" encoding="utf-8"?>
-<p:sldLayout xmlns:a="http://schemas.openxmlformats.org/drawingml/2006/main" xmlns:r="http://schemas.openxmlformats.org/officeDocument/2006/relationships" xmlns:p="http://schemas.openxmlformats.org/presentationml/2006/main" showMasterSp="0" type="vertTitleAndTx" preserve="1">
+<p:sldLayout xmlns:a="http://schemas.openxmlformats.org/drawingml/2006/main" xmlns:r="http://schemas.openxmlformats.org/officeDocument/2006/relationships" xmlns:p="http://schemas.openxmlformats.org/presentationml/2006/main" type="vertTitleAndTx" preserve="1" showMasterSp="0">
   <p:cSld name="垂直排列标题与文本">
     <p:spTree>
       <p:nvGrpSpPr>
@@ -2911,6 +3159,7 @@
               <a:rPr lang="zh-CN" altLang="en-US" smtClean="0"/>
               <a:t>单击此处编辑母版文本样式</a:t>
             </a:r>
+            <a:endParaRPr lang="zh-CN" altLang="en-US" smtClean="0"/>
           </a:p>
           <a:p>
             <a:pPr lvl="1"/>
@@ -2918,6 +3167,7 @@
               <a:rPr lang="zh-CN" altLang="en-US" smtClean="0"/>
               <a:t>第二级</a:t>
             </a:r>
+            <a:endParaRPr lang="zh-CN" altLang="en-US" smtClean="0"/>
           </a:p>
           <a:p>
             <a:pPr lvl="2"/>
@@ -2925,6 +3175,7 @@
               <a:rPr lang="zh-CN" altLang="en-US" smtClean="0"/>
               <a:t>第三级</a:t>
             </a:r>
+            <a:endParaRPr lang="zh-CN" altLang="en-US" smtClean="0"/>
           </a:p>
           <a:p>
             <a:pPr lvl="3"/>
@@ -2932,6 +3183,7 @@
               <a:rPr lang="zh-CN" altLang="en-US" smtClean="0"/>
               <a:t>第四级</a:t>
             </a:r>
+            <a:endParaRPr lang="zh-CN" altLang="en-US" smtClean="0"/>
           </a:p>
           <a:p>
             <a:pPr lvl="4"/>
@@ -3095,7 +3347,6 @@
             </a:pPr>
             <a:fld id="{9A0DB2DC-4C9A-4742-B13C-FB6460FD3503}" type="slidenum">
               <a:rPr lang="zh-CN" altLang="en-US" dirty="0"/>
-              <a:t>‹#›</a:t>
             </a:fld>
             <a:endParaRPr lang="zh-CN" altLang="en-US" dirty="0"/>
           </a:p>
@@ -3117,7 +3368,7 @@
 </file>
 
 <file path=ppt/slideLayouts/slideLayout12.xml><?xml version="1.0" encoding="utf-8"?>
-<p:sldLayout xmlns:a="http://schemas.openxmlformats.org/drawingml/2006/main" xmlns:r="http://schemas.openxmlformats.org/officeDocument/2006/relationships" xmlns:p="http://schemas.openxmlformats.org/presentationml/2006/main" showMasterSp="0" showMasterPhAnim="0" userDrawn="1">
+<p:sldLayout xmlns:a="http://schemas.openxmlformats.org/drawingml/2006/main" xmlns:r="http://schemas.openxmlformats.org/officeDocument/2006/relationships" xmlns:p="http://schemas.openxmlformats.org/presentationml/2006/main" showMasterPhAnim="0" showMasterSp="0" userDrawn="1">
   <p:cSld name="1_标题幻灯片">
     <p:spTree>
       <p:nvGrpSpPr>
@@ -3326,7 +3577,6 @@
             </a:pPr>
             <a:fld id="{9A0DB2DC-4C9A-4742-B13C-FB6460FD3503}" type="slidenum">
               <a:rPr lang="zh-CN" altLang="en-US" dirty="0"/>
-              <a:t>‹#›</a:t>
             </a:fld>
             <a:endParaRPr lang="zh-CN" altLang="en-US" dirty="0"/>
           </a:p>
@@ -3348,7 +3598,7 @@
 </file>
 
 <file path=ppt/slideLayouts/slideLayout13.xml><?xml version="1.0" encoding="utf-8"?>
-<p:sldLayout xmlns:a="http://schemas.openxmlformats.org/drawingml/2006/main" xmlns:r="http://schemas.openxmlformats.org/officeDocument/2006/relationships" xmlns:p="http://schemas.openxmlformats.org/presentationml/2006/main" showMasterSp="0" showMasterPhAnim="0" userDrawn="1">
+<p:sldLayout xmlns:a="http://schemas.openxmlformats.org/drawingml/2006/main" xmlns:r="http://schemas.openxmlformats.org/officeDocument/2006/relationships" xmlns:p="http://schemas.openxmlformats.org/presentationml/2006/main" showMasterPhAnim="0" showMasterSp="0" userDrawn="1">
   <p:cSld name="2_标题幻灯片">
     <p:spTree>
       <p:nvGrpSpPr>
@@ -3557,7 +3807,6 @@
             </a:pPr>
             <a:fld id="{9A0DB2DC-4C9A-4742-B13C-FB6460FD3503}" type="slidenum">
               <a:rPr lang="zh-CN" altLang="en-US" dirty="0"/>
-              <a:t>‹#›</a:t>
             </a:fld>
             <a:endParaRPr lang="zh-CN" altLang="en-US" dirty="0"/>
           </a:p>
@@ -3629,7 +3878,7 @@
 </file>
 
 <file path=ppt/slideLayouts/slideLayout14.xml><?xml version="1.0" encoding="utf-8"?>
-<p:sldLayout xmlns:a="http://schemas.openxmlformats.org/drawingml/2006/main" xmlns:r="http://schemas.openxmlformats.org/officeDocument/2006/relationships" xmlns:p="http://schemas.openxmlformats.org/presentationml/2006/main" showMasterSp="0" showMasterPhAnim="0" userDrawn="1">
+<p:sldLayout xmlns:a="http://schemas.openxmlformats.org/drawingml/2006/main" xmlns:r="http://schemas.openxmlformats.org/officeDocument/2006/relationships" xmlns:p="http://schemas.openxmlformats.org/presentationml/2006/main" showMasterPhAnim="0" showMasterSp="0" userDrawn="1">
   <p:cSld name="3_标题幻灯片">
     <p:spTree>
       <p:nvGrpSpPr>
@@ -3838,7 +4087,6 @@
             </a:pPr>
             <a:fld id="{9A0DB2DC-4C9A-4742-B13C-FB6460FD3503}" type="slidenum">
               <a:rPr lang="zh-CN" altLang="en-US" dirty="0"/>
-              <a:t>‹#›</a:t>
             </a:fld>
             <a:endParaRPr lang="zh-CN" altLang="en-US" dirty="0"/>
           </a:p>
@@ -3860,7 +4108,7 @@
 </file>
 
 <file path=ppt/slideLayouts/slideLayout15.xml><?xml version="1.0" encoding="utf-8"?>
-<p:sldLayout xmlns:a="http://schemas.openxmlformats.org/drawingml/2006/main" xmlns:r="http://schemas.openxmlformats.org/officeDocument/2006/relationships" xmlns:p="http://schemas.openxmlformats.org/presentationml/2006/main" showMasterSp="0" type="txAndObj">
+<p:sldLayout xmlns:a="http://schemas.openxmlformats.org/drawingml/2006/main" xmlns:r="http://schemas.openxmlformats.org/officeDocument/2006/relationships" xmlns:p="http://schemas.openxmlformats.org/presentationml/2006/main" type="txAndObj" showMasterSp="0">
   <p:cSld name="标题，文本与内容">
     <p:spTree>
       <p:nvGrpSpPr>
@@ -3957,6 +4205,7 @@
               <a:rPr lang="zh-CN" altLang="en-US" smtClean="0"/>
               <a:t>单击此处编辑母版文本样式</a:t>
             </a:r>
+            <a:endParaRPr lang="zh-CN" altLang="en-US" smtClean="0"/>
           </a:p>
           <a:p>
             <a:pPr lvl="1"/>
@@ -3964,6 +4213,7 @@
               <a:rPr lang="zh-CN" altLang="en-US" smtClean="0"/>
               <a:t>第二级</a:t>
             </a:r>
+            <a:endParaRPr lang="zh-CN" altLang="en-US" smtClean="0"/>
           </a:p>
           <a:p>
             <a:pPr lvl="2"/>
@@ -3971,6 +4221,7 @@
               <a:rPr lang="zh-CN" altLang="en-US" smtClean="0"/>
               <a:t>第三级</a:t>
             </a:r>
+            <a:endParaRPr lang="zh-CN" altLang="en-US" smtClean="0"/>
           </a:p>
           <a:p>
             <a:pPr lvl="3"/>
@@ -3978,6 +4229,7 @@
               <a:rPr lang="zh-CN" altLang="en-US" smtClean="0"/>
               <a:t>第四级</a:t>
             </a:r>
+            <a:endParaRPr lang="zh-CN" altLang="en-US" smtClean="0"/>
           </a:p>
           <a:p>
             <a:pPr lvl="4"/>
@@ -4014,6 +4266,7 @@
               <a:rPr lang="zh-CN" altLang="en-US" smtClean="0"/>
               <a:t>单击此处编辑母版文本样式</a:t>
             </a:r>
+            <a:endParaRPr lang="zh-CN" altLang="en-US" smtClean="0"/>
           </a:p>
           <a:p>
             <a:pPr lvl="1"/>
@@ -4021,6 +4274,7 @@
               <a:rPr lang="zh-CN" altLang="en-US" smtClean="0"/>
               <a:t>第二级</a:t>
             </a:r>
+            <a:endParaRPr lang="zh-CN" altLang="en-US" smtClean="0"/>
           </a:p>
           <a:p>
             <a:pPr lvl="2"/>
@@ -4028,6 +4282,7 @@
               <a:rPr lang="zh-CN" altLang="en-US" smtClean="0"/>
               <a:t>第三级</a:t>
             </a:r>
+            <a:endParaRPr lang="zh-CN" altLang="en-US" smtClean="0"/>
           </a:p>
           <a:p>
             <a:pPr lvl="3"/>
@@ -4035,6 +4290,7 @@
               <a:rPr lang="zh-CN" altLang="en-US" smtClean="0"/>
               <a:t>第四级</a:t>
             </a:r>
+            <a:endParaRPr lang="zh-CN" altLang="en-US" smtClean="0"/>
           </a:p>
           <a:p>
             <a:pPr lvl="4"/>
@@ -4074,7 +4330,6 @@
             </a:pPr>
             <a:fld id="{9A0DB2DC-4C9A-4742-B13C-FB6460FD3503}" type="slidenum">
               <a:rPr lang="zh-CN" altLang="en-US" dirty="0"/>
-              <a:t>‹#›</a:t>
             </a:fld>
             <a:endParaRPr lang="zh-CN" altLang="en-US" dirty="0"/>
           </a:p>
@@ -4158,7 +4413,7 @@
 </file>
 
 <file path=ppt/slideLayouts/slideLayout2.xml><?xml version="1.0" encoding="utf-8"?>
-<p:sldLayout xmlns:a="http://schemas.openxmlformats.org/drawingml/2006/main" xmlns:r="http://schemas.openxmlformats.org/officeDocument/2006/relationships" xmlns:p="http://schemas.openxmlformats.org/presentationml/2006/main" showMasterSp="0" type="obj" preserve="1">
+<p:sldLayout xmlns:a="http://schemas.openxmlformats.org/drawingml/2006/main" xmlns:r="http://schemas.openxmlformats.org/officeDocument/2006/relationships" xmlns:p="http://schemas.openxmlformats.org/presentationml/2006/main" type="obj" preserve="1" showMasterSp="0">
   <p:cSld name="标题和内容">
     <p:spTree>
       <p:nvGrpSpPr>
@@ -4217,6 +4472,7 @@
               <a:rPr lang="zh-CN" altLang="en-US" smtClean="0"/>
               <a:t>单击此处编辑母版文本样式</a:t>
             </a:r>
+            <a:endParaRPr lang="zh-CN" altLang="en-US" smtClean="0"/>
           </a:p>
           <a:p>
             <a:pPr lvl="1"/>
@@ -4224,6 +4480,7 @@
               <a:rPr lang="zh-CN" altLang="en-US" smtClean="0"/>
               <a:t>第二级</a:t>
             </a:r>
+            <a:endParaRPr lang="zh-CN" altLang="en-US" smtClean="0"/>
           </a:p>
           <a:p>
             <a:pPr lvl="2"/>
@@ -4231,6 +4488,7 @@
               <a:rPr lang="zh-CN" altLang="en-US" smtClean="0"/>
               <a:t>第三级</a:t>
             </a:r>
+            <a:endParaRPr lang="zh-CN" altLang="en-US" smtClean="0"/>
           </a:p>
           <a:p>
             <a:pPr lvl="3"/>
@@ -4238,6 +4496,7 @@
               <a:rPr lang="zh-CN" altLang="en-US" smtClean="0"/>
               <a:t>第四级</a:t>
             </a:r>
+            <a:endParaRPr lang="zh-CN" altLang="en-US" smtClean="0"/>
           </a:p>
           <a:p>
             <a:pPr lvl="4"/>
@@ -4401,7 +4660,6 @@
             </a:pPr>
             <a:fld id="{9A0DB2DC-4C9A-4742-B13C-FB6460FD3503}" type="slidenum">
               <a:rPr lang="zh-CN" altLang="en-US" dirty="0"/>
-              <a:t>‹#›</a:t>
             </a:fld>
             <a:endParaRPr lang="zh-CN" altLang="en-US" dirty="0"/>
           </a:p>
@@ -4423,7 +4681,7 @@
 </file>
 
 <file path=ppt/slideLayouts/slideLayout3.xml><?xml version="1.0" encoding="utf-8"?>
-<p:sldLayout xmlns:a="http://schemas.openxmlformats.org/drawingml/2006/main" xmlns:r="http://schemas.openxmlformats.org/officeDocument/2006/relationships" xmlns:p="http://schemas.openxmlformats.org/presentationml/2006/main" showMasterSp="0" type="secHead" preserve="1">
+<p:sldLayout xmlns:a="http://schemas.openxmlformats.org/drawingml/2006/main" xmlns:r="http://schemas.openxmlformats.org/officeDocument/2006/relationships" xmlns:p="http://schemas.openxmlformats.org/presentationml/2006/main" type="secHead" preserve="1" showMasterSp="0">
   <p:cSld name="节标题">
     <p:spTree>
       <p:nvGrpSpPr>
@@ -4587,6 +4845,7 @@
               <a:rPr lang="zh-CN" altLang="en-US" smtClean="0"/>
               <a:t>单击此处编辑母版文本样式</a:t>
             </a:r>
+            <a:endParaRPr lang="zh-CN" altLang="en-US" smtClean="0"/>
           </a:p>
         </p:txBody>
       </p:sp>
@@ -4742,7 +5001,6 @@
             </a:pPr>
             <a:fld id="{9A0DB2DC-4C9A-4742-B13C-FB6460FD3503}" type="slidenum">
               <a:rPr lang="zh-CN" altLang="en-US" dirty="0"/>
-              <a:t>‹#›</a:t>
             </a:fld>
             <a:endParaRPr lang="zh-CN" altLang="en-US" dirty="0"/>
           </a:p>
@@ -4764,7 +5022,7 @@
 </file>
 
 <file path=ppt/slideLayouts/slideLayout4.xml><?xml version="1.0" encoding="utf-8"?>
-<p:sldLayout xmlns:a="http://schemas.openxmlformats.org/drawingml/2006/main" xmlns:r="http://schemas.openxmlformats.org/officeDocument/2006/relationships" xmlns:p="http://schemas.openxmlformats.org/presentationml/2006/main" showMasterSp="0" type="twoObj" preserve="1">
+<p:sldLayout xmlns:a="http://schemas.openxmlformats.org/drawingml/2006/main" xmlns:r="http://schemas.openxmlformats.org/officeDocument/2006/relationships" xmlns:p="http://schemas.openxmlformats.org/presentationml/2006/main" type="twoObj" preserve="1" showMasterSp="0">
   <p:cSld name="两栏内容">
     <p:spTree>
       <p:nvGrpSpPr>
@@ -4856,6 +5114,7 @@
               <a:rPr lang="zh-CN" altLang="en-US" smtClean="0"/>
               <a:t>单击此处编辑母版文本样式</a:t>
             </a:r>
+            <a:endParaRPr lang="zh-CN" altLang="en-US" smtClean="0"/>
           </a:p>
           <a:p>
             <a:pPr lvl="1"/>
@@ -4863,6 +5122,7 @@
               <a:rPr lang="zh-CN" altLang="en-US" smtClean="0"/>
               <a:t>第二级</a:t>
             </a:r>
+            <a:endParaRPr lang="zh-CN" altLang="en-US" smtClean="0"/>
           </a:p>
           <a:p>
             <a:pPr lvl="2"/>
@@ -4870,6 +5130,7 @@
               <a:rPr lang="zh-CN" altLang="en-US" smtClean="0"/>
               <a:t>第三级</a:t>
             </a:r>
+            <a:endParaRPr lang="zh-CN" altLang="en-US" smtClean="0"/>
           </a:p>
           <a:p>
             <a:pPr lvl="3"/>
@@ -4877,6 +5138,7 @@
               <a:rPr lang="zh-CN" altLang="en-US" smtClean="0"/>
               <a:t>第四级</a:t>
             </a:r>
+            <a:endParaRPr lang="zh-CN" altLang="en-US" smtClean="0"/>
           </a:p>
           <a:p>
             <a:pPr lvl="4"/>
@@ -4941,6 +5203,7 @@
               <a:rPr lang="zh-CN" altLang="en-US" smtClean="0"/>
               <a:t>单击此处编辑母版文本样式</a:t>
             </a:r>
+            <a:endParaRPr lang="zh-CN" altLang="en-US" smtClean="0"/>
           </a:p>
           <a:p>
             <a:pPr lvl="1"/>
@@ -4948,6 +5211,7 @@
               <a:rPr lang="zh-CN" altLang="en-US" smtClean="0"/>
               <a:t>第二级</a:t>
             </a:r>
+            <a:endParaRPr lang="zh-CN" altLang="en-US" smtClean="0"/>
           </a:p>
           <a:p>
             <a:pPr lvl="2"/>
@@ -4955,6 +5219,7 @@
               <a:rPr lang="zh-CN" altLang="en-US" smtClean="0"/>
               <a:t>第三级</a:t>
             </a:r>
+            <a:endParaRPr lang="zh-CN" altLang="en-US" smtClean="0"/>
           </a:p>
           <a:p>
             <a:pPr lvl="3"/>
@@ -4962,6 +5227,7 @@
               <a:rPr lang="zh-CN" altLang="en-US" smtClean="0"/>
               <a:t>第四级</a:t>
             </a:r>
+            <a:endParaRPr lang="zh-CN" altLang="en-US" smtClean="0"/>
           </a:p>
           <a:p>
             <a:pPr lvl="4"/>
@@ -5125,7 +5391,6 @@
             </a:pPr>
             <a:fld id="{9A0DB2DC-4C9A-4742-B13C-FB6460FD3503}" type="slidenum">
               <a:rPr lang="zh-CN" altLang="en-US" dirty="0"/>
-              <a:t>‹#›</a:t>
             </a:fld>
             <a:endParaRPr lang="zh-CN" altLang="en-US" dirty="0"/>
           </a:p>
@@ -5147,7 +5412,7 @@
 </file>
 
 <file path=ppt/slideLayouts/slideLayout5.xml><?xml version="1.0" encoding="utf-8"?>
-<p:sldLayout xmlns:a="http://schemas.openxmlformats.org/drawingml/2006/main" xmlns:r="http://schemas.openxmlformats.org/officeDocument/2006/relationships" xmlns:p="http://schemas.openxmlformats.org/presentationml/2006/main" showMasterSp="0" type="twoTxTwoObj" preserve="1">
+<p:sldLayout xmlns:a="http://schemas.openxmlformats.org/drawingml/2006/main" xmlns:r="http://schemas.openxmlformats.org/officeDocument/2006/relationships" xmlns:p="http://schemas.openxmlformats.org/presentationml/2006/main" type="twoTxTwoObj" preserve="1" showMasterSp="0">
   <p:cSld name="比较">
     <p:spTree>
       <p:nvGrpSpPr>
@@ -5252,6 +5517,7 @@
               <a:rPr lang="zh-CN" altLang="en-US" smtClean="0"/>
               <a:t>单击此处编辑母版文本样式</a:t>
             </a:r>
+            <a:endParaRPr lang="zh-CN" altLang="en-US" smtClean="0"/>
           </a:p>
         </p:txBody>
       </p:sp>
@@ -5308,6 +5574,7 @@
               <a:rPr lang="zh-CN" altLang="en-US" smtClean="0"/>
               <a:t>单击此处编辑母版文本样式</a:t>
             </a:r>
+            <a:endParaRPr lang="zh-CN" altLang="en-US" smtClean="0"/>
           </a:p>
           <a:p>
             <a:pPr lvl="1"/>
@@ -5315,6 +5582,7 @@
               <a:rPr lang="zh-CN" altLang="en-US" smtClean="0"/>
               <a:t>第二级</a:t>
             </a:r>
+            <a:endParaRPr lang="zh-CN" altLang="en-US" smtClean="0"/>
           </a:p>
           <a:p>
             <a:pPr lvl="2"/>
@@ -5322,6 +5590,7 @@
               <a:rPr lang="zh-CN" altLang="en-US" smtClean="0"/>
               <a:t>第三级</a:t>
             </a:r>
+            <a:endParaRPr lang="zh-CN" altLang="en-US" smtClean="0"/>
           </a:p>
           <a:p>
             <a:pPr lvl="3"/>
@@ -5329,6 +5598,7 @@
               <a:rPr lang="zh-CN" altLang="en-US" smtClean="0"/>
               <a:t>第四级</a:t>
             </a:r>
+            <a:endParaRPr lang="zh-CN" altLang="en-US" smtClean="0"/>
           </a:p>
           <a:p>
             <a:pPr lvl="4"/>
@@ -5402,6 +5672,7 @@
               <a:rPr lang="zh-CN" altLang="en-US" smtClean="0"/>
               <a:t>单击此处编辑母版文本样式</a:t>
             </a:r>
+            <a:endParaRPr lang="zh-CN" altLang="en-US" smtClean="0"/>
           </a:p>
         </p:txBody>
       </p:sp>
@@ -5458,6 +5729,7 @@
               <a:rPr lang="zh-CN" altLang="en-US" smtClean="0"/>
               <a:t>单击此处编辑母版文本样式</a:t>
             </a:r>
+            <a:endParaRPr lang="zh-CN" altLang="en-US" smtClean="0"/>
           </a:p>
           <a:p>
             <a:pPr lvl="1"/>
@@ -5465,6 +5737,7 @@
               <a:rPr lang="zh-CN" altLang="en-US" smtClean="0"/>
               <a:t>第二级</a:t>
             </a:r>
+            <a:endParaRPr lang="zh-CN" altLang="en-US" smtClean="0"/>
           </a:p>
           <a:p>
             <a:pPr lvl="2"/>
@@ -5472,6 +5745,7 @@
               <a:rPr lang="zh-CN" altLang="en-US" smtClean="0"/>
               <a:t>第三级</a:t>
             </a:r>
+            <a:endParaRPr lang="zh-CN" altLang="en-US" smtClean="0"/>
           </a:p>
           <a:p>
             <a:pPr lvl="3"/>
@@ -5479,6 +5753,7 @@
               <a:rPr lang="zh-CN" altLang="en-US" smtClean="0"/>
               <a:t>第四级</a:t>
             </a:r>
+            <a:endParaRPr lang="zh-CN" altLang="en-US" smtClean="0"/>
           </a:p>
           <a:p>
             <a:pPr lvl="4"/>
@@ -5642,7 +5917,6 @@
             </a:pPr>
             <a:fld id="{9A0DB2DC-4C9A-4742-B13C-FB6460FD3503}" type="slidenum">
               <a:rPr lang="zh-CN" altLang="en-US" dirty="0"/>
-              <a:t>‹#›</a:t>
             </a:fld>
             <a:endParaRPr lang="zh-CN" altLang="en-US" dirty="0"/>
           </a:p>
@@ -5664,7 +5938,7 @@
 </file>
 
 <file path=ppt/slideLayouts/slideLayout6.xml><?xml version="1.0" encoding="utf-8"?>
-<p:sldLayout xmlns:a="http://schemas.openxmlformats.org/drawingml/2006/main" xmlns:r="http://schemas.openxmlformats.org/officeDocument/2006/relationships" xmlns:p="http://schemas.openxmlformats.org/presentationml/2006/main" showMasterSp="0" type="titleOnly" preserve="1">
+<p:sldLayout xmlns:a="http://schemas.openxmlformats.org/drawingml/2006/main" xmlns:r="http://schemas.openxmlformats.org/officeDocument/2006/relationships" xmlns:p="http://schemas.openxmlformats.org/presentationml/2006/main" type="titleOnly" preserve="1" showMasterSp="0">
   <p:cSld name="仅标题">
     <p:spTree>
       <p:nvGrpSpPr>
@@ -5855,7 +6129,6 @@
             </a:pPr>
             <a:fld id="{9A0DB2DC-4C9A-4742-B13C-FB6460FD3503}" type="slidenum">
               <a:rPr lang="zh-CN" altLang="en-US" dirty="0"/>
-              <a:t>‹#›</a:t>
             </a:fld>
             <a:endParaRPr lang="zh-CN" altLang="en-US" dirty="0"/>
           </a:p>
@@ -5877,7 +6150,7 @@
 </file>
 
 <file path=ppt/slideLayouts/slideLayout7.xml><?xml version="1.0" encoding="utf-8"?>
-<p:sldLayout xmlns:a="http://schemas.openxmlformats.org/drawingml/2006/main" xmlns:r="http://schemas.openxmlformats.org/officeDocument/2006/relationships" xmlns:p="http://schemas.openxmlformats.org/presentationml/2006/main" showMasterSp="0" type="blank" preserve="1">
+<p:sldLayout xmlns:a="http://schemas.openxmlformats.org/drawingml/2006/main" xmlns:r="http://schemas.openxmlformats.org/officeDocument/2006/relationships" xmlns:p="http://schemas.openxmlformats.org/presentationml/2006/main" type="blank" preserve="1" showMasterSp="0">
   <p:cSld name="空白">
     <p:spTree>
       <p:nvGrpSpPr>
@@ -6045,7 +6318,6 @@
             </a:pPr>
             <a:fld id="{9A0DB2DC-4C9A-4742-B13C-FB6460FD3503}" type="slidenum">
               <a:rPr lang="zh-CN" altLang="en-US" dirty="0"/>
-              <a:t>‹#›</a:t>
             </a:fld>
             <a:endParaRPr lang="zh-CN" altLang="en-US" dirty="0"/>
           </a:p>
@@ -6067,7 +6339,7 @@
 </file>
 
 <file path=ppt/slideLayouts/slideLayout8.xml><?xml version="1.0" encoding="utf-8"?>
-<p:sldLayout xmlns:a="http://schemas.openxmlformats.org/drawingml/2006/main" xmlns:r="http://schemas.openxmlformats.org/officeDocument/2006/relationships" xmlns:p="http://schemas.openxmlformats.org/presentationml/2006/main" showMasterSp="0" type="objTx" preserve="1">
+<p:sldLayout xmlns:a="http://schemas.openxmlformats.org/drawingml/2006/main" xmlns:r="http://schemas.openxmlformats.org/officeDocument/2006/relationships" xmlns:p="http://schemas.openxmlformats.org/presentationml/2006/main" type="objTx" preserve="1" showMasterSp="0">
   <p:cSld name="内容与标题">
     <p:spTree>
       <p:nvGrpSpPr>
@@ -6168,6 +6440,7 @@
               <a:rPr lang="zh-CN" altLang="en-US" smtClean="0"/>
               <a:t>单击此处编辑母版文本样式</a:t>
             </a:r>
+            <a:endParaRPr lang="zh-CN" altLang="en-US" smtClean="0"/>
           </a:p>
           <a:p>
             <a:pPr lvl="1"/>
@@ -6175,6 +6448,7 @@
               <a:rPr lang="zh-CN" altLang="en-US" smtClean="0"/>
               <a:t>第二级</a:t>
             </a:r>
+            <a:endParaRPr lang="zh-CN" altLang="en-US" smtClean="0"/>
           </a:p>
           <a:p>
             <a:pPr lvl="2"/>
@@ -6182,6 +6456,7 @@
               <a:rPr lang="zh-CN" altLang="en-US" smtClean="0"/>
               <a:t>第三级</a:t>
             </a:r>
+            <a:endParaRPr lang="zh-CN" altLang="en-US" smtClean="0"/>
           </a:p>
           <a:p>
             <a:pPr lvl="3"/>
@@ -6189,6 +6464,7 @@
               <a:rPr lang="zh-CN" altLang="en-US" smtClean="0"/>
               <a:t>第四级</a:t>
             </a:r>
+            <a:endParaRPr lang="zh-CN" altLang="en-US" smtClean="0"/>
           </a:p>
           <a:p>
             <a:pPr lvl="4"/>
@@ -6262,6 +6538,7 @@
               <a:rPr lang="zh-CN" altLang="en-US" smtClean="0"/>
               <a:t>单击此处编辑母版文本样式</a:t>
             </a:r>
+            <a:endParaRPr lang="zh-CN" altLang="en-US" smtClean="0"/>
           </a:p>
         </p:txBody>
       </p:sp>
@@ -6417,7 +6694,6 @@
             </a:pPr>
             <a:fld id="{9A0DB2DC-4C9A-4742-B13C-FB6460FD3503}" type="slidenum">
               <a:rPr lang="zh-CN" altLang="en-US" dirty="0"/>
-              <a:t>‹#›</a:t>
             </a:fld>
             <a:endParaRPr lang="zh-CN" altLang="en-US" dirty="0"/>
           </a:p>
@@ -6439,7 +6715,7 @@
 </file>
 
 <file path=ppt/slideLayouts/slideLayout9.xml><?xml version="1.0" encoding="utf-8"?>
-<p:sldLayout xmlns:a="http://schemas.openxmlformats.org/drawingml/2006/main" xmlns:r="http://schemas.openxmlformats.org/officeDocument/2006/relationships" xmlns:p="http://schemas.openxmlformats.org/presentationml/2006/main" showMasterSp="0" type="picTx" preserve="1">
+<p:sldLayout xmlns:a="http://schemas.openxmlformats.org/drawingml/2006/main" xmlns:r="http://schemas.openxmlformats.org/officeDocument/2006/relationships" xmlns:p="http://schemas.openxmlformats.org/presentationml/2006/main" type="picTx" preserve="1" showMasterSp="0">
   <p:cSld name="图片与标题">
     <p:spTree>
       <p:nvGrpSpPr>
@@ -6641,6 +6917,7 @@
               <a:rPr lang="zh-CN" altLang="en-US" smtClean="0"/>
               <a:t>单击此处编辑母版文本样式</a:t>
             </a:r>
+            <a:endParaRPr lang="zh-CN" altLang="en-US" smtClean="0"/>
           </a:p>
         </p:txBody>
       </p:sp>
@@ -6796,7 +7073,6 @@
             </a:pPr>
             <a:fld id="{9A0DB2DC-4C9A-4742-B13C-FB6460FD3503}" type="slidenum">
               <a:rPr lang="zh-CN" altLang="en-US" dirty="0"/>
-              <a:t>‹#›</a:t>
             </a:fld>
             <a:endParaRPr lang="zh-CN" altLang="en-US" dirty="0"/>
           </a:p>
@@ -6823,7 +7099,7 @@
     <p:bg>
       <p:bgPr>
         <a:blipFill dpi="0" rotWithShape="1">
-          <a:blip r:embed="rId17">
+          <a:blip r:embed="rId16">
             <a:lum/>
           </a:blip>
           <a:srcRect/>
@@ -6880,6 +7156,7 @@
               <a:rPr lang="zh-CN" altLang="en-US" dirty="0"/>
               <a:t>单击此处编辑母版标题样式</a:t>
             </a:r>
+            <a:endParaRPr lang="zh-CN" altLang="en-US" dirty="0"/>
           </a:p>
         </p:txBody>
       </p:sp>
@@ -6915,6 +7192,7 @@
               <a:rPr lang="zh-CN" altLang="en-US" dirty="0"/>
               <a:t>单击此处编辑母版文本样式</a:t>
             </a:r>
+            <a:endParaRPr lang="zh-CN" altLang="en-US" dirty="0"/>
           </a:p>
           <a:p>
             <a:pPr lvl="1"/>
@@ -6922,6 +7200,7 @@
               <a:rPr lang="zh-CN" altLang="en-US" dirty="0"/>
               <a:t>第二级</a:t>
             </a:r>
+            <a:endParaRPr lang="zh-CN" altLang="en-US" dirty="0"/>
           </a:p>
           <a:p>
             <a:pPr lvl="2"/>
@@ -6929,6 +7208,7 @@
               <a:rPr lang="zh-CN" altLang="en-US" dirty="0"/>
               <a:t>第三级</a:t>
             </a:r>
+            <a:endParaRPr lang="zh-CN" altLang="en-US" dirty="0"/>
           </a:p>
           <a:p>
             <a:pPr lvl="3"/>
@@ -6936,6 +7216,7 @@
               <a:rPr lang="zh-CN" altLang="en-US" dirty="0"/>
               <a:t>第四级</a:t>
             </a:r>
+            <a:endParaRPr lang="zh-CN" altLang="en-US" dirty="0"/>
           </a:p>
           <a:p>
             <a:pPr lvl="4"/>
@@ -6943,6 +7224,7 @@
               <a:rPr lang="zh-CN" altLang="en-US" dirty="0"/>
               <a:t>第五级</a:t>
             </a:r>
+            <a:endParaRPr lang="zh-CN" altLang="en-US" dirty="0"/>
           </a:p>
         </p:txBody>
       </p:sp>
@@ -7120,7 +7402,6 @@
               <a:rPr lang="zh-CN" altLang="en-US" dirty="0">
                 <a:latin typeface="Times New Roman" panose="02020603050405020304" pitchFamily="18" charset="0"/>
               </a:rPr>
-              <a:t>‹#›</a:t>
             </a:fld>
             <a:endParaRPr lang="zh-CN" altLang="en-US" dirty="0">
               <a:latin typeface="Times New Roman" panose="02020603050405020304" pitchFamily="18" charset="0"/>
@@ -7151,7 +7432,7 @@
             <p:nvPr userDrawn="1"/>
           </p:nvPicPr>
           <p:blipFill>
-            <a:blip r:embed="rId18"/>
+            <a:blip r:embed="rId17"/>
             <a:stretch>
               <a:fillRect/>
             </a:stretch>
@@ -8188,7 +8469,7 @@
             <p:nvPr userDrawn="1"/>
           </p:nvPicPr>
           <p:blipFill>
-            <a:blip r:embed="rId19"/>
+            <a:blip r:embed="rId18"/>
             <a:stretch>
               <a:fillRect/>
             </a:stretch>
@@ -9209,7 +9490,7 @@
           <p:nvPr/>
         </p:nvPicPr>
         <p:blipFill>
-          <a:blip r:embed="rId20">
+          <a:blip r:embed="rId19">
             <a:duotone>
               <a:schemeClr val="accent1">
                 <a:shade val="45000"/>
@@ -9256,7 +9537,7 @@
           <p:nvPr/>
         </p:nvPicPr>
         <p:blipFill>
-          <a:blip r:embed="rId20">
+          <a:blip r:embed="rId19">
             <a:duotone>
               <a:schemeClr val="accent1">
                 <a:shade val="45000"/>
@@ -9303,7 +9584,7 @@
           <p:nvPr/>
         </p:nvPicPr>
         <p:blipFill>
-          <a:blip r:embed="rId20">
+          <a:blip r:embed="rId19">
             <a:duotone>
               <a:schemeClr val="accent1">
                 <a:shade val="45000"/>
@@ -9350,7 +9631,7 @@
           <p:nvPr/>
         </p:nvPicPr>
         <p:blipFill>
-          <a:blip r:embed="rId20">
+          <a:blip r:embed="rId19">
             <a:duotone>
               <a:schemeClr val="accent1">
                 <a:shade val="45000"/>
@@ -9397,7 +9678,7 @@
           <p:nvPr/>
         </p:nvPicPr>
         <p:blipFill>
-          <a:blip r:embed="rId20">
+          <a:blip r:embed="rId19">
             <a:duotone>
               <a:schemeClr val="accent1">
                 <a:shade val="45000"/>
@@ -9444,7 +9725,7 @@
           <p:nvPr/>
         </p:nvPicPr>
         <p:blipFill>
-          <a:blip r:embed="rId20">
+          <a:blip r:embed="rId19">
             <a:duotone>
               <a:schemeClr val="accent1">
                 <a:shade val="45000"/>
@@ -9491,7 +9772,7 @@
           <p:nvPr/>
         </p:nvPicPr>
         <p:blipFill>
-          <a:blip r:embed="rId20">
+          <a:blip r:embed="rId19">
             <a:duotone>
               <a:schemeClr val="accent1">
                 <a:shade val="45000"/>
@@ -9994,6 +10275,12 @@
               </a:rPr>
               <a:t>程序设计</a:t>
             </a:r>
+            <a:endParaRPr lang="zh-CN" altLang="en-US" sz="6000" b="1" dirty="0">
+              <a:solidFill>
+                <a:srgbClr val="0000FF"/>
+              </a:solidFill>
+              <a:ea typeface="宋体" panose="02010600030101010101" pitchFamily="2" charset="-122"/>
+            </a:endParaRPr>
           </a:p>
         </p:txBody>
       </p:sp>
@@ -10033,6 +10320,9 @@
               </a:rPr>
               <a:t>老师：余庆茂</a:t>
             </a:r>
+            <a:endParaRPr lang="zh-CN" altLang="en-US" sz="2800" i="1" dirty="0">
+              <a:latin typeface="Times New Roman" panose="02020603050405020304" pitchFamily="18" charset="0"/>
+            </a:endParaRPr>
           </a:p>
           <a:p>
             <a:pPr>
@@ -10064,6 +10354,9 @@
               </a:rPr>
               <a:t>385853163</a:t>
             </a:r>
+            <a:endParaRPr lang="en-US" altLang="zh-CN" sz="2800" i="1" dirty="0">
+              <a:latin typeface="Times New Roman" panose="02020603050405020304" pitchFamily="18" charset="0"/>
+            </a:endParaRPr>
           </a:p>
         </p:txBody>
       </p:sp>
@@ -10141,6 +10434,9 @@
               </a:rPr>
               <a:t>程序依赖平台</a:t>
             </a:r>
+            <a:endParaRPr lang="zh-CN" altLang="zh-CN" b="1" dirty="0">
+              <a:latin typeface="Times New Roman" panose="02020603050405020304" pitchFamily="18" charset="0"/>
+            </a:endParaRPr>
           </a:p>
         </p:txBody>
       </p:sp>
@@ -10206,6 +10502,12 @@
               </a:rPr>
               <a:t>.</a:t>
             </a:r>
+            <a:endParaRPr lang="en-US" altLang="zh-CN" dirty="0">
+              <a:solidFill>
+                <a:srgbClr val="FF0000"/>
+              </a:solidFill>
+              <a:latin typeface="Times New Roman" panose="02020603050405020304" pitchFamily="18" charset="0"/>
+            </a:endParaRPr>
           </a:p>
         </p:txBody>
       </p:sp>
@@ -10307,7 +10609,7 @@
           <p:nvPr/>
         </p:nvPicPr>
         <p:blipFill>
-          <a:blip r:embed="rId2"/>
+          <a:blip r:embed="rId1"/>
           <a:stretch>
             <a:fillRect/>
           </a:stretch>
@@ -10407,6 +10709,9 @@
               </a:rPr>
               <a:t>虚拟机与字节码</a:t>
             </a:r>
+            <a:endParaRPr lang="zh-CN" altLang="zh-CN" b="1" dirty="0">
+              <a:latin typeface="Times New Roman" panose="02020603050405020304" pitchFamily="18" charset="0"/>
+            </a:endParaRPr>
           </a:p>
         </p:txBody>
       </p:sp>
@@ -10595,6 +10900,9 @@
               </a:rPr>
               <a:t>。</a:t>
             </a:r>
+            <a:endParaRPr lang="zh-CN" altLang="en-US" sz="2000" dirty="0">
+              <a:latin typeface="Times New Roman" panose="02020603050405020304" pitchFamily="18" charset="0"/>
+            </a:endParaRPr>
           </a:p>
         </p:txBody>
       </p:sp>
@@ -10741,6 +11049,12 @@
               </a:rPr>
               <a:t>。</a:t>
             </a:r>
+            <a:endParaRPr lang="zh-CN" altLang="en-US" sz="2000" b="1" dirty="0">
+              <a:solidFill>
+                <a:srgbClr val="0070C0"/>
+              </a:solidFill>
+              <a:latin typeface="Times New Roman" panose="02020603050405020304" pitchFamily="18" charset="0"/>
+            </a:endParaRPr>
           </a:p>
         </p:txBody>
       </p:sp>
@@ -10753,7 +11067,7 @@
           <p:nvPr/>
         </p:nvPicPr>
         <p:blipFill>
-          <a:blip r:embed="rId3"/>
+          <a:blip r:embed="rId1"/>
           <a:stretch>
             <a:fillRect/>
           </a:stretch>
@@ -10909,6 +11223,7 @@
               <a:rPr lang="zh-CN" altLang="en-US"/>
               <a:t>源程序</a:t>
             </a:r>
+            <a:endParaRPr lang="zh-CN" altLang="en-US"/>
           </a:p>
         </p:txBody>
       </p:sp>
@@ -10956,6 +11271,7 @@
               <a:rPr lang="zh-CN" altLang="en-US"/>
               <a:t>文件</a:t>
             </a:r>
+            <a:endParaRPr lang="zh-CN" altLang="en-US"/>
           </a:p>
         </p:txBody>
       </p:sp>
@@ -11003,6 +11319,7 @@
               <a:rPr lang="zh-CN" altLang="en-US"/>
               <a:t>虚拟机</a:t>
             </a:r>
+            <a:endParaRPr lang="zh-CN" altLang="en-US"/>
           </a:p>
         </p:txBody>
       </p:sp>
@@ -11046,6 +11363,7 @@
               <a:rPr lang="zh-CN" altLang="en-US"/>
               <a:t>机器码</a:t>
             </a:r>
+            <a:endParaRPr lang="zh-CN" altLang="en-US"/>
           </a:p>
         </p:txBody>
       </p:sp>
@@ -11201,6 +11519,7 @@
               <a:rPr lang="zh-CN" altLang="en-US" sz="1400" b="1"/>
               <a:t>编译</a:t>
             </a:r>
+            <a:endParaRPr lang="zh-CN" altLang="en-US" sz="1400" b="1"/>
           </a:p>
         </p:txBody>
       </p:sp>
@@ -11230,6 +11549,7 @@
               <a:rPr lang="zh-CN" altLang="en-US" sz="1400" b="1"/>
               <a:t>交由</a:t>
             </a:r>
+            <a:endParaRPr lang="zh-CN" altLang="en-US" sz="1400" b="1"/>
           </a:p>
         </p:txBody>
       </p:sp>
@@ -11259,6 +11579,7 @@
               <a:rPr lang="zh-CN" altLang="en-US" sz="1400" b="1"/>
               <a:t>执行</a:t>
             </a:r>
+            <a:endParaRPr lang="zh-CN" altLang="en-US" sz="1400" b="1"/>
           </a:p>
         </p:txBody>
       </p:sp>
@@ -11412,6 +11733,12 @@
               </a:rPr>
               <a:t>多线程</a:t>
             </a:r>
+            <a:endParaRPr lang="zh-CN" altLang="en-US" sz="2600" b="1" dirty="0">
+              <a:solidFill>
+                <a:srgbClr val="0000FF"/>
+              </a:solidFill>
+              <a:ea typeface="宋体" panose="02010600030101010101" pitchFamily="2" charset="-122"/>
+            </a:endParaRPr>
           </a:p>
           <a:p>
             <a:pPr algn="just" eaLnBrk="1" hangingPunct="1">
@@ -11454,6 +11781,9 @@
               </a:rPr>
               <a:t>。</a:t>
             </a:r>
+            <a:endParaRPr lang="zh-CN" altLang="en-US" sz="2200" b="1" dirty="0">
+              <a:ea typeface="宋体" panose="02010600030101010101" pitchFamily="2" charset="-122"/>
+            </a:endParaRPr>
           </a:p>
           <a:p>
             <a:pPr algn="just" eaLnBrk="1" hangingPunct="1">
@@ -11490,6 +11820,12 @@
               </a:rPr>
               <a:t>动态</a:t>
             </a:r>
+            <a:endParaRPr lang="zh-CN" altLang="en-US" sz="2600" b="1" dirty="0">
+              <a:solidFill>
+                <a:srgbClr val="0000FF"/>
+              </a:solidFill>
+              <a:ea typeface="宋体" panose="02010600030101010101" pitchFamily="2" charset="-122"/>
+            </a:endParaRPr>
           </a:p>
           <a:p>
             <a:pPr algn="just" eaLnBrk="1" hangingPunct="1">
@@ -11695,6 +12031,12 @@
               </a:rPr>
               <a:t> 1.3.1 三种平台简介</a:t>
             </a:r>
+            <a:endParaRPr lang="zh-CN" altLang="en-US" sz="2600" b="1" dirty="0">
+              <a:solidFill>
+                <a:srgbClr val="0000FF"/>
+              </a:solidFill>
+              <a:ea typeface="宋体" panose="02010600030101010101" pitchFamily="2" charset="-122"/>
+            </a:endParaRPr>
           </a:p>
           <a:p>
             <a:pPr eaLnBrk="1" hangingPunct="1">
@@ -11734,6 +12076,12 @@
               </a:rPr>
               <a:t> </a:t>
             </a:r>
+            <a:endParaRPr lang="zh-CN" altLang="en-US" sz="2200" b="1" dirty="0">
+              <a:solidFill>
+                <a:srgbClr val="0000FF"/>
+              </a:solidFill>
+              <a:ea typeface="宋体" panose="02010600030101010101" pitchFamily="2" charset="-122"/>
+            </a:endParaRPr>
           </a:p>
           <a:p>
             <a:pPr eaLnBrk="1" hangingPunct="1">
@@ -11812,6 +12160,9 @@
               </a:rPr>
               <a:t>.  </a:t>
             </a:r>
+            <a:endParaRPr lang="en-US" altLang="zh-CN" sz="2200" b="1" dirty="0">
+              <a:ea typeface="宋体" panose="02010600030101010101" pitchFamily="2" charset="-122"/>
+            </a:endParaRPr>
           </a:p>
           <a:p>
             <a:pPr eaLnBrk="1" hangingPunct="1">
@@ -11881,6 +12232,9 @@
               </a:rPr>
               <a:t>.</a:t>
             </a:r>
+            <a:endParaRPr lang="en-US" altLang="zh-CN" sz="2200" b="1" dirty="0">
+              <a:ea typeface="宋体" panose="02010600030101010101" pitchFamily="2" charset="-122"/>
+            </a:endParaRPr>
           </a:p>
           <a:p>
             <a:pPr eaLnBrk="1" hangingPunct="1">
@@ -11959,6 +12313,12 @@
               </a:rPr>
               <a:t>               </a:t>
             </a:r>
+            <a:endParaRPr lang="en-US" altLang="zh-CN" sz="2200" b="1" dirty="0">
+              <a:solidFill>
+                <a:schemeClr val="accent2"/>
+              </a:solidFill>
+              <a:ea typeface="宋体" panose="02010600030101010101" pitchFamily="2" charset="-122"/>
+            </a:endParaRPr>
           </a:p>
           <a:p>
             <a:pPr eaLnBrk="1" hangingPunct="1">
@@ -12134,6 +12494,12 @@
               </a:rPr>
               <a:t> </a:t>
             </a:r>
+            <a:endParaRPr lang="zh-CN" altLang="en-US" b="1" dirty="0">
+              <a:solidFill>
+                <a:srgbClr val="0000FF"/>
+              </a:solidFill>
+              <a:ea typeface="宋体" panose="02010600030101010101" pitchFamily="2" charset="-122"/>
+            </a:endParaRPr>
           </a:p>
         </p:txBody>
       </p:sp>
@@ -12347,6 +12713,20 @@
               </a:rPr>
               <a:t>所必须的。</a:t>
             </a:r>
+            <a:endParaRPr kumimoji="0" lang="zh-CN" altLang="en-US" sz="2200" b="1" i="0" u="none" strike="noStrike" kern="1200" cap="none" spc="0" normalizeH="0" baseline="0" noProof="0" dirty="0" smtClean="0">
+              <a:ln>
+                <a:noFill/>
+              </a:ln>
+              <a:solidFill>
+                <a:schemeClr val="tx1"/>
+              </a:solidFill>
+              <a:effectLst/>
+              <a:uLnTx/>
+              <a:uFillTx/>
+              <a:latin typeface="+mn-lt"/>
+              <a:ea typeface="+mn-ea"/>
+              <a:cs typeface="+mn-cs"/>
+            </a:endParaRPr>
           </a:p>
           <a:p>
             <a:pPr marL="95250" marR="0" lvl="1" indent="361950" algn="just" defTabSz="914400" rtl="0" eaLnBrk="1" fontAlgn="auto" latinLnBrk="0" hangingPunct="1">
@@ -12537,6 +12917,20 @@
               </a:rPr>
               <a:t>。</a:t>
             </a:r>
+            <a:endParaRPr kumimoji="0" lang="en-US" altLang="zh-CN" sz="2100" b="1" i="0" u="none" strike="noStrike" kern="1200" cap="none" spc="0" normalizeH="0" baseline="0" noProof="0" dirty="0" smtClean="0">
+              <a:ln>
+                <a:noFill/>
+              </a:ln>
+              <a:solidFill>
+                <a:schemeClr val="tx1"/>
+              </a:solidFill>
+              <a:effectLst/>
+              <a:uLnTx/>
+              <a:uFillTx/>
+              <a:latin typeface="+mn-lt"/>
+              <a:ea typeface="+mn-ea"/>
+              <a:cs typeface="+mn-cs"/>
+            </a:endParaRPr>
           </a:p>
           <a:p>
             <a:pPr marL="285750" marR="0" lvl="1" indent="-285750" algn="l" defTabSz="914400" rtl="0" eaLnBrk="1" fontAlgn="auto" latinLnBrk="0" hangingPunct="1">
@@ -12608,6 +13002,20 @@
               </a:rPr>
               <a:t>D:\jdk1.8 。</a:t>
             </a:r>
+            <a:endParaRPr kumimoji="0" lang="en-US" altLang="zh-CN" sz="2100" b="1" i="0" u="none" strike="noStrike" kern="1200" cap="none" spc="0" normalizeH="0" baseline="0" noProof="0" dirty="0" smtClean="0">
+              <a:ln>
+                <a:noFill/>
+              </a:ln>
+              <a:solidFill>
+                <a:schemeClr val="tx1"/>
+              </a:solidFill>
+              <a:effectLst/>
+              <a:uLnTx/>
+              <a:uFillTx/>
+              <a:latin typeface="+mn-lt"/>
+              <a:ea typeface="+mn-ea"/>
+              <a:cs typeface="+mn-cs"/>
+            </a:endParaRPr>
           </a:p>
           <a:p>
             <a:pPr marL="342900" marR="0" lvl="0" indent="-342900" algn="l" defTabSz="914400" rtl="0" eaLnBrk="1" fontAlgn="auto" latinLnBrk="0" hangingPunct="1">
@@ -12716,7 +13124,7 @@
             <p:nvPr/>
           </p:nvPicPr>
           <p:blipFill>
-            <a:blip r:embed="rId2"/>
+            <a:blip r:embed="rId1"/>
             <a:stretch>
               <a:fillRect/>
             </a:stretch>
@@ -12771,6 +13179,12 @@
               </a:rPr>
               <a:t>        </a:t>
             </a:r>
+            <a:endParaRPr lang="zh-CN" altLang="en-US" b="1" dirty="0">
+              <a:solidFill>
+                <a:srgbClr val="FF0000"/>
+              </a:solidFill>
+              <a:latin typeface="Times New Roman" panose="02020603050405020304" pitchFamily="18" charset="0"/>
+            </a:endParaRPr>
           </a:p>
         </p:txBody>
       </p:sp>
@@ -12912,6 +13326,20 @@
               </a:rPr>
               <a:t>的设置</a:t>
             </a:r>
+            <a:endParaRPr kumimoji="0" lang="zh-CN" altLang="en-US" sz="2800" b="1" i="0" u="none" strike="noStrike" kern="1200" cap="none" spc="0" normalizeH="0" baseline="0" noProof="0" dirty="0" smtClean="0">
+              <a:ln>
+                <a:noFill/>
+              </a:ln>
+              <a:solidFill>
+                <a:srgbClr val="0000FF"/>
+              </a:solidFill>
+              <a:effectLst/>
+              <a:uLnTx/>
+              <a:uFillTx/>
+              <a:latin typeface="宋体" panose="02010600030101010101" pitchFamily="2" charset="-122"/>
+              <a:ea typeface="+mj-ea"/>
+              <a:cs typeface="+mj-cs"/>
+            </a:endParaRPr>
           </a:p>
         </p:txBody>
       </p:sp>
@@ -13216,6 +13644,9 @@
               </a:rPr>
               <a:t>。</a:t>
             </a:r>
+            <a:endParaRPr lang="zh-CN" altLang="en-US" dirty="0">
+              <a:latin typeface="Times New Roman" panose="02020603050405020304" pitchFamily="18" charset="0"/>
+            </a:endParaRPr>
           </a:p>
         </p:txBody>
       </p:sp>
@@ -13242,7 +13673,7 @@
             <p:nvPr/>
           </p:nvPicPr>
           <p:blipFill>
-            <a:blip r:embed="rId2"/>
+            <a:blip r:embed="rId1"/>
             <a:stretch>
               <a:fillRect/>
             </a:stretch>
@@ -13413,6 +13844,12 @@
               </a:rPr>
               <a:t>的值</a:t>
             </a:r>
+            <a:endParaRPr lang="zh-CN" altLang="en-US" b="1" dirty="0">
+              <a:solidFill>
+                <a:srgbClr val="C00000"/>
+              </a:solidFill>
+              <a:latin typeface="Times New Roman" panose="02020603050405020304" pitchFamily="18" charset="0"/>
+            </a:endParaRPr>
           </a:p>
         </p:txBody>
       </p:sp>
@@ -13724,7 +14161,7 @@
             <p:nvPr/>
           </p:nvPicPr>
           <p:blipFill>
-            <a:blip r:embed="rId3"/>
+            <a:blip r:embed="rId1"/>
             <a:stretch>
               <a:fillRect/>
             </a:stretch>
@@ -13858,6 +14295,20 @@
               </a:rPr>
               <a:t>的设置</a:t>
             </a:r>
+            <a:endParaRPr kumimoji="0" lang="zh-CN" altLang="en-US" sz="2800" b="1" i="0" u="none" strike="noStrike" kern="1200" cap="none" spc="0" normalizeH="0" baseline="0" noProof="0" dirty="0" smtClean="0">
+              <a:ln>
+                <a:noFill/>
+              </a:ln>
+              <a:solidFill>
+                <a:srgbClr val="0000FF"/>
+              </a:solidFill>
+              <a:effectLst/>
+              <a:uLnTx/>
+              <a:uFillTx/>
+              <a:latin typeface="宋体" panose="02010600030101010101" pitchFamily="2" charset="-122"/>
+              <a:ea typeface="+mj-ea"/>
+              <a:cs typeface="+mj-cs"/>
+            </a:endParaRPr>
           </a:p>
         </p:txBody>
       </p:sp>
@@ -14241,6 +14692,20 @@
               </a:rPr>
               <a:t>)</a:t>
             </a:r>
+            <a:endParaRPr kumimoji="0" lang="en-US" altLang="zh-CN" sz="2200" b="1" i="0" u="none" strike="noStrike" kern="1200" cap="none" spc="0" normalizeH="0" baseline="0" noProof="0" dirty="0" smtClean="0">
+              <a:ln>
+                <a:noFill/>
+              </a:ln>
+              <a:solidFill>
+                <a:schemeClr val="tx1"/>
+              </a:solidFill>
+              <a:effectLst/>
+              <a:uLnTx/>
+              <a:uFillTx/>
+              <a:latin typeface="+mn-lt"/>
+              <a:ea typeface="+mn-ea"/>
+              <a:cs typeface="+mn-cs"/>
+            </a:endParaRPr>
           </a:p>
           <a:p>
             <a:pPr marL="342900" marR="0" lvl="0" indent="-342900" algn="just" defTabSz="914400" rtl="0" eaLnBrk="1" fontAlgn="auto" latinLnBrk="0" hangingPunct="1">
@@ -14346,6 +14811,20 @@
               </a:rPr>
               <a:t>是指可以加载应用程序当前目录及其子目录中的类。</a:t>
             </a:r>
+            <a:endParaRPr kumimoji="0" lang="zh-CN" altLang="en-US" sz="2200" b="1" i="0" u="none" strike="noStrike" kern="1200" cap="none" spc="0" normalizeH="0" baseline="0" noProof="0" dirty="0" smtClean="0">
+              <a:ln>
+                <a:noFill/>
+              </a:ln>
+              <a:solidFill>
+                <a:schemeClr val="tx1"/>
+              </a:solidFill>
+              <a:effectLst/>
+              <a:uLnTx/>
+              <a:uFillTx/>
+              <a:latin typeface="+mn-lt"/>
+              <a:ea typeface="+mn-ea"/>
+              <a:cs typeface="+mn-cs"/>
+            </a:endParaRPr>
           </a:p>
         </p:txBody>
       </p:sp>
@@ -14358,7 +14837,7 @@
           <p:nvPr/>
         </p:nvPicPr>
         <p:blipFill>
-          <a:blip r:embed="rId2"/>
+          <a:blip r:embed="rId1"/>
           <a:stretch>
             <a:fillRect/>
           </a:stretch>
@@ -14565,6 +15044,7 @@
               <a:rPr lang="zh-CN" altLang="en-US" sz="2800" dirty="0"/>
               <a:t>等。</a:t>
             </a:r>
+            <a:endParaRPr lang="zh-CN" altLang="en-US" sz="2800" dirty="0"/>
           </a:p>
           <a:p>
             <a:pPr marL="0" indent="0">
@@ -14660,15 +15140,11 @@
               <a:rPr lang="zh-CN" altLang="en-US" sz="2800" dirty="0"/>
               <a:t>。</a:t>
             </a:r>
+            <a:endParaRPr lang="zh-CN" altLang="en-US" sz="2800" dirty="0"/>
           </a:p>
         </p:txBody>
       </p:sp>
     </p:spTree>
-    <p:extLst>
-      <p:ext uri="{BB962C8B-B14F-4D97-AF65-F5344CB8AC3E}">
-        <p14:creationId xmlns:p14="http://schemas.microsoft.com/office/powerpoint/2010/main" val="2788057681"/>
-      </p:ext>
-    </p:extLst>
   </p:cSld>
   <p:clrMapOvr>
     <a:masterClrMapping/>
@@ -14724,6 +15200,13 @@
               </a:rPr>
               <a:t>章节分布</a:t>
             </a:r>
+            <a:endParaRPr lang="zh-CN" altLang="en-US" sz="2800" b="1" dirty="0">
+              <a:solidFill>
+                <a:srgbClr val="0000FF"/>
+              </a:solidFill>
+              <a:latin typeface="Arial" panose="020B0604020202020204" pitchFamily="34" charset="0"/>
+              <a:ea typeface="宋体" panose="02010600030101010101" pitchFamily="2" charset="-122"/>
+            </a:endParaRPr>
           </a:p>
         </p:txBody>
       </p:sp>
@@ -14769,6 +15252,9 @@
               </a:rPr>
               <a:t>概述</a:t>
             </a:r>
+            <a:endParaRPr lang="zh-CN" altLang="en-US" b="1" dirty="0">
+              <a:ea typeface="宋体" panose="02010600030101010101" pitchFamily="2" charset="-122"/>
+            </a:endParaRPr>
           </a:p>
           <a:p>
             <a:pPr eaLnBrk="1" hangingPunct="1">
@@ -14793,6 +15279,9 @@
               </a:rPr>
               <a:t>数据和表达式</a:t>
             </a:r>
+            <a:endParaRPr lang="zh-CN" altLang="en-US" b="1" dirty="0">
+              <a:ea typeface="宋体" panose="02010600030101010101" pitchFamily="2" charset="-122"/>
+            </a:endParaRPr>
           </a:p>
           <a:p>
             <a:pPr eaLnBrk="1" hangingPunct="1">
@@ -14817,6 +15306,9 @@
               </a:rPr>
               <a:t>流程控制语句</a:t>
             </a:r>
+            <a:endParaRPr lang="zh-CN" altLang="en-US" b="1" dirty="0">
+              <a:ea typeface="宋体" panose="02010600030101010101" pitchFamily="2" charset="-122"/>
+            </a:endParaRPr>
           </a:p>
           <a:p>
             <a:pPr eaLnBrk="1" hangingPunct="1">
@@ -14841,6 +15333,9 @@
               </a:rPr>
               <a:t>面向对象设计</a:t>
             </a:r>
+            <a:endParaRPr lang="zh-CN" altLang="en-US" b="1" dirty="0">
+              <a:ea typeface="宋体" panose="02010600030101010101" pitchFamily="2" charset="-122"/>
+            </a:endParaRPr>
           </a:p>
           <a:p>
             <a:pPr eaLnBrk="1" hangingPunct="1">
@@ -14865,6 +15360,9 @@
               </a:rPr>
               <a:t>数组和字符串</a:t>
             </a:r>
+            <a:endParaRPr lang="zh-CN" altLang="en-US" b="1" dirty="0">
+              <a:ea typeface="宋体" panose="02010600030101010101" pitchFamily="2" charset="-122"/>
+            </a:endParaRPr>
           </a:p>
           <a:p>
             <a:pPr eaLnBrk="1" hangingPunct="1">
@@ -14889,6 +15387,9 @@
               </a:rPr>
               <a:t>继承和多态</a:t>
             </a:r>
+            <a:endParaRPr lang="zh-CN" altLang="en-US" b="1" dirty="0">
+              <a:ea typeface="宋体" panose="02010600030101010101" pitchFamily="2" charset="-122"/>
+            </a:endParaRPr>
           </a:p>
           <a:p>
             <a:pPr eaLnBrk="1" hangingPunct="1">
@@ -14913,6 +15414,9 @@
               </a:rPr>
               <a:t>输入和输出</a:t>
             </a:r>
+            <a:endParaRPr lang="zh-CN" altLang="en-US" b="1" dirty="0">
+              <a:ea typeface="宋体" panose="02010600030101010101" pitchFamily="2" charset="-122"/>
+            </a:endParaRPr>
           </a:p>
           <a:p>
             <a:pPr eaLnBrk="1" hangingPunct="1">
@@ -14937,6 +15441,9 @@
               </a:rPr>
               <a:t>图形界面设计</a:t>
             </a:r>
+            <a:endParaRPr lang="zh-CN" altLang="en-US" b="1" dirty="0">
+              <a:ea typeface="宋体" panose="02010600030101010101" pitchFamily="2" charset="-122"/>
+            </a:endParaRPr>
           </a:p>
           <a:p>
             <a:pPr eaLnBrk="1" hangingPunct="1">
@@ -14961,6 +15468,9 @@
               </a:rPr>
               <a:t>组建</a:t>
             </a:r>
+            <a:endParaRPr lang="zh-CN" altLang="en-US" b="1" dirty="0">
+              <a:ea typeface="宋体" panose="02010600030101010101" pitchFamily="2" charset="-122"/>
+            </a:endParaRPr>
           </a:p>
           <a:p>
             <a:pPr eaLnBrk="1" hangingPunct="1">
@@ -14985,6 +15495,9 @@
               </a:rPr>
               <a:t>多线程</a:t>
             </a:r>
+            <a:endParaRPr lang="zh-CN" altLang="en-US" b="1" dirty="0">
+              <a:ea typeface="宋体" panose="02010600030101010101" pitchFamily="2" charset="-122"/>
+            </a:endParaRPr>
           </a:p>
         </p:txBody>
       </p:sp>
@@ -15052,6 +15565,7 @@
               <a:rPr lang="zh-CN" altLang="en-US"/>
               <a:t>语言基本知识</a:t>
             </a:r>
+            <a:endParaRPr lang="zh-CN" altLang="en-US"/>
           </a:p>
         </p:txBody>
       </p:sp>
@@ -15119,6 +15633,7 @@
               <a:rPr lang="zh-CN" altLang="en-US" dirty="0"/>
               <a:t>面向对象概念，进行编程</a:t>
             </a:r>
+            <a:endParaRPr lang="zh-CN" altLang="en-US" dirty="0"/>
           </a:p>
         </p:txBody>
       </p:sp>
@@ -15186,6 +15701,7 @@
               <a:rPr lang="zh-CN" altLang="en-US"/>
               <a:t>图形设计基础</a:t>
             </a:r>
+            <a:endParaRPr lang="zh-CN" altLang="en-US"/>
           </a:p>
         </p:txBody>
       </p:sp>
@@ -15253,6 +15769,7 @@
               <a:rPr lang="zh-CN" altLang="en-US"/>
               <a:t>拓展</a:t>
             </a:r>
+            <a:endParaRPr lang="zh-CN" altLang="en-US"/>
           </a:p>
         </p:txBody>
       </p:sp>
@@ -15381,6 +15898,7 @@
               <a:rPr lang="zh-CN" altLang="en-US" sz="2400" dirty="0"/>
               <a:t>）。</a:t>
             </a:r>
+            <a:endParaRPr lang="zh-CN" altLang="en-US" sz="2400" dirty="0"/>
           </a:p>
           <a:p>
             <a:r>
@@ -15427,6 +15945,7 @@
               <a:rPr lang="zh-CN" altLang="en-US" sz="2400" dirty="0"/>
               <a:t>等可执行程序。</a:t>
             </a:r>
+            <a:endParaRPr lang="zh-CN" altLang="en-US" sz="2400" dirty="0"/>
           </a:p>
           <a:p>
             <a:r>
@@ -15473,6 +15992,7 @@
               <a:rPr lang="zh-CN" altLang="en-US" sz="2400" dirty="0"/>
               <a:t>。</a:t>
             </a:r>
+            <a:endParaRPr lang="zh-CN" altLang="en-US" sz="2400" dirty="0"/>
           </a:p>
           <a:p>
             <a:r>
@@ -15523,6 +16043,7 @@
               <a:rPr lang="zh-CN" altLang="en-US" sz="2400" dirty="0"/>
               <a:t>完全相同。</a:t>
             </a:r>
+            <a:endParaRPr lang="zh-CN" altLang="en-US" sz="2400" dirty="0"/>
           </a:p>
           <a:p>
             <a:r>
@@ -15553,6 +16074,7 @@
               <a:rPr lang="zh-CN" altLang="en-US" sz="2400" dirty="0"/>
               <a:t>自带的一些例子，含有源代码的程序示例。</a:t>
             </a:r>
+            <a:endParaRPr lang="zh-CN" altLang="en-US" sz="2400" dirty="0"/>
           </a:p>
           <a:p>
             <a:r>
@@ -15603,6 +16125,7 @@
               <a:rPr lang="zh-CN" altLang="en-US" sz="2400" dirty="0"/>
               <a:t>接口。</a:t>
             </a:r>
+            <a:endParaRPr lang="zh-CN" altLang="en-US" sz="2400" dirty="0"/>
           </a:p>
           <a:p>
             <a:pPr marL="0" indent="0">
@@ -15613,11 +16136,6 @@
         </p:txBody>
       </p:sp>
     </p:spTree>
-    <p:extLst>
-      <p:ext uri="{BB962C8B-B14F-4D97-AF65-F5344CB8AC3E}">
-        <p14:creationId xmlns:p14="http://schemas.microsoft.com/office/powerpoint/2010/main" val="4143759246"/>
-      </p:ext>
-    </p:extLst>
   </p:cSld>
   <p:clrMapOvr>
     <a:masterClrMapping/>
@@ -15747,6 +16265,7 @@
               <a:rPr lang="zh-CN" altLang="en-US" sz="2800" dirty="0"/>
               <a:t>。</a:t>
             </a:r>
+            <a:endParaRPr lang="zh-CN" altLang="en-US" sz="2800" dirty="0"/>
           </a:p>
           <a:p>
             <a:pPr marL="0" indent="0">
@@ -15784,6 +16303,7 @@
               <a:rPr lang="zh-CN" altLang="en-US" sz="2800" dirty="0"/>
               <a:t>。</a:t>
             </a:r>
+            <a:endParaRPr lang="zh-CN" altLang="en-US" sz="2800" dirty="0"/>
           </a:p>
           <a:p>
             <a:pPr marL="0" indent="0">
@@ -15799,7 +16319,19 @@
             </a:r>
             <a:r>
               <a:rPr lang="zh-CN" altLang="en-US" sz="2800" dirty="0"/>
-              <a:t>文件夹的内容基本相同，区别主要体现在工作的职责上，也就是不同的</a:t>
+              <a:t>文件夹的内容基本相同，区别主要体现在工作的</a:t>
+            </a:r>
+            <a:r>
+              <a:rPr lang="zh-CN" altLang="en-US" sz="2800" dirty="0">
+                <a:solidFill>
+                  <a:srgbClr val="FF0000"/>
+                </a:solidFill>
+              </a:rPr>
+              <a:t>职责</a:t>
+            </a:r>
+            <a:r>
+              <a:rPr lang="zh-CN" altLang="en-US" sz="2800" dirty="0"/>
+              <a:t>上，也就是不同的</a:t>
             </a:r>
             <a:r>
               <a:rPr lang="en-US" altLang="zh-CN" sz="2800" dirty="0"/>
@@ -15815,7 +16347,15 @@
             </a:r>
             <a:r>
               <a:rPr lang="zh-CN" altLang="en-US" sz="2800" dirty="0"/>
-              <a:t>的工作范围</a:t>
+              <a:t>的</a:t>
+            </a:r>
+            <a:r>
+              <a:rPr lang="zh-CN" altLang="en-US" sz="2800" dirty="0">
+                <a:solidFill>
+                  <a:srgbClr val="FF0000"/>
+                </a:solidFill>
+              </a:rPr>
+              <a:t>工作范围</a:t>
             </a:r>
             <a:r>
               <a:rPr lang="zh-CN" altLang="en-US" sz="2800" dirty="0" smtClean="0"/>
@@ -15829,7 +16369,139 @@
             </a:pPr>
             <a:r>
               <a:rPr lang="zh-CN" altLang="en-US" sz="2400" dirty="0"/>
-              <a:t>如果只是要执行</a:t>
+              <a:t>如果只是要</a:t>
+            </a:r>
+            <a:r>
+              <a:rPr lang="zh-CN" altLang="en-US" sz="2400" dirty="0">
+                <a:solidFill>
+                  <a:srgbClr val="FF0000"/>
+                </a:solidFill>
+              </a:rPr>
+              <a:t>执行</a:t>
+            </a:r>
+            <a:r>
+              <a:rPr lang="en-US" altLang="zh-CN" sz="2400" dirty="0">
+                <a:solidFill>
+                  <a:srgbClr val="FF0000"/>
+                </a:solidFill>
+              </a:rPr>
+              <a:t>Java</a:t>
+            </a:r>
+            <a:r>
+              <a:rPr lang="zh-CN" altLang="en-US" sz="2400" dirty="0">
+                <a:solidFill>
+                  <a:srgbClr val="FF0000"/>
+                </a:solidFill>
+              </a:rPr>
+              <a:t>程序</a:t>
+            </a:r>
+            <a:r>
+              <a:rPr lang="zh-CN" altLang="en-US" sz="2400" dirty="0"/>
+              <a:t>，则只需要</a:t>
+            </a:r>
+            <a:r>
+              <a:rPr lang="en-US" altLang="zh-CN" sz="2400" dirty="0">
+                <a:solidFill>
+                  <a:srgbClr val="FF0000"/>
+                </a:solidFill>
+              </a:rPr>
+              <a:t>Java</a:t>
+            </a:r>
+            <a:r>
+              <a:rPr lang="zh-CN" altLang="en-US" sz="2400" dirty="0">
+                <a:solidFill>
+                  <a:srgbClr val="FF0000"/>
+                </a:solidFill>
+              </a:rPr>
+              <a:t>目录下的</a:t>
+            </a:r>
+            <a:r>
+              <a:rPr lang="en-US" altLang="zh-CN" sz="2400" dirty="0">
+                <a:solidFill>
+                  <a:srgbClr val="FF0000"/>
+                </a:solidFill>
+              </a:rPr>
+              <a:t>JRE</a:t>
+            </a:r>
+            <a:r>
+              <a:rPr lang="zh-CN" altLang="en-US" sz="2400" dirty="0">
+                <a:solidFill>
+                  <a:srgbClr val="FF0000"/>
+                </a:solidFill>
+              </a:rPr>
+              <a:t>即可</a:t>
+            </a:r>
+            <a:r>
+              <a:rPr lang="zh-CN" altLang="en-US" sz="2400" dirty="0"/>
+              <a:t>。如果要</a:t>
+            </a:r>
+            <a:r>
+              <a:rPr lang="zh-CN" altLang="en-US" sz="2400" dirty="0">
+                <a:solidFill>
+                  <a:srgbClr val="FF0000"/>
+                </a:solidFill>
+              </a:rPr>
+              <a:t>开发</a:t>
+            </a:r>
+            <a:r>
+              <a:rPr lang="en-US" altLang="zh-CN" sz="2400" dirty="0">
+                <a:solidFill>
+                  <a:srgbClr val="FF0000"/>
+                </a:solidFill>
+              </a:rPr>
+              <a:t>Java</a:t>
+            </a:r>
+            <a:r>
+              <a:rPr lang="zh-CN" altLang="en-US" sz="2400" dirty="0">
+                <a:solidFill>
+                  <a:srgbClr val="FF0000"/>
+                </a:solidFill>
+              </a:rPr>
+              <a:t>程序，则需要</a:t>
+            </a:r>
+            <a:r>
+              <a:rPr lang="en-US" altLang="zh-CN" sz="2400" dirty="0">
+                <a:solidFill>
+                  <a:srgbClr val="FF0000"/>
+                </a:solidFill>
+              </a:rPr>
+              <a:t>JDK</a:t>
+            </a:r>
+            <a:r>
+              <a:rPr lang="zh-CN" altLang="en-US" sz="2400" dirty="0">
+                <a:solidFill>
+                  <a:srgbClr val="FF0000"/>
+                </a:solidFill>
+              </a:rPr>
+              <a:t>中的</a:t>
+            </a:r>
+            <a:r>
+              <a:rPr lang="en-US" altLang="zh-CN" sz="2400" dirty="0">
+                <a:solidFill>
+                  <a:srgbClr val="FF0000"/>
+                </a:solidFill>
+              </a:rPr>
+              <a:t>JRE</a:t>
+            </a:r>
+            <a:r>
+              <a:rPr lang="zh-CN" altLang="en-US" sz="2400" dirty="0">
+                <a:solidFill>
+                  <a:srgbClr val="FF0000"/>
+                </a:solidFill>
+              </a:rPr>
+              <a:t>。</a:t>
+            </a:r>
+            <a:r>
+              <a:rPr lang="zh-CN" altLang="en-US" sz="2400" dirty="0"/>
+              <a:t>比如我们使用</a:t>
+            </a:r>
+            <a:r>
+              <a:rPr lang="en-US" altLang="zh-CN" sz="2400" dirty="0"/>
+              <a:t>javac.exe</a:t>
+            </a:r>
+            <a:r>
+              <a:rPr lang="zh-CN" altLang="en-US" sz="2400" dirty="0"/>
+              <a:t>来编译</a:t>
             </a:r>
             <a:r>
               <a:rPr lang="en-US" altLang="zh-CN" sz="2400" dirty="0"/>
@@ -15837,62 +16509,6 @@
             </a:r>
             <a:r>
               <a:rPr lang="zh-CN" altLang="en-US" sz="2400" dirty="0"/>
-              <a:t>程序，则只需要</a:t>
-            </a:r>
-            <a:r>
-              <a:rPr lang="en-US" altLang="zh-CN" sz="2400" dirty="0"/>
-              <a:t>Java</a:t>
-            </a:r>
-            <a:r>
-              <a:rPr lang="zh-CN" altLang="en-US" sz="2400" dirty="0"/>
-              <a:t>目录下的</a:t>
-            </a:r>
-            <a:r>
-              <a:rPr lang="en-US" altLang="zh-CN" sz="2400" dirty="0"/>
-              <a:t>JRE</a:t>
-            </a:r>
-            <a:r>
-              <a:rPr lang="zh-CN" altLang="en-US" sz="2400" dirty="0"/>
-              <a:t>即可。如果要开发</a:t>
-            </a:r>
-            <a:r>
-              <a:rPr lang="en-US" altLang="zh-CN" sz="2400" dirty="0"/>
-              <a:t>Java</a:t>
-            </a:r>
-            <a:r>
-              <a:rPr lang="zh-CN" altLang="en-US" sz="2400" dirty="0"/>
-              <a:t>程序，则需要</a:t>
-            </a:r>
-            <a:r>
-              <a:rPr lang="en-US" altLang="zh-CN" sz="2400" dirty="0"/>
-              <a:t>JDK</a:t>
-            </a:r>
-            <a:r>
-              <a:rPr lang="zh-CN" altLang="en-US" sz="2400" dirty="0"/>
-              <a:t>中的</a:t>
-            </a:r>
-            <a:r>
-              <a:rPr lang="en-US" altLang="zh-CN" sz="2400" dirty="0"/>
-              <a:t>JRE</a:t>
-            </a:r>
-            <a:r>
-              <a:rPr lang="zh-CN" altLang="en-US" sz="2400" dirty="0"/>
-              <a:t>。比如我们使用</a:t>
-            </a:r>
-            <a:r>
-              <a:rPr lang="en-US" altLang="zh-CN" sz="2400" dirty="0"/>
-              <a:t>javac.exe</a:t>
-            </a:r>
-            <a:r>
-              <a:rPr lang="zh-CN" altLang="en-US" sz="2400" dirty="0"/>
-              <a:t>来编译</a:t>
-            </a:r>
-            <a:r>
-              <a:rPr lang="en-US" altLang="zh-CN" sz="2400" dirty="0"/>
-              <a:t>Java</a:t>
-            </a:r>
-            <a:r>
-              <a:rPr lang="zh-CN" altLang="en-US" sz="2400" dirty="0"/>
               <a:t>程序时，系统会优先使用</a:t>
             </a:r>
             <a:r>
@@ -15923,15 +16539,11 @@
               <a:rPr lang="zh-CN" altLang="en-US" sz="2400" dirty="0"/>
               <a:t>。</a:t>
             </a:r>
+            <a:endParaRPr lang="zh-CN" altLang="en-US" sz="2400" dirty="0"/>
           </a:p>
         </p:txBody>
       </p:sp>
     </p:spTree>
-    <p:extLst>
-      <p:ext uri="{BB962C8B-B14F-4D97-AF65-F5344CB8AC3E}">
-        <p14:creationId xmlns:p14="http://schemas.microsoft.com/office/powerpoint/2010/main" val="577608464"/>
-      </p:ext>
-    </p:extLst>
   </p:cSld>
   <p:clrMapOvr>
     <a:masterClrMapping/>
@@ -16023,6 +16635,12 @@
               </a:rPr>
               <a:t> </a:t>
             </a:r>
+            <a:endParaRPr lang="zh-CN" altLang="en-US" sz="2800" b="1" dirty="0">
+              <a:solidFill>
+                <a:srgbClr val="0000FF"/>
+              </a:solidFill>
+              <a:ea typeface="宋体" panose="02010600030101010101" pitchFamily="2" charset="-122"/>
+            </a:endParaRPr>
           </a:p>
         </p:txBody>
       </p:sp>
@@ -16059,6 +16677,12 @@
               </a:rPr>
               <a:t>开发步骤：</a:t>
             </a:r>
+            <a:endParaRPr lang="zh-CN" altLang="en-US" sz="2200" b="1" dirty="0">
+              <a:solidFill>
+                <a:srgbClr val="0000FF"/>
+              </a:solidFill>
+              <a:ea typeface="宋体" panose="02010600030101010101" pitchFamily="2" charset="-122"/>
+            </a:endParaRPr>
           </a:p>
           <a:p>
             <a:pPr eaLnBrk="1" hangingPunct="1">
@@ -16095,6 +16719,9 @@
               </a:rPr>
               <a:t>java。 </a:t>
             </a:r>
+            <a:endParaRPr lang="en-US" altLang="zh-CN" sz="2200" b="1" dirty="0">
+              <a:ea typeface="宋体" panose="02010600030101010101" pitchFamily="2" charset="-122"/>
+            </a:endParaRPr>
           </a:p>
           <a:p>
             <a:pPr algn="just" eaLnBrk="1" hangingPunct="1">
@@ -16167,6 +16794,9 @@
               </a:rPr>
               <a:t>编译源文件，得到字节码文件。 </a:t>
             </a:r>
+            <a:endParaRPr lang="zh-CN" altLang="en-US" sz="2200" b="1" dirty="0">
+              <a:ea typeface="宋体" panose="02010600030101010101" pitchFamily="2" charset="-122"/>
+            </a:endParaRPr>
           </a:p>
           <a:p>
             <a:pPr eaLnBrk="1" hangingPunct="1">
@@ -16239,6 +16869,9 @@
               </a:rPr>
               <a:t>来解释执行字节码文件。</a:t>
             </a:r>
+            <a:endParaRPr lang="zh-CN" altLang="en-US" sz="2200" b="1" dirty="0">
+              <a:ea typeface="宋体" panose="02010600030101010101" pitchFamily="2" charset="-122"/>
+            </a:endParaRPr>
           </a:p>
         </p:txBody>
       </p:sp>
@@ -16251,7 +16884,7 @@
           <p:nvPr/>
         </p:nvPicPr>
         <p:blipFill>
-          <a:blip r:embed="rId2"/>
+          <a:blip r:embed="rId1"/>
           <a:stretch>
             <a:fillRect/>
           </a:stretch>
@@ -16346,6 +16979,13 @@
               </a:rPr>
               <a:t>应用程序</a:t>
             </a:r>
+            <a:endParaRPr lang="zh-CN" altLang="en-US" sz="2800" b="1" dirty="0">
+              <a:solidFill>
+                <a:srgbClr val="0000FF"/>
+              </a:solidFill>
+              <a:latin typeface="宋体" panose="02010600030101010101" pitchFamily="2" charset="-122"/>
+              <a:ea typeface="宋体" panose="02010600030101010101" pitchFamily="2" charset="-122"/>
+            </a:endParaRPr>
           </a:p>
         </p:txBody>
       </p:sp>
@@ -16382,6 +17022,12 @@
               </a:rPr>
               <a:t>1.5.1 源文件的编写与保存</a:t>
             </a:r>
+            <a:endParaRPr lang="zh-CN" altLang="en-US" sz="2600" b="1" dirty="0">
+              <a:solidFill>
+                <a:srgbClr val="0000FF"/>
+              </a:solidFill>
+              <a:ea typeface="宋体" panose="02010600030101010101" pitchFamily="2" charset="-122"/>
+            </a:endParaRPr>
           </a:p>
           <a:p>
             <a:pPr algn="just" eaLnBrk="1" hangingPunct="1">
@@ -16415,6 +17061,9 @@
               </a:rPr>
               <a:t>应用程序结构的细节在第4章还会讲解（4.4节）</a:t>
             </a:r>
+            <a:endParaRPr lang="zh-CN" altLang="en-US" sz="2200" dirty="0">
+              <a:ea typeface="宋体" panose="02010600030101010101" pitchFamily="2" charset="-122"/>
+            </a:endParaRPr>
           </a:p>
           <a:p>
             <a:pPr algn="just" eaLnBrk="1" hangingPunct="1">
@@ -16439,7 +17088,7 @@
                   <a:srgbClr val="0000FF"/>
                 </a:solidFill>
                 <a:ea typeface="宋体" panose="02010600030101010101" pitchFamily="2" charset="-122"/>
-                <a:hlinkClick r:id="rId2" action="ppaction://hlinkfile"/>
+                <a:hlinkClick r:id="rId1" action="ppaction://hlinkfile"/>
               </a:rPr>
               <a:t>例子1</a:t>
             </a:r>
@@ -16518,6 +17167,9 @@
               </a:rPr>
               <a:t> </a:t>
             </a:r>
+            <a:endParaRPr lang="zh-CN" altLang="en-US" dirty="0">
+              <a:ea typeface="宋体" panose="02010600030101010101" pitchFamily="2" charset="-122"/>
+            </a:endParaRPr>
           </a:p>
           <a:p>
             <a:pPr eaLnBrk="1" hangingPunct="1">
@@ -16595,6 +17247,10 @@
               </a:rPr>
               <a:t> {</a:t>
             </a:r>
+            <a:endParaRPr lang="en-US" altLang="zh-CN" sz="1600" dirty="0">
+              <a:latin typeface="Arial Unicode MS" panose="020B0604020202020204" charset="-122"/>
+              <a:ea typeface="Arial Unicode MS" panose="020B0604020202020204" charset="-122"/>
+            </a:endParaRPr>
           </a:p>
           <a:p>
             <a:pPr indent="266700" algn="just" eaLnBrk="0" hangingPunct="0">
@@ -16609,6 +17265,10 @@
               </a:rPr>
               <a:t>   public static void main (String args[]) {</a:t>
             </a:r>
+            <a:endParaRPr lang="en-US" altLang="zh-CN" sz="1600" dirty="0">
+              <a:latin typeface="Arial Unicode MS" panose="020B0604020202020204" charset="-122"/>
+              <a:ea typeface="Arial Unicode MS" panose="020B0604020202020204" charset="-122"/>
+            </a:endParaRPr>
           </a:p>
           <a:p>
             <a:pPr indent="266700" algn="just" eaLnBrk="0" hangingPunct="0">
@@ -16658,6 +17318,10 @@
               </a:rPr>
               <a:t>");</a:t>
             </a:r>
+            <a:endParaRPr lang="zh-CN" altLang="en-US" sz="1600" dirty="0">
+              <a:latin typeface="Arial Unicode MS" panose="020B0604020202020204" charset="-122"/>
+              <a:ea typeface="Arial Unicode MS" panose="020B0604020202020204" charset="-122"/>
+            </a:endParaRPr>
           </a:p>
           <a:p>
             <a:pPr indent="266700" algn="just" eaLnBrk="0" hangingPunct="0">
@@ -16683,6 +17347,10 @@
               </a:rPr>
               <a:t>}</a:t>
             </a:r>
+            <a:endParaRPr lang="en-US" altLang="zh-CN" sz="1600" dirty="0">
+              <a:latin typeface="Arial Unicode MS" panose="020B0604020202020204" charset="-122"/>
+              <a:ea typeface="Arial Unicode MS" panose="020B0604020202020204" charset="-122"/>
+            </a:endParaRPr>
           </a:p>
           <a:p>
             <a:pPr indent="266700" algn="just" eaLnBrk="0" hangingPunct="0">
@@ -16707,6 +17375,10 @@
               </a:rPr>
               <a:t> {</a:t>
             </a:r>
+            <a:endParaRPr lang="en-US" altLang="zh-CN" sz="1600" dirty="0">
+              <a:latin typeface="Arial Unicode MS" panose="020B0604020202020204" charset="-122"/>
+              <a:ea typeface="Arial Unicode MS" panose="020B0604020202020204" charset="-122"/>
+            </a:endParaRPr>
           </a:p>
           <a:p>
             <a:pPr indent="266700" algn="just" eaLnBrk="0" hangingPunct="0">
@@ -16721,6 +17393,10 @@
               </a:rPr>
               <a:t>   public void speak(String s) {</a:t>
             </a:r>
+            <a:endParaRPr lang="en-US" altLang="zh-CN" sz="1600" dirty="0">
+              <a:latin typeface="Arial Unicode MS" panose="020B0604020202020204" charset="-122"/>
+              <a:ea typeface="Arial Unicode MS" panose="020B0604020202020204" charset="-122"/>
+            </a:endParaRPr>
           </a:p>
           <a:p>
             <a:pPr indent="266700" algn="just" eaLnBrk="0" hangingPunct="0">
@@ -16735,6 +17411,10 @@
               </a:rPr>
               <a:t>      System.out.println(s);</a:t>
             </a:r>
+            <a:endParaRPr lang="en-US" altLang="zh-CN" sz="1600" dirty="0">
+              <a:latin typeface="Arial Unicode MS" panose="020B0604020202020204" charset="-122"/>
+              <a:ea typeface="Arial Unicode MS" panose="020B0604020202020204" charset="-122"/>
+            </a:endParaRPr>
           </a:p>
           <a:p>
             <a:pPr indent="266700" algn="just" eaLnBrk="0" hangingPunct="0">
@@ -16749,6 +17429,10 @@
               </a:rPr>
               <a:t>   }</a:t>
             </a:r>
+            <a:endParaRPr lang="en-US" altLang="zh-CN" sz="1600" dirty="0">
+              <a:latin typeface="Arial Unicode MS" panose="020B0604020202020204" charset="-122"/>
+              <a:ea typeface="Arial Unicode MS" panose="020B0604020202020204" charset="-122"/>
+            </a:endParaRPr>
           </a:p>
           <a:p>
             <a:pPr indent="266700" eaLnBrk="0" hangingPunct="0">
@@ -16763,6 +17447,10 @@
               </a:rPr>
               <a:t>} </a:t>
             </a:r>
+            <a:endParaRPr lang="en-US" altLang="zh-CN" sz="1600" dirty="0">
+              <a:latin typeface="Arial Unicode MS" panose="020B0604020202020204" charset="-122"/>
+              <a:ea typeface="Arial Unicode MS" panose="020B0604020202020204" charset="-122"/>
+            </a:endParaRPr>
           </a:p>
         </p:txBody>
       </p:sp>
@@ -16949,6 +17637,13 @@
               </a:rPr>
               <a:t>编写与保存源文件</a:t>
             </a:r>
+            <a:endParaRPr lang="zh-CN" altLang="en-US" sz="2800" b="1" dirty="0">
+              <a:solidFill>
+                <a:srgbClr val="0000FF"/>
+              </a:solidFill>
+              <a:latin typeface="宋体" panose="02010600030101010101" pitchFamily="2" charset="-122"/>
+              <a:ea typeface="宋体" panose="02010600030101010101" pitchFamily="2" charset="-122"/>
+            </a:endParaRPr>
           </a:p>
         </p:txBody>
       </p:sp>
@@ -16997,6 +17692,12 @@
               </a:rPr>
               <a:t>编写源文件</a:t>
             </a:r>
+            <a:endParaRPr lang="zh-CN" altLang="en-US" sz="2200" b="1" dirty="0">
+              <a:solidFill>
+                <a:srgbClr val="0000FF"/>
+              </a:solidFill>
+              <a:ea typeface="宋体" panose="02010600030101010101" pitchFamily="2" charset="-122"/>
+            </a:endParaRPr>
           </a:p>
           <a:p>
             <a:pPr lvl="1" algn="just" eaLnBrk="1" hangingPunct="1">
@@ -17027,6 +17728,9 @@
               </a:rPr>
               <a:t>或记事本编写上述例子1给出的源文件。</a:t>
             </a:r>
+            <a:endParaRPr lang="zh-CN" altLang="en-US" sz="2200" dirty="0">
+              <a:ea typeface="宋体" panose="02010600030101010101" pitchFamily="2" charset="-122"/>
+            </a:endParaRPr>
           </a:p>
           <a:p>
             <a:pPr lvl="1" algn="just" eaLnBrk="1" hangingPunct="1">
@@ -17051,6 +17755,9 @@
               </a:rPr>
               <a:t>源程序中语句所涉及到的小括号及标点符号都是英文状态下输入的括号和标点符号，比如“大家好!”中的引号必须是英文状态下的引号，而字符串里面的符号不受汉字符或英文字符的限制。 </a:t>
             </a:r>
+            <a:endParaRPr lang="zh-CN" altLang="en-US" sz="2200" dirty="0">
+              <a:ea typeface="宋体" panose="02010600030101010101" pitchFamily="2" charset="-122"/>
+            </a:endParaRPr>
           </a:p>
           <a:p>
             <a:pPr eaLnBrk="1" hangingPunct="1">
@@ -17069,6 +17776,12 @@
               </a:rPr>
               <a:t>2. 保存源文件</a:t>
             </a:r>
+            <a:endParaRPr lang="zh-CN" altLang="en-US" sz="2200" b="1" dirty="0">
+              <a:solidFill>
+                <a:srgbClr val="0000FF"/>
+              </a:solidFill>
+              <a:ea typeface="宋体" panose="02010600030101010101" pitchFamily="2" charset="-122"/>
+            </a:endParaRPr>
           </a:p>
           <a:p>
             <a:pPr lvl="1" algn="just" eaLnBrk="1" hangingPunct="1">
@@ -17234,6 +17947,9 @@
               </a:rPr>
               <a:t>就可以了。</a:t>
             </a:r>
+            <a:endParaRPr lang="zh-CN" altLang="en-US" sz="2200" dirty="0">
+              <a:ea typeface="宋体" panose="02010600030101010101" pitchFamily="2" charset="-122"/>
+            </a:endParaRPr>
           </a:p>
           <a:p>
             <a:pPr lvl="1" algn="just" eaLnBrk="1" hangingPunct="1">
@@ -17359,6 +18075,13 @@
               </a:rPr>
               <a:t>1.5.2 编译</a:t>
             </a:r>
+            <a:endParaRPr lang="zh-CN" altLang="en-US" sz="2800" b="1" dirty="0">
+              <a:solidFill>
+                <a:srgbClr val="0000FF"/>
+              </a:solidFill>
+              <a:latin typeface="宋体" panose="02010600030101010101" pitchFamily="2" charset="-122"/>
+              <a:ea typeface="宋体" panose="02010600030101010101" pitchFamily="2" charset="-122"/>
+            </a:endParaRPr>
           </a:p>
         </p:txBody>
       </p:sp>
@@ -17404,6 +18127,12 @@
               </a:rPr>
               <a:t>javac）</a:t>
             </a:r>
+            <a:endParaRPr lang="en-US" altLang="zh-CN" sz="2600" b="1" dirty="0">
+              <a:solidFill>
+                <a:srgbClr val="0000FF"/>
+              </a:solidFill>
+              <a:ea typeface="宋体" panose="02010600030101010101" pitchFamily="2" charset="-122"/>
+            </a:endParaRPr>
           </a:p>
           <a:p>
             <a:pPr lvl="1" algn="just" eaLnBrk="1" hangingPunct="1">
@@ -17467,6 +18196,9 @@
               </a:rPr>
               <a:t>）：</a:t>
             </a:r>
+            <a:endParaRPr lang="zh-CN" altLang="en-US" sz="2200" dirty="0">
+              <a:ea typeface="宋体" panose="02010600030101010101" pitchFamily="2" charset="-122"/>
+            </a:endParaRPr>
           </a:p>
           <a:p>
             <a:pPr lvl="1" algn="just" eaLnBrk="1" hangingPunct="1">
@@ -17506,6 +18238,9 @@
               </a:rPr>
               <a:t>编译源文件</a:t>
             </a:r>
+            <a:endParaRPr lang="zh-CN" altLang="en-US" sz="2200" dirty="0">
+              <a:ea typeface="宋体" panose="02010600030101010101" pitchFamily="2" charset="-122"/>
+            </a:endParaRPr>
           </a:p>
           <a:p>
             <a:pPr algn="just" eaLnBrk="1" hangingPunct="1">
@@ -17527,6 +18262,9 @@
               </a:rPr>
               <a:t> </a:t>
             </a:r>
+            <a:endParaRPr lang="zh-CN" altLang="en-US" sz="2200" dirty="0">
+              <a:ea typeface="宋体" panose="02010600030101010101" pitchFamily="2" charset="-122"/>
+            </a:endParaRPr>
           </a:p>
           <a:p>
             <a:pPr algn="just" eaLnBrk="1" hangingPunct="1">
@@ -17548,7 +18286,7 @@
           <p:nvPr/>
         </p:nvPicPr>
         <p:blipFill>
-          <a:blip r:embed="rId2"/>
+          <a:blip r:embed="rId1"/>
           <a:stretch>
             <a:fillRect/>
           </a:stretch>
@@ -17622,6 +18360,9 @@
               </a:rPr>
               <a:t>编译源文件</a:t>
             </a:r>
+            <a:endParaRPr lang="zh-CN" altLang="zh-CN" dirty="0">
+              <a:latin typeface="Times New Roman" panose="02020603050405020304" pitchFamily="18" charset="0"/>
+            </a:endParaRPr>
           </a:p>
         </p:txBody>
       </p:sp>
@@ -17681,6 +18422,13 @@
               </a:rPr>
               <a:t>1.5.3 运行</a:t>
             </a:r>
+            <a:endParaRPr lang="zh-CN" altLang="en-US" sz="2800" b="1" dirty="0">
+              <a:solidFill>
+                <a:srgbClr val="0000FF"/>
+              </a:solidFill>
+              <a:latin typeface="宋体" panose="02010600030101010101" pitchFamily="2" charset="-122"/>
+              <a:ea typeface="宋体" panose="02010600030101010101" pitchFamily="2" charset="-122"/>
+            </a:endParaRPr>
           </a:p>
         </p:txBody>
       </p:sp>
@@ -17717,6 +18465,12 @@
               </a:rPr>
               <a:t>1.应用程序的主类</a:t>
             </a:r>
+            <a:endParaRPr lang="zh-CN" altLang="en-US" sz="2600" b="1" dirty="0">
+              <a:solidFill>
+                <a:srgbClr val="0000FF"/>
+              </a:solidFill>
+              <a:ea typeface="宋体" panose="02010600030101010101" pitchFamily="2" charset="-122"/>
+            </a:endParaRPr>
           </a:p>
           <a:p>
             <a:pPr eaLnBrk="1" hangingPunct="1">
@@ -17765,6 +18519,12 @@
               </a:rPr>
               <a:t>                  public static void main（String args[ ]）</a:t>
             </a:r>
+            <a:endParaRPr lang="en-US" altLang="zh-CN" sz="2200" dirty="0">
+              <a:solidFill>
+                <a:srgbClr val="0000FF"/>
+              </a:solidFill>
+              <a:ea typeface="宋体" panose="02010600030101010101" pitchFamily="2" charset="-122"/>
+            </a:endParaRPr>
           </a:p>
           <a:p>
             <a:pPr eaLnBrk="1" hangingPunct="1">
@@ -17777,6 +18537,9 @@
               </a:rPr>
               <a:t>方法，称这个类是应用程序的主类。</a:t>
             </a:r>
+            <a:endParaRPr lang="zh-CN" altLang="en-US" sz="2200" dirty="0">
+              <a:ea typeface="宋体" panose="02010600030101010101" pitchFamily="2" charset="-122"/>
+            </a:endParaRPr>
           </a:p>
           <a:p>
             <a:pPr eaLnBrk="1" hangingPunct="1">
@@ -17801,6 +18564,12 @@
               </a:rPr>
               <a:t>java）</a:t>
             </a:r>
+            <a:endParaRPr lang="en-US" altLang="zh-CN" sz="2600" b="1" dirty="0">
+              <a:solidFill>
+                <a:srgbClr val="0000FF"/>
+              </a:solidFill>
+              <a:ea typeface="宋体" panose="02010600030101010101" pitchFamily="2" charset="-122"/>
+            </a:endParaRPr>
           </a:p>
           <a:p>
             <a:pPr algn="just" eaLnBrk="1" hangingPunct="1">
@@ -17951,6 +18720,9 @@
               </a:rPr>
               <a:t>解释器运行程序 </a:t>
             </a:r>
+            <a:endParaRPr lang="zh-CN" altLang="en-US" sz="2200" dirty="0">
+              <a:ea typeface="宋体" panose="02010600030101010101" pitchFamily="2" charset="-122"/>
+            </a:endParaRPr>
           </a:p>
           <a:p>
             <a:pPr eaLnBrk="1" hangingPunct="1">
@@ -17987,7 +18759,7 @@
           <p:nvPr/>
         </p:nvPicPr>
         <p:blipFill>
-          <a:blip r:embed="rId2"/>
+          <a:blip r:embed="rId1"/>
           <a:stretch>
             <a:fillRect/>
           </a:stretch>
@@ -18061,6 +18833,9 @@
               </a:rPr>
               <a:t>解释器运行程序</a:t>
             </a:r>
+            <a:endParaRPr lang="zh-CN" altLang="zh-CN" sz="1600" dirty="0">
+              <a:latin typeface="Times New Roman" panose="02020603050405020304" pitchFamily="18" charset="0"/>
+            </a:endParaRPr>
           </a:p>
         </p:txBody>
       </p:sp>
@@ -18113,6 +18888,7 @@
               <a:rPr lang="zh-CN" altLang="en-US" dirty="0"/>
               <a:t>步骤</a:t>
             </a:r>
+            <a:endParaRPr lang="zh-CN" altLang="en-US" dirty="0"/>
           </a:p>
         </p:txBody>
       </p:sp>
@@ -18143,6 +18919,7 @@
               <a:rPr lang="en-US" altLang="zh-CN" dirty="0" smtClean="0"/>
               <a:t>Window +r</a:t>
             </a:r>
+            <a:endParaRPr lang="en-US" altLang="zh-CN" dirty="0" smtClean="0"/>
           </a:p>
           <a:p>
             <a:pPr marL="514350" indent="-514350">
@@ -18184,6 +18961,7 @@
               <a:rPr lang="en-US" altLang="zh-CN" dirty="0" smtClean="0"/>
               <a:t>h:</a:t>
             </a:r>
+            <a:endParaRPr lang="en-US" altLang="zh-CN" dirty="0" smtClean="0"/>
           </a:p>
           <a:p>
             <a:pPr marL="0" indent="0">
@@ -18202,7 +18980,7 @@
           <p:nvPr/>
         </p:nvPicPr>
         <p:blipFill>
-          <a:blip r:embed="rId2">
+          <a:blip r:embed="rId1">
             <a:extLst>
               <a:ext uri="{28A0092B-C50C-407E-A947-70E740481C1C}">
                 <a14:useLocalDpi xmlns:a14="http://schemas.microsoft.com/office/drawing/2010/main" val="0"/>
@@ -18256,7 +19034,7 @@
           <p:nvPr/>
         </p:nvPicPr>
         <p:blipFill>
-          <a:blip r:embed="rId3">
+          <a:blip r:embed="rId2">
             <a:extLst>
               <a:ext uri="{28A0092B-C50C-407E-A947-70E740481C1C}">
                 <a14:useLocalDpi xmlns:a14="http://schemas.microsoft.com/office/drawing/2010/main" val="0"/>
@@ -18302,11 +19080,6 @@
         </p:spPr>
       </p:pic>
     </p:spTree>
-    <p:extLst>
-      <p:ext uri="{BB962C8B-B14F-4D97-AF65-F5344CB8AC3E}">
-        <p14:creationId xmlns:p14="http://schemas.microsoft.com/office/powerpoint/2010/main" val="809084962"/>
-      </p:ext>
-    </p:extLst>
   </p:cSld>
   <p:clrMapOvr>
     <a:masterClrMapping/>
@@ -18358,6 +19131,7 @@
               <a:rPr lang="en-US" altLang="zh-CN" dirty="0" smtClean="0"/>
               <a:t>3.Javac  Hello.java</a:t>
             </a:r>
+            <a:endParaRPr lang="en-US" altLang="zh-CN" dirty="0" smtClean="0"/>
           </a:p>
           <a:p>
             <a:pPr marL="0" indent="0">
@@ -18397,6 +19171,7 @@
               <a:rPr lang="en-US" altLang="zh-CN" dirty="0" smtClean="0"/>
               <a:t>4. Java Hello</a:t>
             </a:r>
+            <a:endParaRPr lang="en-US" altLang="zh-CN" dirty="0" smtClean="0"/>
           </a:p>
           <a:p>
             <a:pPr marL="0" indent="0">
@@ -18415,7 +19190,7 @@
           <p:nvPr/>
         </p:nvPicPr>
         <p:blipFill>
-          <a:blip r:embed="rId2">
+          <a:blip r:embed="rId1">
             <a:extLst>
               <a:ext uri="{28A0092B-C50C-407E-A947-70E740481C1C}">
                 <a14:useLocalDpi xmlns:a14="http://schemas.microsoft.com/office/drawing/2010/main" val="0"/>
@@ -18469,7 +19244,7 @@
           <p:nvPr/>
         </p:nvPicPr>
         <p:blipFill>
-          <a:blip r:embed="rId3">
+          <a:blip r:embed="rId2">
             <a:extLst>
               <a:ext uri="{28A0092B-C50C-407E-A947-70E740481C1C}">
                 <a14:useLocalDpi xmlns:a14="http://schemas.microsoft.com/office/drawing/2010/main" val="0"/>
@@ -18515,11 +19290,6 @@
         </p:spPr>
       </p:pic>
     </p:spTree>
-    <p:extLst>
-      <p:ext uri="{BB962C8B-B14F-4D97-AF65-F5344CB8AC3E}">
-        <p14:creationId xmlns:p14="http://schemas.microsoft.com/office/powerpoint/2010/main" val="2292876798"/>
-      </p:ext>
-    </p:extLst>
   </p:cSld>
   <p:clrMapOvr>
     <a:masterClrMapping/>
@@ -18595,6 +19365,13 @@
               </a:rPr>
               <a:t>应用程序</a:t>
             </a:r>
+            <a:endParaRPr lang="zh-CN" altLang="en-US" sz="2800" b="1" dirty="0">
+              <a:solidFill>
+                <a:srgbClr val="0000FF"/>
+              </a:solidFill>
+              <a:latin typeface="宋体" panose="02010600030101010101" pitchFamily="2" charset="-122"/>
+              <a:ea typeface="宋体" panose="02010600030101010101" pitchFamily="2" charset="-122"/>
+            </a:endParaRPr>
           </a:p>
         </p:txBody>
       </p:sp>
@@ -18689,6 +19466,20 @@
               </a:rPr>
               <a:t>.</a:t>
             </a:r>
+            <a:endParaRPr kumimoji="0" lang="en-US" altLang="zh-CN" sz="2200" b="0" i="0" u="none" strike="noStrike" kern="1200" cap="none" spc="0" normalizeH="0" baseline="0" noProof="0" dirty="0" smtClean="0">
+              <a:ln>
+                <a:noFill/>
+              </a:ln>
+              <a:solidFill>
+                <a:schemeClr val="tx1"/>
+              </a:solidFill>
+              <a:effectLst/>
+              <a:uLnTx/>
+              <a:uFillTx/>
+              <a:latin typeface="+mn-lt"/>
+              <a:ea typeface="+mn-ea"/>
+              <a:cs typeface="+mn-cs"/>
+            </a:endParaRPr>
           </a:p>
           <a:p>
             <a:pPr marL="0" marR="0" lvl="0" indent="0" algn="just" defTabSz="914400" rtl="0" eaLnBrk="1" fontAlgn="auto" latinLnBrk="0" hangingPunct="1">
@@ -18723,7 +19514,7 @@
                 <a:latin typeface="+mn-lt"/>
                 <a:ea typeface="+mn-ea"/>
                 <a:cs typeface="+mn-cs"/>
-                <a:hlinkClick r:id="rId2" action="ppaction://hlinkfile"/>
+                <a:hlinkClick r:id="rId1" action="ppaction://hlinkfile"/>
               </a:rPr>
               <a:t>       </a:t>
             </a:r>
@@ -18741,7 +19532,7 @@
                 <a:latin typeface="+mn-lt"/>
                 <a:ea typeface="+mn-ea"/>
                 <a:cs typeface="+mn-cs"/>
-                <a:hlinkClick r:id="rId2" action="ppaction://hlinkfile"/>
+                <a:hlinkClick r:id="rId1" action="ppaction://hlinkfile"/>
               </a:rPr>
               <a:t>例子2</a:t>
             </a:r>
@@ -18966,6 +19757,20 @@
               </a:rPr>
               <a:t>程序 。</a:t>
             </a:r>
+            <a:endParaRPr kumimoji="0" lang="zh-CN" altLang="en-US" sz="2200" b="0" i="0" u="none" strike="noStrike" kern="1200" cap="none" spc="0" normalizeH="0" baseline="0" noProof="0" dirty="0" smtClean="0">
+              <a:ln>
+                <a:noFill/>
+              </a:ln>
+              <a:solidFill>
+                <a:schemeClr val="tx1"/>
+              </a:solidFill>
+              <a:effectLst/>
+              <a:uLnTx/>
+              <a:uFillTx/>
+              <a:latin typeface="+mn-lt"/>
+              <a:ea typeface="+mn-ea"/>
+              <a:cs typeface="+mn-cs"/>
+            </a:endParaRPr>
           </a:p>
           <a:p>
             <a:pPr marL="342900" marR="0" lvl="0" indent="-342900" algn="just" defTabSz="914400" rtl="0" eaLnBrk="1" fontAlgn="auto" latinLnBrk="0" hangingPunct="1">
@@ -19543,6 +20348,11 @@
               </a:rPr>
               <a:t> </a:t>
             </a:r>
+            <a:endParaRPr kumimoji="1" lang="zh-CN" altLang="en-US" sz="1400" b="1" kern="1200" cap="none" spc="0" normalizeH="0" baseline="0" noProof="0" dirty="0">
+              <a:latin typeface="Times New Roman" panose="02020603050405020304" pitchFamily="18" charset="0"/>
+              <a:ea typeface="宋体" panose="02010600030101010101" pitchFamily="2" charset="-122"/>
+              <a:cs typeface="+mn-cs"/>
+            </a:endParaRPr>
           </a:p>
           <a:p>
             <a:pPr marR="0" defTabSz="914400">
@@ -19671,7 +20481,7 @@
           <p:nvPr/>
         </p:nvPicPr>
         <p:blipFill>
-          <a:blip r:embed="rId3"/>
+          <a:blip r:embed="rId2"/>
           <a:stretch>
             <a:fillRect/>
           </a:stretch>
@@ -19767,6 +20577,12 @@
               </a:rPr>
               <a:t>概述</a:t>
             </a:r>
+            <a:endParaRPr lang="zh-CN" altLang="en-US" sz="6000" b="1" dirty="0">
+              <a:solidFill>
+                <a:srgbClr val="0000FF"/>
+              </a:solidFill>
+              <a:ea typeface="宋体" panose="02010600030101010101" pitchFamily="2" charset="-122"/>
+            </a:endParaRPr>
           </a:p>
         </p:txBody>
       </p:sp>
@@ -19866,6 +20682,13 @@
               </a:rPr>
               <a:t>编程风格 </a:t>
             </a:r>
+            <a:endParaRPr lang="zh-CN" altLang="en-US" sz="2800" b="1" dirty="0">
+              <a:solidFill>
+                <a:srgbClr val="0000FF"/>
+              </a:solidFill>
+              <a:latin typeface="宋体" panose="02010600030101010101" pitchFamily="2" charset="-122"/>
+              <a:ea typeface="宋体" panose="02010600030101010101" pitchFamily="2" charset="-122"/>
+            </a:endParaRPr>
           </a:p>
         </p:txBody>
       </p:sp>
@@ -19902,6 +20725,9 @@
               </a:rPr>
               <a:t>遵守一门语言的编程风格是非常重要的，否则编写的代码将难以阅读，给后期的维护带来诸多不便</a:t>
             </a:r>
+            <a:endParaRPr lang="zh-CN" altLang="en-US" sz="2200" dirty="0">
+              <a:ea typeface="宋体" panose="02010600030101010101" pitchFamily="2" charset="-122"/>
+            </a:endParaRPr>
           </a:p>
           <a:p>
             <a:pPr eaLnBrk="1" hangingPunct="1">
@@ -19956,6 +20782,12 @@
               </a:rPr>
               <a:t>风格</a:t>
             </a:r>
+            <a:endParaRPr lang="zh-CN" altLang="en-US" sz="2200" b="1" dirty="0">
+              <a:solidFill>
+                <a:srgbClr val="0000FF"/>
+              </a:solidFill>
+              <a:ea typeface="宋体" panose="02010600030101010101" pitchFamily="2" charset="-122"/>
+            </a:endParaRPr>
           </a:p>
           <a:p>
             <a:pPr algn="just" eaLnBrk="1" hangingPunct="1">
@@ -19977,6 +20809,9 @@
               </a:rPr>
               <a:t>风格也称“独行”风格，即左、右大括号各自独占一行，如下列代码所示意 .当代码量较小时适合使用“独行”风格，代码布局清晰，可读性强 </a:t>
             </a:r>
+            <a:endParaRPr lang="zh-CN" altLang="en-US" sz="2200" dirty="0">
+              <a:ea typeface="宋体" panose="02010600030101010101" pitchFamily="2" charset="-122"/>
+            </a:endParaRPr>
           </a:p>
         </p:txBody>
       </p:sp>
@@ -20018,6 +20853,9 @@
               </a:rPr>
               <a:t>class Allmans</a:t>
             </a:r>
+            <a:endParaRPr lang="en-US" altLang="zh-CN" sz="1800" b="1" dirty="0">
+              <a:latin typeface="Times New Roman" panose="02020603050405020304" pitchFamily="18" charset="0"/>
+            </a:endParaRPr>
           </a:p>
           <a:p>
             <a:pPr indent="266700" algn="just" eaLnBrk="0" hangingPunct="0"/>
@@ -20027,6 +20865,9 @@
               </a:rPr>
               <a:t>{</a:t>
             </a:r>
+            <a:endParaRPr lang="en-US" altLang="zh-CN" sz="1800" b="1" dirty="0">
+              <a:latin typeface="Times New Roman" panose="02020603050405020304" pitchFamily="18" charset="0"/>
+            </a:endParaRPr>
           </a:p>
           <a:p>
             <a:pPr indent="266700" algn="just" eaLnBrk="0" hangingPunct="0"/>
@@ -20036,6 +20877,9 @@
               </a:rPr>
               <a:t>    public static void main(String args[])</a:t>
             </a:r>
+            <a:endParaRPr lang="en-US" altLang="zh-CN" sz="1800" b="1" dirty="0">
+              <a:latin typeface="Times New Roman" panose="02020603050405020304" pitchFamily="18" charset="0"/>
+            </a:endParaRPr>
           </a:p>
           <a:p>
             <a:pPr indent="266700" algn="just" eaLnBrk="0" hangingPunct="0"/>
@@ -20045,6 +20889,9 @@
               </a:rPr>
               <a:t>    {</a:t>
             </a:r>
+            <a:endParaRPr lang="en-US" altLang="zh-CN" sz="1800" b="1" dirty="0">
+              <a:latin typeface="Times New Roman" panose="02020603050405020304" pitchFamily="18" charset="0"/>
+            </a:endParaRPr>
           </a:p>
           <a:p>
             <a:pPr indent="266700" algn="just" eaLnBrk="0" hangingPunct="0"/>
@@ -20054,6 +20901,9 @@
               </a:rPr>
               <a:t>        int sum=0,i=0,j=0;</a:t>
             </a:r>
+            <a:endParaRPr lang="en-US" altLang="zh-CN" sz="1800" b="1" dirty="0">
+              <a:latin typeface="Times New Roman" panose="02020603050405020304" pitchFamily="18" charset="0"/>
+            </a:endParaRPr>
           </a:p>
           <a:p>
             <a:pPr indent="266700" algn="just" eaLnBrk="0" hangingPunct="0"/>
@@ -20063,6 +20913,9 @@
               </a:rPr>
               <a:t>        for(i=1;i&lt;=100;i++)</a:t>
             </a:r>
+            <a:endParaRPr lang="en-US" altLang="zh-CN" sz="1800" b="1" dirty="0">
+              <a:latin typeface="Times New Roman" panose="02020603050405020304" pitchFamily="18" charset="0"/>
+            </a:endParaRPr>
           </a:p>
           <a:p>
             <a:pPr indent="266700" algn="just" eaLnBrk="0" hangingPunct="0"/>
@@ -20072,6 +20925,9 @@
               </a:rPr>
               <a:t>        {</a:t>
             </a:r>
+            <a:endParaRPr lang="en-US" altLang="zh-CN" sz="1800" b="1" dirty="0">
+              <a:latin typeface="Times New Roman" panose="02020603050405020304" pitchFamily="18" charset="0"/>
+            </a:endParaRPr>
           </a:p>
           <a:p>
             <a:pPr indent="266700" algn="just" eaLnBrk="0" hangingPunct="0"/>
@@ -20081,6 +20937,9 @@
               </a:rPr>
               <a:t>            sum=sum+i;</a:t>
             </a:r>
+            <a:endParaRPr lang="en-US" altLang="zh-CN" sz="1800" b="1" dirty="0">
+              <a:latin typeface="Times New Roman" panose="02020603050405020304" pitchFamily="18" charset="0"/>
+            </a:endParaRPr>
           </a:p>
           <a:p>
             <a:pPr indent="266700" algn="just" eaLnBrk="0" hangingPunct="0"/>
@@ -20090,6 +20949,9 @@
               </a:rPr>
               <a:t>        }</a:t>
             </a:r>
+            <a:endParaRPr lang="en-US" altLang="zh-CN" sz="1800" b="1" dirty="0">
+              <a:latin typeface="Times New Roman" panose="02020603050405020304" pitchFamily="18" charset="0"/>
+            </a:endParaRPr>
           </a:p>
           <a:p>
             <a:pPr indent="266700" algn="just" eaLnBrk="0" hangingPunct="0"/>
@@ -20099,6 +20961,9 @@
               </a:rPr>
               <a:t>        System.out.println(sum);</a:t>
             </a:r>
+            <a:endParaRPr lang="en-US" altLang="zh-CN" sz="1800" b="1" dirty="0">
+              <a:latin typeface="Times New Roman" panose="02020603050405020304" pitchFamily="18" charset="0"/>
+            </a:endParaRPr>
           </a:p>
           <a:p>
             <a:pPr indent="266700" algn="just" eaLnBrk="0" hangingPunct="0"/>
@@ -20108,6 +20973,9 @@
               </a:rPr>
               <a:t>    }</a:t>
             </a:r>
+            <a:endParaRPr lang="en-US" altLang="zh-CN" sz="1800" b="1" dirty="0">
+              <a:latin typeface="Times New Roman" panose="02020603050405020304" pitchFamily="18" charset="0"/>
+            </a:endParaRPr>
           </a:p>
           <a:p>
             <a:pPr indent="266700" algn="just" eaLnBrk="0" hangingPunct="0"/>
@@ -20117,6 +20985,9 @@
               </a:rPr>
               <a:t>}</a:t>
             </a:r>
+            <a:endParaRPr lang="en-US" altLang="zh-CN" sz="1800" b="1" dirty="0">
+              <a:latin typeface="Times New Roman" panose="02020603050405020304" pitchFamily="18" charset="0"/>
+            </a:endParaRPr>
           </a:p>
           <a:p>
             <a:pPr indent="266700" eaLnBrk="0" hangingPunct="0"/>
@@ -20288,6 +21159,13 @@
               </a:rPr>
               <a:t>  编程风格</a:t>
             </a:r>
+            <a:endParaRPr lang="zh-CN" altLang="en-US" sz="2800" b="1" dirty="0">
+              <a:solidFill>
+                <a:srgbClr val="0000FF"/>
+              </a:solidFill>
+              <a:latin typeface="宋体" panose="02010600030101010101" pitchFamily="2" charset="-122"/>
+              <a:ea typeface="宋体" panose="02010600030101010101" pitchFamily="2" charset="-122"/>
+            </a:endParaRPr>
           </a:p>
         </p:txBody>
       </p:sp>
@@ -20414,6 +21292,20 @@
               </a:rPr>
               <a:t>风格</a:t>
             </a:r>
+            <a:endParaRPr kumimoji="0" lang="zh-CN" altLang="en-US" sz="2600" b="1" i="0" u="none" strike="noStrike" kern="1200" cap="none" spc="0" normalizeH="0" baseline="0" noProof="0" dirty="0" smtClean="0">
+              <a:ln>
+                <a:noFill/>
+              </a:ln>
+              <a:solidFill>
+                <a:srgbClr val="0000FF"/>
+              </a:solidFill>
+              <a:effectLst/>
+              <a:uLnTx/>
+              <a:uFillTx/>
+              <a:latin typeface="宋体" panose="02010600030101010101" pitchFamily="2" charset="-122"/>
+              <a:ea typeface="+mn-ea"/>
+              <a:cs typeface="+mn-cs"/>
+            </a:endParaRPr>
           </a:p>
           <a:p>
             <a:pPr marL="97155" marR="0" lvl="0" indent="530225" algn="just" defTabSz="914400" rtl="0" eaLnBrk="1" fontAlgn="auto" latinLnBrk="0" hangingPunct="1">
@@ -20483,6 +21375,20 @@
               </a:rPr>
               <a:t>风格也称“行尾”风格，即左大括号在上一行的行尾，而右大括号独占一行，如下列代码所示意。当代码量较大时不适合使用“独行”风格，因为该风格将导致代码的左半部分出现大量的左、右大括号，导致代码清晰度下降，这时应当使用“行尾”风格 。</a:t>
             </a:r>
+            <a:endParaRPr kumimoji="0" lang="zh-CN" altLang="en-US" sz="2200" b="0" i="0" u="none" strike="noStrike" kern="1200" cap="none" spc="0" normalizeH="0" baseline="0" noProof="0" dirty="0" smtClean="0">
+              <a:ln>
+                <a:noFill/>
+              </a:ln>
+              <a:solidFill>
+                <a:schemeClr val="tx1"/>
+              </a:solidFill>
+              <a:effectLst/>
+              <a:uLnTx/>
+              <a:uFillTx/>
+              <a:latin typeface="+mn-lt"/>
+              <a:ea typeface="+mn-ea"/>
+              <a:cs typeface="+mn-cs"/>
+            </a:endParaRPr>
           </a:p>
         </p:txBody>
       </p:sp>
@@ -20524,6 +21430,9 @@
               </a:rPr>
               <a:t>class Kernighan {</a:t>
             </a:r>
+            <a:endParaRPr lang="en-US" altLang="zh-CN" sz="1800" b="1" dirty="0">
+              <a:latin typeface="Times New Roman" panose="02020603050405020304" pitchFamily="18" charset="0"/>
+            </a:endParaRPr>
           </a:p>
           <a:p>
             <a:pPr indent="266700" algn="just"/>
@@ -20533,6 +21442,9 @@
               </a:rPr>
               <a:t>    public static void main(String args[]) {</a:t>
             </a:r>
+            <a:endParaRPr lang="en-US" altLang="zh-CN" sz="1800" b="1" dirty="0">
+              <a:latin typeface="Times New Roman" panose="02020603050405020304" pitchFamily="18" charset="0"/>
+            </a:endParaRPr>
           </a:p>
           <a:p>
             <a:pPr indent="266700" algn="just"/>
@@ -20542,6 +21454,9 @@
               </a:rPr>
               <a:t>        int sum=0,i=0,j=0;</a:t>
             </a:r>
+            <a:endParaRPr lang="en-US" altLang="zh-CN" sz="1800" b="1" dirty="0">
+              <a:latin typeface="Times New Roman" panose="02020603050405020304" pitchFamily="18" charset="0"/>
+            </a:endParaRPr>
           </a:p>
           <a:p>
             <a:pPr indent="266700" algn="just"/>
@@ -20551,6 +21466,9 @@
               </a:rPr>
               <a:t>        for(i=1;i&lt;=100;i++) {</a:t>
             </a:r>
+            <a:endParaRPr lang="en-US" altLang="zh-CN" sz="1800" b="1" dirty="0">
+              <a:latin typeface="Times New Roman" panose="02020603050405020304" pitchFamily="18" charset="0"/>
+            </a:endParaRPr>
           </a:p>
           <a:p>
             <a:pPr indent="266700" algn="just"/>
@@ -20560,6 +21478,9 @@
               </a:rPr>
               <a:t>            sum=sum+i;</a:t>
             </a:r>
+            <a:endParaRPr lang="en-US" altLang="zh-CN" sz="1800" b="1" dirty="0">
+              <a:latin typeface="Times New Roman" panose="02020603050405020304" pitchFamily="18" charset="0"/>
+            </a:endParaRPr>
           </a:p>
           <a:p>
             <a:pPr indent="266700" algn="just"/>
@@ -20569,6 +21490,9 @@
               </a:rPr>
               <a:t>        }</a:t>
             </a:r>
+            <a:endParaRPr lang="en-US" altLang="zh-CN" sz="1800" b="1" dirty="0">
+              <a:latin typeface="Times New Roman" panose="02020603050405020304" pitchFamily="18" charset="0"/>
+            </a:endParaRPr>
           </a:p>
           <a:p>
             <a:pPr indent="266700" algn="just"/>
@@ -20578,6 +21502,9 @@
               </a:rPr>
               <a:t>        System.out.println(sum);</a:t>
             </a:r>
+            <a:endParaRPr lang="en-US" altLang="zh-CN" sz="1800" b="1" dirty="0">
+              <a:latin typeface="Times New Roman" panose="02020603050405020304" pitchFamily="18" charset="0"/>
+            </a:endParaRPr>
           </a:p>
           <a:p>
             <a:pPr indent="266700" algn="just"/>
@@ -20587,6 +21514,9 @@
               </a:rPr>
               <a:t>    }</a:t>
             </a:r>
+            <a:endParaRPr lang="en-US" altLang="zh-CN" sz="1800" b="1" dirty="0">
+              <a:latin typeface="Times New Roman" panose="02020603050405020304" pitchFamily="18" charset="0"/>
+            </a:endParaRPr>
           </a:p>
           <a:p>
             <a:pPr indent="266700" algn="just"/>
@@ -20596,6 +21526,9 @@
               </a:rPr>
               <a:t>} </a:t>
             </a:r>
+            <a:endParaRPr lang="en-US" altLang="zh-CN" sz="1800" b="1" dirty="0">
+              <a:latin typeface="Times New Roman" panose="02020603050405020304" pitchFamily="18" charset="0"/>
+            </a:endParaRPr>
           </a:p>
           <a:p>
             <a:pPr indent="266700" eaLnBrk="0" hangingPunct="0"/>
@@ -20764,6 +21697,12 @@
               </a:rPr>
               <a:t>.3 注释</a:t>
             </a:r>
+            <a:endParaRPr lang="zh-CN" altLang="en-US" sz="2800" b="1" dirty="0">
+              <a:solidFill>
+                <a:srgbClr val="0000FF"/>
+              </a:solidFill>
+              <a:ea typeface="宋体" panose="02010600030101010101" pitchFamily="2" charset="-122"/>
+            </a:endParaRPr>
           </a:p>
         </p:txBody>
       </p:sp>
@@ -20800,6 +21739,9 @@
               </a:rPr>
               <a:t>编译器忽略注释内容，注释的目的是有利于代码的维护和阅读，因此给代码增加注释是一个良好的编程习惯。</a:t>
             </a:r>
+            <a:endParaRPr lang="zh-CN" altLang="en-US" sz="2400" dirty="0">
+              <a:ea typeface="宋体" panose="02010600030101010101" pitchFamily="2" charset="-122"/>
+            </a:endParaRPr>
           </a:p>
           <a:p>
             <a:pPr algn="just" eaLnBrk="1" hangingPunct="1">
@@ -20821,6 +21763,9 @@
               </a:rPr>
               <a:t>支持两种格式的注释：单行注释和多行注</a:t>
             </a:r>
+            <a:endParaRPr lang="zh-CN" altLang="en-US" sz="2400" dirty="0">
+              <a:ea typeface="宋体" panose="02010600030101010101" pitchFamily="2" charset="-122"/>
+            </a:endParaRPr>
           </a:p>
           <a:p>
             <a:pPr lvl="1" eaLnBrk="1" hangingPunct="1">
@@ -20845,6 +21790,9 @@
               </a:rPr>
               <a:t>使用“//”表示单行注释的开始，即该行中从“//”开始的后续内容为注释 .</a:t>
             </a:r>
+            <a:endParaRPr lang="zh-CN" altLang="en-US" sz="2200" dirty="0">
+              <a:ea typeface="宋体" panose="02010600030101010101" pitchFamily="2" charset="-122"/>
+            </a:endParaRPr>
           </a:p>
           <a:p>
             <a:pPr lvl="1" eaLnBrk="1" hangingPunct="1">
@@ -20869,6 +21817,9 @@
               </a:rPr>
               <a:t>的使用“/*”表示注释的开始，以“*/”表示注释结束 .</a:t>
             </a:r>
+            <a:endParaRPr lang="zh-CN" altLang="en-US" sz="2200" dirty="0">
+              <a:ea typeface="宋体" panose="02010600030101010101" pitchFamily="2" charset="-122"/>
+            </a:endParaRPr>
           </a:p>
           <a:p>
             <a:pPr eaLnBrk="1" hangingPunct="1">
@@ -20957,8 +21908,33 @@
             </a:r>
             <a:r>
               <a:rPr lang="zh-CN" altLang="en-US" sz="2800" dirty="0"/>
-              <a:t>，应用程序编程接口）是一些预先定义的函数，目的是提供应用程序与开发人员基于某软件或硬件的的一组例程能力。</a:t>
-            </a:r>
+              <a:t>，应用程序编程接口）是一些预先定义的</a:t>
+            </a:r>
+            <a:r>
+              <a:rPr lang="zh-CN" altLang="en-US" sz="2800" dirty="0">
+                <a:solidFill>
+                  <a:srgbClr val="FF0000"/>
+                </a:solidFill>
+              </a:rPr>
+              <a:t>函数</a:t>
+            </a:r>
+            <a:r>
+              <a:rPr lang="zh-CN" altLang="en-US" sz="2800" dirty="0"/>
+              <a:t>，目的是提供应用程序与开发人员基于某软件或硬件的的一组</a:t>
+            </a:r>
+            <a:r>
+              <a:rPr lang="zh-CN" altLang="en-US" sz="2800" dirty="0">
+                <a:solidFill>
+                  <a:srgbClr val="FF0000"/>
+                </a:solidFill>
+              </a:rPr>
+              <a:t>例程能力</a:t>
+            </a:r>
+            <a:r>
+              <a:rPr lang="zh-CN" altLang="en-US" sz="2800" dirty="0"/>
+              <a:t>。</a:t>
+            </a:r>
+            <a:endParaRPr lang="zh-CN" altLang="en-US" sz="2800" dirty="0"/>
           </a:p>
           <a:p>
             <a:r>
@@ -21011,40 +21987,72 @@
             </a:r>
             <a:r>
               <a:rPr lang="zh-CN" altLang="en-US" sz="2800" dirty="0"/>
-              <a:t>虚拟机上运行的整个程序。在一个平台能够支持</a:t>
-            </a:r>
-            <a:r>
-              <a:rPr lang="en-US" altLang="zh-CN" sz="2800" dirty="0"/>
+              <a:t>虚拟机上运行的整个程序。</a:t>
+            </a:r>
+            <a:r>
+              <a:rPr lang="zh-CN" altLang="en-US" sz="2800" dirty="0">
+                <a:solidFill>
+                  <a:srgbClr val="FF0000"/>
+                </a:solidFill>
+              </a:rPr>
+              <a:t>在一个平台能够支持</a:t>
+            </a:r>
+            <a:r>
+              <a:rPr lang="en-US" altLang="zh-CN" sz="2800" dirty="0">
+                <a:solidFill>
+                  <a:srgbClr val="FF0000"/>
+                </a:solidFill>
+              </a:rPr>
               <a:t>Java</a:t>
             </a:r>
             <a:r>
-              <a:rPr lang="zh-CN" altLang="en-US" sz="2800" dirty="0"/>
+              <a:rPr lang="zh-CN" altLang="en-US" sz="2800" dirty="0">
+                <a:solidFill>
+                  <a:srgbClr val="FF0000"/>
+                </a:solidFill>
+              </a:rPr>
               <a:t>程序以前，必须在这个特定平台上明确地实现</a:t>
             </a:r>
             <a:r>
-              <a:rPr lang="en-US" altLang="zh-CN" sz="2800" dirty="0"/>
+              <a:rPr lang="en-US" altLang="zh-CN" sz="2800" dirty="0">
+                <a:solidFill>
+                  <a:srgbClr val="FF0000"/>
+                </a:solidFill>
+              </a:rPr>
               <a:t>API</a:t>
             </a:r>
             <a:r>
-              <a:rPr lang="zh-CN" altLang="en-US" sz="2800" dirty="0"/>
+              <a:rPr lang="zh-CN" altLang="en-US" sz="2800" dirty="0">
+                <a:solidFill>
+                  <a:srgbClr val="FF0000"/>
+                </a:solidFill>
+              </a:rPr>
               <a:t>功能</a:t>
             </a:r>
             <a:r>
-              <a:rPr lang="zh-CN" altLang="en-US" dirty="0"/>
+              <a:rPr lang="zh-CN" altLang="en-US" dirty="0">
+                <a:solidFill>
+                  <a:srgbClr val="FF0000"/>
+                </a:solidFill>
+              </a:rPr>
               <a:t>。</a:t>
             </a:r>
-          </a:p>
-          <a:p>
-            <a:endParaRPr lang="zh-CN" altLang="en-US" dirty="0"/>
+            <a:endParaRPr lang="zh-CN" altLang="en-US" dirty="0">
+              <a:solidFill>
+                <a:srgbClr val="FF0000"/>
+              </a:solidFill>
+            </a:endParaRPr>
+          </a:p>
+          <a:p>
+            <a:endParaRPr lang="zh-CN" altLang="en-US" dirty="0">
+              <a:solidFill>
+                <a:srgbClr val="FF0000"/>
+              </a:solidFill>
+            </a:endParaRPr>
           </a:p>
         </p:txBody>
       </p:sp>
     </p:spTree>
-    <p:extLst>
-      <p:ext uri="{BB962C8B-B14F-4D97-AF65-F5344CB8AC3E}">
-        <p14:creationId xmlns:p14="http://schemas.microsoft.com/office/powerpoint/2010/main" val="1425694204"/>
-      </p:ext>
-    </p:extLst>
   </p:cSld>
   <p:clrMapOvr>
     <a:masterClrMapping/>
@@ -21102,6 +22110,7 @@
               <a:rPr lang="en-US" altLang="zh-CN" smtClean="0"/>
               <a:t>Eclipse</a:t>
             </a:r>
+            <a:endParaRPr lang="en-US" altLang="zh-CN" smtClean="0"/>
           </a:p>
         </p:txBody>
       </p:sp>
@@ -21129,7 +22138,7 @@
               <a:lnSpc>
                 <a:spcPct val="90000"/>
               </a:lnSpc>
-              <a:buFont typeface="Wingdings" pitchFamily="2" charset="2"/>
+              <a:buFont typeface="Wingdings" panose="05000000000000000000" pitchFamily="2" charset="2"/>
               <a:buNone/>
             </a:pPr>
             <a:r>
@@ -21140,13 +22149,14 @@
               <a:rPr lang="zh-CN" altLang="en-US" dirty="0" smtClean="0"/>
               <a:t>简介（一）</a:t>
             </a:r>
+            <a:endParaRPr lang="zh-CN" altLang="en-US" dirty="0" smtClean="0"/>
           </a:p>
           <a:p>
             <a:pPr marL="0" indent="723900" eaLnBrk="1" hangingPunct="1">
               <a:lnSpc>
                 <a:spcPct val="90000"/>
               </a:lnSpc>
-              <a:buFont typeface="Wingdings" pitchFamily="2" charset="2"/>
+              <a:buFont typeface="Wingdings" panose="05000000000000000000" pitchFamily="2" charset="2"/>
               <a:buNone/>
             </a:pPr>
             <a:r>
@@ -21197,15 +22207,11 @@
               <a:rPr lang="zh-CN" altLang="en-US" sz="2800" dirty="0" smtClean="0"/>
               <a:t>和应用程序的开发工具平台，其本身并不会提供大量的功能，而是通过插件来实现程序的快速开发功能。</a:t>
             </a:r>
+            <a:endParaRPr lang="zh-CN" altLang="en-US" sz="2800" dirty="0" smtClean="0"/>
           </a:p>
         </p:txBody>
       </p:sp>
     </p:spTree>
-    <p:extLst>
-      <p:ext uri="{BB962C8B-B14F-4D97-AF65-F5344CB8AC3E}">
-        <p14:creationId xmlns:p14="http://schemas.microsoft.com/office/powerpoint/2010/main" val="2657170332"/>
-      </p:ext>
-    </p:extLst>
   </p:cSld>
   <p:clrMapOvr>
     <a:masterClrMapping/>
@@ -21259,6 +22265,7 @@
               <a:rPr lang="zh-CN" altLang="en-US" smtClean="0"/>
               <a:t>简介（二）</a:t>
             </a:r>
+            <a:endParaRPr lang="zh-CN" altLang="en-US" smtClean="0"/>
           </a:p>
         </p:txBody>
       </p:sp>
@@ -21286,7 +22293,7 @@
               <a:lnSpc>
                 <a:spcPct val="80000"/>
               </a:lnSpc>
-              <a:buFont typeface="Wingdings" pitchFamily="2" charset="2"/>
+              <a:buFont typeface="Wingdings" panose="05000000000000000000" pitchFamily="2" charset="2"/>
               <a:buNone/>
             </a:pPr>
             <a:r>
@@ -21353,15 +22360,11 @@
               <a:rPr lang="zh-CN" altLang="en-US" sz="2800" dirty="0" smtClean="0"/>
               <a:t>的功能也在不断的扩展，以便支持各种不同的应用。</a:t>
             </a:r>
+            <a:endParaRPr lang="zh-CN" altLang="en-US" sz="2800" dirty="0" smtClean="0"/>
           </a:p>
         </p:txBody>
       </p:sp>
     </p:spTree>
-    <p:extLst>
-      <p:ext uri="{BB962C8B-B14F-4D97-AF65-F5344CB8AC3E}">
-        <p14:creationId xmlns:p14="http://schemas.microsoft.com/office/powerpoint/2010/main" val="502037918"/>
-      </p:ext>
-    </p:extLst>
   </p:cSld>
   <p:clrMapOvr>
     <a:masterClrMapping/>
@@ -21416,6 +22419,12 @@
               </a:rPr>
               <a:t>总结</a:t>
             </a:r>
+            <a:endParaRPr lang="zh-CN" altLang="en-US" sz="3200" b="1" dirty="0">
+              <a:solidFill>
+                <a:srgbClr val="0000FF"/>
+              </a:solidFill>
+              <a:ea typeface="宋体" panose="02010600030101010101" pitchFamily="2" charset="-122"/>
+            </a:endParaRPr>
           </a:p>
         </p:txBody>
       </p:sp>
@@ -21555,6 +22564,9 @@
               </a:rPr>
               <a:t>程序需经过三个步骤：编写源文件、编译源文件</a:t>
             </a:r>
+            <a:endParaRPr lang="zh-CN" altLang="en-US" sz="2200" b="1" dirty="0">
+              <a:latin typeface="Times New Roman" panose="02020603050405020304" pitchFamily="18" charset="0"/>
+            </a:endParaRPr>
           </a:p>
           <a:p>
             <a:pPr eaLnBrk="0" hangingPunct="0">
@@ -21657,7 +22669,7 @@
             <p:nvPr/>
           </p:nvPicPr>
           <p:blipFill>
-            <a:blip r:embed="rId2"/>
+            <a:blip r:embed="rId1"/>
             <a:stretch>
               <a:fillRect/>
             </a:stretch>
@@ -21707,6 +22719,9 @@
                 </a:rPr>
                 <a:t>本节结束咯~偶都会了~太葱明了</a:t>
               </a:r>
+              <a:endParaRPr lang="zh-CN" altLang="en-US" sz="1800" b="1" i="1" dirty="0">
+                <a:latin typeface="Arial" panose="020B0604020202020204" pitchFamily="34" charset="0"/>
+              </a:endParaRPr>
             </a:p>
             <a:p>
               <a:r>
@@ -21721,6 +22736,9 @@
                 </a:rPr>
                 <a:t>命名保存源文件</a:t>
               </a:r>
+              <a:endParaRPr lang="zh-CN" altLang="en-US" sz="1800" b="1" i="1" dirty="0">
+                <a:latin typeface="Arial" panose="020B0604020202020204" pitchFamily="34" charset="0"/>
+              </a:endParaRPr>
             </a:p>
             <a:p>
               <a:r>
@@ -21735,6 +22753,9 @@
                 </a:rPr>
                 <a:t>编译</a:t>
               </a:r>
+              <a:endParaRPr lang="zh-CN" altLang="en-US" sz="1800" b="1" i="1" dirty="0">
+                <a:latin typeface="Arial" panose="020B0604020202020204" pitchFamily="34" charset="0"/>
+              </a:endParaRPr>
             </a:p>
             <a:p>
               <a:r>
@@ -21749,6 +22770,9 @@
                 </a:rPr>
                 <a:t>执行</a:t>
               </a:r>
+              <a:endParaRPr lang="zh-CN" altLang="en-US" sz="1800" b="1" i="1" dirty="0">
+                <a:latin typeface="Arial" panose="020B0604020202020204" pitchFamily="34" charset="0"/>
+              </a:endParaRPr>
             </a:p>
           </p:txBody>
         </p:sp>
@@ -22009,7 +23033,7 @@
 </file>
 
 <file path=ppt/slides/slide37.xml><?xml version="1.0" encoding="utf-8"?>
-<p:sld xmlns:a="http://schemas.openxmlformats.org/drawingml/2006/main" xmlns:r="http://schemas.openxmlformats.org/officeDocument/2006/relationships" xmlns:p="http://schemas.openxmlformats.org/presentationml/2006/main" showMasterSp="0">
+<p:sld xmlns:a="http://schemas.openxmlformats.org/drawingml/2006/main" xmlns:r="http://schemas.openxmlformats.org/officeDocument/2006/relationships" xmlns:p="http://schemas.openxmlformats.org/presentationml/2006/main">
   <p:cSld>
     <p:spTree>
       <p:nvGrpSpPr>
@@ -22017,52 +23041,12 @@
         <p:cNvGrpSpPr/>
         <p:nvPr/>
       </p:nvGrpSpPr>
-      <p:grpSpPr>
-        <a:xfrm>
-          <a:off x="0" y="0"/>
-          <a:ext cx="0" cy="0"/>
-          <a:chOff x="0" y="0"/>
-          <a:chExt cx="0" cy="0"/>
-        </a:xfrm>
-      </p:grpSpPr>
+      <p:grpSpPr/>
       <p:sp>
         <p:nvSpPr>
-          <p:cNvPr id="48130" name="Rectangle 2"/>
+          <p:cNvPr id="3" name="内容占位符 2"/>
           <p:cNvSpPr>
             <a:spLocks noGrp="1"/>
-          </p:cNvSpPr>
-          <p:nvPr>
-            <p:ph type="title"/>
-          </p:nvPr>
-        </p:nvSpPr>
-        <p:spPr>
-          <a:xfrm>
-            <a:off x="457200" y="274638"/>
-            <a:ext cx="5186363" cy="1143000"/>
-          </a:xfrm>
-        </p:spPr>
-        <p:txBody>
-          <a:bodyPr vert="horz" wrap="square" lIns="91440" tIns="45720" rIns="91440" bIns="45720" anchor="ctr"/>
-          <a:lstStyle/>
-          <a:p>
-            <a:pPr eaLnBrk="1" hangingPunct="1"/>
-            <a:r>
-              <a:rPr lang="zh-CN" altLang="en-US" sz="2800" b="1" dirty="0">
-                <a:solidFill>
-                  <a:srgbClr val="0000FF"/>
-                </a:solidFill>
-                <a:ea typeface="宋体" panose="02010600030101010101" pitchFamily="2" charset="-122"/>
-              </a:rPr>
-              <a:t>作业</a:t>
-            </a:r>
-          </a:p>
-        </p:txBody>
-      </p:sp>
-      <p:sp>
-        <p:nvSpPr>
-          <p:cNvPr id="33795" name="Rectangle 3"/>
-          <p:cNvSpPr>
-            <a:spLocks noGrp="1" noChangeArrowheads="1"/>
           </p:cNvSpPr>
           <p:nvPr>
             <p:ph idx="1"/>
@@ -22070,116 +23054,67 @@
         </p:nvSpPr>
         <p:spPr>
           <a:xfrm>
-            <a:off x="539750" y="2058988"/>
-            <a:ext cx="6032500" cy="577850"/>
+            <a:off x="457200" y="560705"/>
+            <a:ext cx="8229600" cy="4525963"/>
           </a:xfrm>
         </p:spPr>
         <p:txBody>
-          <a:bodyPr vert="horz" wrap="square" lIns="91440" tIns="45720" rIns="91440" bIns="45720" numCol="1" rtlCol="0" anchor="t" anchorCtr="0" compatLnSpc="1">
-            <a:normAutofit lnSpcReduction="10000"/>
-          </a:bodyPr>
-          <a:lstStyle/>
-          <a:p>
-            <a:pPr marL="342900" marR="0" lvl="0" indent="-342900" algn="l" defTabSz="914400" rtl="0" eaLnBrk="1" fontAlgn="auto" latinLnBrk="0" hangingPunct="1">
-              <a:lnSpc>
-                <a:spcPct val="100000"/>
-              </a:lnSpc>
-              <a:spcBef>
-                <a:spcPct val="20000"/>
-              </a:spcBef>
-              <a:spcAft>
-                <a:spcPts val="0"/>
-              </a:spcAft>
-              <a:buClr>
-                <a:srgbClr val="0000FF"/>
-              </a:buClr>
-              <a:buSzTx/>
-              <a:buFont typeface="Wingdings" panose="05000000000000000000" pitchFamily="2" charset="2"/>
-              <a:buChar char="v"/>
-              <a:defRPr/>
+          <a:bodyPr/>
+          <a:p>
+            <a:pPr marL="0" indent="0">
+              <a:buNone/>
             </a:pPr>
             <a:r>
-              <a:rPr kumimoji="0" lang="zh-CN" altLang="en-US" sz="3200" b="0" i="0" u="none" strike="noStrike" kern="1200" cap="none" spc="0" normalizeH="0" baseline="0" noProof="0" dirty="0" smtClean="0">
-                <a:ln>
-                  <a:noFill/>
-                </a:ln>
-                <a:solidFill>
-                  <a:schemeClr val="tx1"/>
-                </a:solidFill>
-                <a:effectLst/>
-                <a:uLnTx/>
-                <a:uFillTx/>
-                <a:latin typeface="+mn-lt"/>
-                <a:ea typeface="+mn-ea"/>
-                <a:cs typeface="+mn-cs"/>
-              </a:rPr>
-              <a:t>习题</a:t>
-            </a:r>
-            <a:r>
-              <a:rPr kumimoji="0" lang="en-US" altLang="zh-CN" sz="3200" b="0" i="0" u="none" strike="noStrike" kern="1200" cap="none" spc="0" normalizeH="0" baseline="0" noProof="0" dirty="0" smtClean="0">
-                <a:ln>
-                  <a:noFill/>
-                </a:ln>
-                <a:solidFill>
-                  <a:schemeClr val="tx1"/>
-                </a:solidFill>
-                <a:effectLst/>
-                <a:uLnTx/>
-                <a:uFillTx/>
-                <a:latin typeface="+mn-lt"/>
-                <a:ea typeface="+mn-ea"/>
-                <a:cs typeface="+mn-cs"/>
-              </a:rPr>
-              <a:t>1</a:t>
-            </a:r>
-            <a:r>
-              <a:rPr kumimoji="0" lang="zh-CN" altLang="en-US" sz="3200" b="0" i="0" u="none" strike="noStrike" kern="1200" cap="none" spc="0" normalizeH="0" baseline="0" noProof="0" dirty="0" smtClean="0">
-                <a:ln>
-                  <a:noFill/>
-                </a:ln>
-                <a:solidFill>
-                  <a:schemeClr val="tx1"/>
-                </a:solidFill>
-                <a:effectLst/>
-                <a:uLnTx/>
-                <a:uFillTx/>
-                <a:latin typeface="+mn-lt"/>
-                <a:ea typeface="+mn-ea"/>
-                <a:cs typeface="+mn-cs"/>
-              </a:rPr>
-              <a:t> </a:t>
-            </a:r>
-            <a:r>
-              <a:rPr kumimoji="0" lang="en-US" altLang="zh-CN" sz="3200" b="0" i="0" u="none" strike="noStrike" kern="1200" cap="none" spc="0" normalizeH="0" baseline="0" noProof="0" dirty="0" smtClean="0">
-                <a:ln>
-                  <a:noFill/>
-                </a:ln>
-                <a:solidFill>
-                  <a:schemeClr val="tx1"/>
-                </a:solidFill>
-                <a:effectLst/>
-                <a:uLnTx/>
-                <a:uFillTx/>
-                <a:latin typeface="+mn-lt"/>
-                <a:ea typeface="+mn-ea"/>
-                <a:cs typeface="+mn-cs"/>
-              </a:rPr>
-              <a:t>   1,3 </a:t>
-            </a:r>
-            <a:endParaRPr kumimoji="0" lang="zh-CN" altLang="en-US" sz="3200" b="0" i="0" u="none" strike="noStrike" kern="1200" cap="none" spc="0" normalizeH="0" baseline="0" noProof="0" dirty="0" smtClean="0">
-              <a:ln>
-                <a:noFill/>
-              </a:ln>
-              <a:solidFill>
-                <a:schemeClr val="tx1"/>
-              </a:solidFill>
-              <a:effectLst/>
-              <a:uLnTx/>
-              <a:uFillTx/>
-              <a:latin typeface="+mn-lt"/>
-              <a:ea typeface="+mn-ea"/>
-              <a:cs typeface="+mn-cs"/>
-            </a:endParaRPr>
+              <a:rPr lang="zh-CN" altLang="en-US"/>
+              <a:t>public class Hello {	</a:t>
+            </a:r>
+            <a:endParaRPr lang="zh-CN" altLang="en-US"/>
+          </a:p>
+          <a:p>
+            <a:pPr marL="0" indent="0">
+              <a:buNone/>
+            </a:pPr>
+            <a:r>
+              <a:rPr lang="zh-CN" altLang="en-US"/>
+              <a:t>	public static void main(String arg[]){</a:t>
+            </a:r>
+            <a:endParaRPr lang="zh-CN" altLang="en-US"/>
+          </a:p>
+          <a:p>
+            <a:pPr marL="0" indent="0">
+              <a:buNone/>
+            </a:pPr>
+            <a:r>
+              <a:rPr lang="zh-CN" altLang="en-US"/>
+              <a:t>		System.out.println("HElloWORLD");</a:t>
+            </a:r>
+            <a:endParaRPr lang="zh-CN" altLang="en-US"/>
+          </a:p>
+          <a:p>
+            <a:pPr marL="0" indent="0">
+              <a:buNone/>
+            </a:pPr>
+            <a:r>
+              <a:rPr lang="zh-CN" altLang="en-US"/>
+              <a:t>	}</a:t>
+            </a:r>
+            <a:endParaRPr lang="zh-CN" altLang="en-US"/>
+          </a:p>
+          <a:p>
+            <a:pPr marL="0" indent="0">
+              <a:buNone/>
+            </a:pPr>
+            <a:r>
+              <a:rPr lang="zh-CN" altLang="en-US"/>
+              <a:t>}</a:t>
+            </a:r>
+            <a:endParaRPr lang="zh-CN" altLang="en-US"/>
+          </a:p>
+          <a:p>
+            <a:pPr marL="0" indent="0">
+              <a:buNone/>
+            </a:pPr>
+            <a:endParaRPr lang="zh-CN" altLang="en-US"/>
           </a:p>
         </p:txBody>
       </p:sp>
@@ -22188,190 +23123,6 @@
   <p:clrMapOvr>
     <a:masterClrMapping/>
   </p:clrMapOvr>
-</p:sld>
-</file>
-
-<file path=ppt/slides/slide38.xml><?xml version="1.0" encoding="utf-8"?>
-<p:sld xmlns:a="http://schemas.openxmlformats.org/drawingml/2006/main" xmlns:r="http://schemas.openxmlformats.org/officeDocument/2006/relationships" xmlns:p="http://schemas.openxmlformats.org/presentationml/2006/main" showMasterSp="0">
-  <p:cSld>
-    <p:spTree>
-      <p:nvGrpSpPr>
-        <p:cNvPr id="1" name=""/>
-        <p:cNvGrpSpPr/>
-        <p:nvPr/>
-      </p:nvGrpSpPr>
-      <p:grpSpPr>
-        <a:xfrm>
-          <a:off x="0" y="0"/>
-          <a:ext cx="0" cy="0"/>
-          <a:chOff x="0" y="0"/>
-          <a:chExt cx="0" cy="0"/>
-        </a:xfrm>
-      </p:grpSpPr>
-      <p:pic>
-        <p:nvPicPr>
-          <p:cNvPr id="49154" name="Picture 2" descr="太好了"/>
-          <p:cNvPicPr>
-            <a:picLocks noChangeAspect="1"/>
-          </p:cNvPicPr>
-          <p:nvPr/>
-        </p:nvPicPr>
-        <p:blipFill>
-          <a:blip r:embed="rId2"/>
-          <a:stretch>
-            <a:fillRect/>
-          </a:stretch>
-        </p:blipFill>
-        <p:spPr>
-          <a:xfrm>
-            <a:off x="539750" y="1773238"/>
-            <a:ext cx="1189038" cy="1439862"/>
-          </a:xfrm>
-          <a:prstGeom prst="rect">
-            <a:avLst/>
-          </a:prstGeom>
-          <a:noFill/>
-          <a:ln w="9525">
-            <a:noFill/>
-          </a:ln>
-        </p:spPr>
-      </p:pic>
-      <p:pic>
-        <p:nvPicPr>
-          <p:cNvPr id="49155" name="Picture 3" descr="@}}A$6K67LN03F2C`]25U@N"/>
-          <p:cNvPicPr>
-            <a:picLocks noChangeAspect="1"/>
-          </p:cNvPicPr>
-          <p:nvPr/>
-        </p:nvPicPr>
-        <p:blipFill>
-          <a:blip r:embed="rId3"/>
-          <a:stretch>
-            <a:fillRect/>
-          </a:stretch>
-        </p:blipFill>
-        <p:spPr>
-          <a:xfrm>
-            <a:off x="2411413" y="2263775"/>
-            <a:ext cx="5986462" cy="4044950"/>
-          </a:xfrm>
-          <a:prstGeom prst="rect">
-            <a:avLst/>
-          </a:prstGeom>
-          <a:noFill/>
-          <a:ln w="9525">
-            <a:noFill/>
-          </a:ln>
-        </p:spPr>
-      </p:pic>
-      <p:sp>
-        <p:nvSpPr>
-          <p:cNvPr id="49156" name="Rectangle 5"/>
-          <p:cNvSpPr/>
-          <p:nvPr/>
-        </p:nvSpPr>
-        <p:spPr>
-          <a:xfrm>
-            <a:off x="785813" y="500063"/>
-            <a:ext cx="6019800" cy="642937"/>
-          </a:xfrm>
-          <a:prstGeom prst="rect">
-            <a:avLst/>
-          </a:prstGeom>
-          <a:noFill/>
-          <a:ln w="9525">
-            <a:noFill/>
-          </a:ln>
-        </p:spPr>
-        <p:txBody>
-          <a:bodyPr anchor="ctr"/>
-          <a:lstStyle/>
-          <a:p>
-            <a:pPr algn="ctr"/>
-            <a:r>
-              <a:rPr lang="zh-CN" altLang="en-US" sz="2800" b="1" dirty="0">
-                <a:solidFill>
-                  <a:srgbClr val="0000FF"/>
-                </a:solidFill>
-                <a:latin typeface="Times New Roman" panose="02020603050405020304" pitchFamily="18" charset="0"/>
-              </a:rPr>
-              <a:t>本章结束</a:t>
-            </a:r>
-          </a:p>
-        </p:txBody>
-      </p:sp>
-      <p:sp>
-        <p:nvSpPr>
-          <p:cNvPr id="49157" name="WordArt 7"/>
-          <p:cNvSpPr>
-            <a:spLocks noTextEdit="1"/>
-          </p:cNvSpPr>
-          <p:nvPr/>
-        </p:nvSpPr>
-        <p:spPr>
-          <a:xfrm>
-            <a:off x="4800600" y="1412875"/>
-            <a:ext cx="3371850" cy="685800"/>
-          </a:xfrm>
-          <a:prstGeom prst="rect">
-            <a:avLst/>
-          </a:prstGeom>
-        </p:spPr>
-        <p:txBody>
-          <a:bodyPr wrap="none" fromWordArt="1">
-            <a:prstTxWarp prst="textDeflate">
-              <a:avLst>
-                <a:gd name="adj" fmla="val 0"/>
-              </a:avLst>
-            </a:prstTxWarp>
-            <a:normAutofit fontScale="92500" lnSpcReduction="10000"/>
-          </a:bodyPr>
-          <a:lstStyle/>
-          <a:p>
-            <a:pPr algn="ctr"/>
-            <a:r>
-              <a:rPr lang="zh-CN" altLang="en-US" sz="4400" b="1" i="1">
-                <a:ln w="28575" cap="flat" cmpd="sng">
-                  <a:solidFill>
-                    <a:schemeClr val="bg1"/>
-                  </a:solidFill>
-                  <a:prstDash val="solid"/>
-                  <a:headEnd type="none" w="med" len="med"/>
-                  <a:tailEnd type="none" w="med" len="med"/>
-                </a:ln>
-                <a:gradFill rotWithShape="1">
-                  <a:gsLst>
-                    <a:gs pos="0">
-                      <a:schemeClr val="tx2"/>
-                    </a:gs>
-                    <a:gs pos="100000">
-                      <a:schemeClr val="accent1"/>
-                    </a:gs>
-                  </a:gsLst>
-                  <a:lin ang="5400000" scaled="1"/>
-                  <a:tileRect/>
-                </a:gradFill>
-                <a:effectLst>
-                  <a:outerShdw dist="107763" dir="2699999" algn="ctr" rotWithShape="0">
-                    <a:schemeClr val="bg2">
-                      <a:alpha val="50000"/>
-                    </a:schemeClr>
-                  </a:outerShdw>
-                </a:effectLst>
-                <a:latin typeface="Verdana" panose="020B0604030504040204" charset="0"/>
-                <a:ea typeface="Verdana" panose="020B0604030504040204" charset="0"/>
-              </a:rPr>
-              <a:t>Thank You !</a:t>
-            </a:r>
-          </a:p>
-        </p:txBody>
-      </p:sp>
-    </p:spTree>
-  </p:cSld>
-  <p:clrMapOvr>
-    <a:masterClrMapping/>
-  </p:clrMapOvr>
-  <p:transition/>
 </p:sld>
 </file>
 
@@ -22423,6 +23174,13 @@
               </a:rPr>
               <a:t>导读</a:t>
             </a:r>
+            <a:endParaRPr lang="zh-CN" altLang="en-US" sz="2800" b="1" dirty="0">
+              <a:solidFill>
+                <a:srgbClr val="0000FF"/>
+              </a:solidFill>
+              <a:latin typeface="Arial" panose="020B0604020202020204" pitchFamily="34" charset="0"/>
+              <a:ea typeface="宋体" panose="02010600030101010101" pitchFamily="2" charset="-122"/>
+            </a:endParaRPr>
           </a:p>
         </p:txBody>
       </p:sp>
@@ -22459,6 +23217,12 @@
               </a:rPr>
               <a:t>主要内容</a:t>
             </a:r>
+            <a:endParaRPr lang="zh-CN" altLang="en-US" b="1" dirty="0">
+              <a:solidFill>
+                <a:srgbClr val="3333FF"/>
+              </a:solidFill>
+              <a:ea typeface="宋体" panose="02010600030101010101" pitchFamily="2" charset="-122"/>
+            </a:endParaRPr>
           </a:p>
           <a:p>
             <a:pPr lvl="1" eaLnBrk="1" hangingPunct="1">
@@ -22480,6 +23244,9 @@
               </a:rPr>
               <a:t>的地位</a:t>
             </a:r>
+            <a:endParaRPr lang="zh-CN" altLang="en-US" b="1" dirty="0">
+              <a:ea typeface="宋体" panose="02010600030101010101" pitchFamily="2" charset="-122"/>
+            </a:endParaRPr>
           </a:p>
           <a:p>
             <a:pPr lvl="1" eaLnBrk="1" hangingPunct="1">
@@ -22501,6 +23268,9 @@
               </a:rPr>
               <a:t>诞生</a:t>
             </a:r>
+            <a:endParaRPr lang="zh-CN" altLang="en-US" b="1" dirty="0">
+              <a:ea typeface="宋体" panose="02010600030101010101" pitchFamily="2" charset="-122"/>
+            </a:endParaRPr>
           </a:p>
           <a:p>
             <a:pPr lvl="1" eaLnBrk="1" hangingPunct="1">
@@ -22522,6 +23292,9 @@
               </a:rPr>
               <a:t>的特点</a:t>
             </a:r>
+            <a:endParaRPr lang="zh-CN" altLang="en-US" b="1" dirty="0">
+              <a:ea typeface="宋体" panose="02010600030101010101" pitchFamily="2" charset="-122"/>
+            </a:endParaRPr>
           </a:p>
           <a:p>
             <a:pPr lvl="1" eaLnBrk="1" hangingPunct="1">
@@ -22543,6 +23316,9 @@
               </a:rPr>
               <a:t>JDK</a:t>
             </a:r>
+            <a:endParaRPr lang="en-US" altLang="zh-CN" b="1" dirty="0">
+              <a:ea typeface="宋体" panose="02010600030101010101" pitchFamily="2" charset="-122"/>
+            </a:endParaRPr>
           </a:p>
           <a:p>
             <a:pPr lvl="1" eaLnBrk="1" hangingPunct="1">
@@ -22564,6 +23340,9 @@
               </a:rPr>
               <a:t>api</a:t>
             </a:r>
+            <a:endParaRPr lang="en-US" altLang="zh-CN" b="1" dirty="0">
+              <a:ea typeface="宋体" panose="02010600030101010101" pitchFamily="2" charset="-122"/>
+            </a:endParaRPr>
           </a:p>
           <a:p>
             <a:pPr lvl="1" eaLnBrk="1" hangingPunct="1">
@@ -22591,6 +23370,9 @@
               </a:rPr>
               <a:t>应用程序</a:t>
             </a:r>
+            <a:endParaRPr lang="zh-CN" altLang="en-US" b="1" dirty="0">
+              <a:ea typeface="宋体" panose="02010600030101010101" pitchFamily="2" charset="-122"/>
+            </a:endParaRPr>
           </a:p>
           <a:p>
             <a:pPr eaLnBrk="1" hangingPunct="1">
@@ -22657,6 +23439,9 @@
               </a:rPr>
               <a:t>程序的结构。</a:t>
             </a:r>
+            <a:endParaRPr lang="zh-CN" altLang="en-US" b="1" dirty="0">
+              <a:ea typeface="宋体" panose="02010600030101010101" pitchFamily="2" charset="-122"/>
+            </a:endParaRPr>
           </a:p>
           <a:p>
             <a:pPr lvl="1" eaLnBrk="1" hangingPunct="1">
@@ -22684,6 +23469,9 @@
               </a:rPr>
               <a:t>程序的开发过程。</a:t>
             </a:r>
+            <a:endParaRPr lang="zh-CN" altLang="en-US" b="1" dirty="0">
+              <a:ea typeface="宋体" panose="02010600030101010101" pitchFamily="2" charset="-122"/>
+            </a:endParaRPr>
           </a:p>
         </p:txBody>
       </p:sp>
@@ -22859,6 +23647,9 @@
               </a:rPr>
               <a:t>。</a:t>
             </a:r>
+            <a:endParaRPr lang="zh-CN" altLang="en-US" sz="2400" dirty="0">
+              <a:ea typeface="宋体" panose="02010600030101010101" pitchFamily="2" charset="-122"/>
+            </a:endParaRPr>
           </a:p>
         </p:txBody>
       </p:sp>
@@ -22964,6 +23755,12 @@
               </a:rPr>
               <a:t>，其寓意是为世人端上一杯热咖啡。</a:t>
             </a:r>
+            <a:endParaRPr lang="zh-CN" altLang="zh-CN" dirty="0">
+              <a:solidFill>
+                <a:schemeClr val="accent2"/>
+              </a:solidFill>
+              <a:latin typeface="Times New Roman" panose="02020603050405020304" pitchFamily="18" charset="0"/>
+            </a:endParaRPr>
           </a:p>
         </p:txBody>
       </p:sp>
@@ -22976,7 +23773,7 @@
           <p:nvPr/>
         </p:nvPicPr>
         <p:blipFill>
-          <a:blip r:embed="rId2"/>
+          <a:blip r:embed="rId1"/>
           <a:stretch>
             <a:fillRect/>
           </a:stretch>
@@ -23101,6 +23898,20 @@
               </a:rPr>
               <a:t>的诞生</a:t>
             </a:r>
+            <a:endParaRPr kumimoji="0" lang="zh-CN" altLang="en-US" sz="2800" b="1" i="0" u="none" strike="noStrike" kern="1200" cap="none" spc="0" normalizeH="0" baseline="0" noProof="0" dirty="0" smtClean="0">
+              <a:ln>
+                <a:noFill/>
+              </a:ln>
+              <a:solidFill>
+                <a:srgbClr val="0000FF"/>
+              </a:solidFill>
+              <a:effectLst/>
+              <a:uLnTx/>
+              <a:uFillTx/>
+              <a:latin typeface="宋体" panose="02010600030101010101" pitchFamily="2" charset="-122"/>
+              <a:ea typeface="+mj-ea"/>
+              <a:cs typeface="+mj-cs"/>
+            </a:endParaRPr>
           </a:p>
         </p:txBody>
       </p:sp>
@@ -23344,6 +24155,9 @@
               </a:rPr>
               <a:t>。</a:t>
             </a:r>
+            <a:endParaRPr lang="zh-CN" altLang="en-US" sz="2400" dirty="0">
+              <a:ea typeface="宋体" panose="02010600030101010101" pitchFamily="2" charset="-122"/>
+            </a:endParaRPr>
           </a:p>
         </p:txBody>
       </p:sp>
@@ -23356,7 +24170,7 @@
           <p:nvPr/>
         </p:nvPicPr>
         <p:blipFill>
-          <a:blip r:embed="rId2"/>
+          <a:blip r:embed="rId1"/>
           <a:stretch>
             <a:fillRect/>
           </a:stretch>
@@ -23447,6 +24261,20 @@
               </a:rPr>
               <a:t>的先导知识与后继技术</a:t>
             </a:r>
+            <a:endParaRPr kumimoji="0" lang="zh-CN" altLang="en-US" sz="2800" b="1" i="0" u="none" strike="noStrike" kern="1200" cap="none" spc="0" normalizeH="0" baseline="0" noProof="0" dirty="0" smtClean="0">
+              <a:ln>
+                <a:noFill/>
+              </a:ln>
+              <a:solidFill>
+                <a:srgbClr val="0000FF"/>
+              </a:solidFill>
+              <a:effectLst/>
+              <a:uLnTx/>
+              <a:uFillTx/>
+              <a:latin typeface="宋体" panose="02010600030101010101" pitchFamily="2" charset="-122"/>
+              <a:ea typeface="+mj-ea"/>
+              <a:cs typeface="+mj-cs"/>
+            </a:endParaRPr>
           </a:p>
         </p:txBody>
       </p:sp>
@@ -23525,6 +24353,12 @@
               </a:rPr>
               <a:t>的地位</a:t>
             </a:r>
+            <a:endParaRPr lang="zh-CN" altLang="en-US" sz="2800" b="1" dirty="0">
+              <a:solidFill>
+                <a:srgbClr val="0000FF"/>
+              </a:solidFill>
+              <a:ea typeface="宋体" panose="02010600030101010101" pitchFamily="2" charset="-122"/>
+            </a:endParaRPr>
           </a:p>
         </p:txBody>
       </p:sp>
@@ -23564,6 +24398,12 @@
               </a:rPr>
               <a:t>1.1.1 网络地位</a:t>
             </a:r>
+            <a:endParaRPr lang="zh-CN" altLang="en-US" sz="2600" b="1" dirty="0">
+              <a:solidFill>
+                <a:srgbClr val="0000FF"/>
+              </a:solidFill>
+              <a:ea typeface="宋体" panose="02010600030101010101" pitchFamily="2" charset="-122"/>
+            </a:endParaRPr>
           </a:p>
           <a:p>
             <a:pPr algn="just" eaLnBrk="1" hangingPunct="1">
@@ -23642,6 +24482,9 @@
               </a:rPr>
               <a:t>特别适合于网络应用软件的设计与开发。</a:t>
             </a:r>
+            <a:endParaRPr lang="zh-CN" altLang="en-US" sz="2400" b="1" dirty="0">
+              <a:ea typeface="宋体" panose="02010600030101010101" pitchFamily="2" charset="-122"/>
+            </a:endParaRPr>
           </a:p>
           <a:p>
             <a:pPr algn="just" eaLnBrk="1" hangingPunct="1">
@@ -23660,6 +24503,12 @@
               </a:rPr>
               <a:t>1.1.2 语言地位</a:t>
             </a:r>
+            <a:endParaRPr lang="zh-CN" altLang="en-US" sz="2600" b="1" dirty="0">
+              <a:solidFill>
+                <a:srgbClr val="0000FF"/>
+              </a:solidFill>
+              <a:ea typeface="宋体" panose="02010600030101010101" pitchFamily="2" charset="-122"/>
+            </a:endParaRPr>
           </a:p>
           <a:p>
             <a:pPr algn="just" eaLnBrk="1" hangingPunct="1">
@@ -23705,6 +24554,9 @@
               </a:rPr>
               <a:t>的基本思想. </a:t>
             </a:r>
+            <a:endParaRPr lang="zh-CN" altLang="en-US" sz="2400" b="1" dirty="0">
+              <a:ea typeface="宋体" panose="02010600030101010101" pitchFamily="2" charset="-122"/>
+            </a:endParaRPr>
           </a:p>
           <a:p>
             <a:pPr algn="just" eaLnBrk="1" hangingPunct="1">
@@ -23723,6 +24575,12 @@
               </a:rPr>
               <a:t>1.1.3 需求地位</a:t>
             </a:r>
+            <a:endParaRPr lang="zh-CN" altLang="en-US" sz="2600" b="1" dirty="0">
+              <a:solidFill>
+                <a:srgbClr val="0000FF"/>
+              </a:solidFill>
+              <a:ea typeface="宋体" panose="02010600030101010101" pitchFamily="2" charset="-122"/>
+            </a:endParaRPr>
           </a:p>
           <a:p>
             <a:pPr algn="just" eaLnBrk="1" hangingPunct="1">
@@ -23777,6 +24635,9 @@
               </a:rPr>
               <a:t>语言及其相关技术意味着较好的就业前景和工作酬金。</a:t>
             </a:r>
+            <a:endParaRPr lang="zh-CN" altLang="en-US" sz="2400" b="1" dirty="0">
+              <a:ea typeface="宋体" panose="02010600030101010101" pitchFamily="2" charset="-122"/>
+            </a:endParaRPr>
           </a:p>
         </p:txBody>
       </p:sp>
@@ -23929,6 +24790,20 @@
               </a:rPr>
               <a:t>1.2.1 简单</a:t>
             </a:r>
+            <a:endParaRPr kumimoji="0" lang="zh-CN" altLang="en-US" sz="2600" b="1" i="0" u="none" strike="noStrike" kern="1200" cap="none" spc="0" normalizeH="0" baseline="0" noProof="0" dirty="0" smtClean="0">
+              <a:ln>
+                <a:noFill/>
+              </a:ln>
+              <a:solidFill>
+                <a:srgbClr val="0000FF"/>
+              </a:solidFill>
+              <a:effectLst/>
+              <a:uLnTx/>
+              <a:uFillTx/>
+              <a:latin typeface="+mn-lt"/>
+              <a:ea typeface="+mn-ea"/>
+              <a:cs typeface="+mn-cs"/>
+            </a:endParaRPr>
           </a:p>
           <a:p>
             <a:pPr marL="357505" marR="0" lvl="0" indent="542925" algn="just" defTabSz="914400" rtl="0" eaLnBrk="1" fontAlgn="auto" latinLnBrk="0" hangingPunct="1">
@@ -24166,6 +25041,20 @@
               </a:rPr>
               <a:t> </a:t>
             </a:r>
+            <a:endParaRPr kumimoji="0" lang="zh-CN" altLang="en-US" sz="2000" b="0" i="0" u="none" strike="noStrike" kern="1200" cap="none" spc="0" normalizeH="0" baseline="0" noProof="0" dirty="0" smtClean="0">
+              <a:ln>
+                <a:noFill/>
+              </a:ln>
+              <a:solidFill>
+                <a:schemeClr val="tx1"/>
+              </a:solidFill>
+              <a:effectLst/>
+              <a:uLnTx/>
+              <a:uFillTx/>
+              <a:latin typeface="+mn-lt"/>
+              <a:ea typeface="+mn-ea"/>
+              <a:cs typeface="+mn-cs"/>
+            </a:endParaRPr>
           </a:p>
           <a:p>
             <a:pPr marL="342900" marR="0" lvl="0" indent="-342900" algn="just" defTabSz="914400" rtl="0" eaLnBrk="1" fontAlgn="auto" latinLnBrk="0" hangingPunct="1">
@@ -24235,6 +25124,20 @@
               </a:rPr>
               <a:t>是面向对象的编程语言，本书将在第4章、第5章和第6章详细、准确地讨论类、对象、继承、多态、接口等重要概念。</a:t>
             </a:r>
+            <a:endParaRPr kumimoji="0" lang="zh-CN" altLang="en-US" sz="2200" b="1" i="0" u="none" strike="noStrike" kern="1200" cap="none" spc="0" normalizeH="0" baseline="0" noProof="0" dirty="0" smtClean="0">
+              <a:ln>
+                <a:noFill/>
+              </a:ln>
+              <a:solidFill>
+                <a:schemeClr val="tx1"/>
+              </a:solidFill>
+              <a:effectLst/>
+              <a:uLnTx/>
+              <a:uFillTx/>
+              <a:latin typeface="+mn-lt"/>
+              <a:ea typeface="+mn-ea"/>
+              <a:cs typeface="+mn-cs"/>
+            </a:endParaRPr>
           </a:p>
           <a:p>
             <a:pPr marL="342900" marR="0" lvl="0" indent="-342900" algn="just" defTabSz="914400" rtl="0" eaLnBrk="1" fontAlgn="auto" latinLnBrk="0" hangingPunct="1">
@@ -24270,6 +25173,20 @@
               </a:rPr>
               <a:t>1.2.3 平台无关 </a:t>
             </a:r>
+            <a:endParaRPr kumimoji="0" lang="zh-CN" altLang="en-US" sz="2600" b="1" i="0" u="none" strike="noStrike" kern="1200" cap="none" spc="0" normalizeH="0" baseline="0" noProof="0" dirty="0" smtClean="0">
+              <a:ln>
+                <a:noFill/>
+              </a:ln>
+              <a:solidFill>
+                <a:srgbClr val="0000FF"/>
+              </a:solidFill>
+              <a:effectLst/>
+              <a:uLnTx/>
+              <a:uFillTx/>
+              <a:latin typeface="+mn-lt"/>
+              <a:ea typeface="+mn-ea"/>
+              <a:cs typeface="+mn-cs"/>
+            </a:endParaRPr>
           </a:p>
           <a:p>
             <a:pPr marL="342900" marR="0" lvl="0" indent="-342900" algn="just" defTabSz="914400" rtl="0" eaLnBrk="1" fontAlgn="auto" latinLnBrk="0" hangingPunct="1">
@@ -24422,8 +25339,56 @@
                 <a:ea typeface="+mn-ea"/>
                 <a:cs typeface="+mn-cs"/>
               </a:rPr>
-              <a:t>虚拟机负责将字节码翻译成本地计算机的机器码，并将机器码交给本地的操作系统来运行。 </a:t>
-            </a:r>
+              <a:t>虚拟机负责将字节码翻译成本地计算机的</a:t>
+            </a:r>
+            <a:r>
+              <a:rPr kumimoji="0" lang="zh-CN" altLang="en-US" sz="2200" b="1" i="0" u="none" strike="noStrike" kern="1200" cap="none" spc="0" normalizeH="0" baseline="0" noProof="0" dirty="0" smtClean="0">
+                <a:ln>
+                  <a:noFill/>
+                </a:ln>
+                <a:solidFill>
+                  <a:srgbClr val="FF0000"/>
+                </a:solidFill>
+                <a:effectLst/>
+                <a:uLnTx/>
+                <a:uFillTx/>
+                <a:latin typeface="+mn-lt"/>
+                <a:ea typeface="+mn-ea"/>
+                <a:cs typeface="+mn-cs"/>
+              </a:rPr>
+              <a:t>机器码</a:t>
+            </a:r>
+            <a:r>
+              <a:rPr kumimoji="0" lang="zh-CN" altLang="en-US" sz="2200" b="1" i="0" u="none" strike="noStrike" kern="1200" cap="none" spc="0" normalizeH="0" baseline="0" noProof="0" dirty="0" smtClean="0">
+                <a:ln>
+                  <a:noFill/>
+                </a:ln>
+                <a:solidFill>
+                  <a:schemeClr val="tx1"/>
+                </a:solidFill>
+                <a:effectLst/>
+                <a:uLnTx/>
+                <a:uFillTx/>
+                <a:latin typeface="+mn-lt"/>
+                <a:ea typeface="+mn-ea"/>
+                <a:cs typeface="+mn-cs"/>
+              </a:rPr>
+              <a:t>，并将机器码交给本地的操作系统来运行。 </a:t>
+            </a:r>
+            <a:endParaRPr kumimoji="0" lang="zh-CN" altLang="en-US" sz="2200" b="1" i="0" u="none" strike="noStrike" kern="1200" cap="none" spc="0" normalizeH="0" baseline="0" noProof="0" dirty="0" smtClean="0">
+              <a:ln>
+                <a:noFill/>
+              </a:ln>
+              <a:solidFill>
+                <a:schemeClr val="tx1"/>
+              </a:solidFill>
+              <a:effectLst/>
+              <a:uLnTx/>
+              <a:uFillTx/>
+              <a:latin typeface="+mn-lt"/>
+              <a:ea typeface="+mn-ea"/>
+              <a:cs typeface="+mn-cs"/>
+            </a:endParaRPr>
           </a:p>
         </p:txBody>
       </p:sp>
@@ -24489,6 +25454,9 @@
               </a:rPr>
               <a:t>．平台与机器指令</a:t>
             </a:r>
+            <a:endParaRPr lang="zh-CN" altLang="zh-CN" b="1" dirty="0">
+              <a:latin typeface="Times New Roman" panose="02020603050405020304" pitchFamily="18" charset="0"/>
+            </a:endParaRPr>
           </a:p>
         </p:txBody>
       </p:sp>
@@ -25091,11 +26059,9 @@
       </a:bgFillStyleLst>
     </a:fmtScheme>
   </a:themeElements>
-  <a:objectDefaults/>
-  <a:extraClrSchemeLst/>
   <a:extLst>
     <a:ext uri="{05A4C25C-085E-4340-85A3-A5531E510DB2}">
-      <thm15:themeFamily xmlns:thm15="http://schemas.microsoft.com/office/thememl/2012/main" xmlns="" name="Office Theme" id="{62F939B6-93AF-4DB8-9C6B-D6C7DFDC589F}" vid="{4A3C46E8-61CC-4603-A589-7422A47A8E4A}"/>
+      <thm15:themeFamily xmlns:thm15="http://schemas.microsoft.com/office/thememl/2012/main" name="Office Theme" id="{62F939B6-93AF-4DB8-9C6B-D6C7DFDC589F}" vid="{4A3C46E8-61CC-4603-A589-7422A47A8E4A}"/>
     </a:ext>
   </a:extLst>
 </a:theme>
@@ -25381,11 +26347,9 @@
       </a:bgFillStyleLst>
     </a:fmtScheme>
   </a:themeElements>
-  <a:objectDefaults/>
-  <a:extraClrSchemeLst/>
   <a:extLst>
     <a:ext uri="{05A4C25C-085E-4340-85A3-A5531E510DB2}">
-      <thm15:themeFamily xmlns:thm15="http://schemas.microsoft.com/office/thememl/2012/main" xmlns="" name="Office Theme" id="{62F939B6-93AF-4DB8-9C6B-D6C7DFDC589F}" vid="{4A3C46E8-61CC-4603-A589-7422A47A8E4A}"/>
+      <thm15:themeFamily xmlns:thm15="http://schemas.microsoft.com/office/thememl/2012/main" name="Office Theme" id="{62F939B6-93AF-4DB8-9C6B-D6C7DFDC589F}" vid="{4A3C46E8-61CC-4603-A589-7422A47A8E4A}"/>
     </a:ext>
   </a:extLst>
 </a:theme>
@@ -25671,11 +26635,9 @@
       </a:bgFillStyleLst>
     </a:fmtScheme>
   </a:themeElements>
-  <a:objectDefaults/>
-  <a:extraClrSchemeLst/>
   <a:extLst>
     <a:ext uri="{05A4C25C-085E-4340-85A3-A5531E510DB2}">
-      <thm15:themeFamily xmlns:thm15="http://schemas.microsoft.com/office/thememl/2012/main" xmlns="" name="Office Theme" id="{62F939B6-93AF-4DB8-9C6B-D6C7DFDC589F}" vid="{4A3C46E8-61CC-4603-A589-7422A47A8E4A}"/>
+      <thm15:themeFamily xmlns:thm15="http://schemas.microsoft.com/office/thememl/2012/main" name="Office Theme" id="{62F939B6-93AF-4DB8-9C6B-D6C7DFDC589F}" vid="{4A3C46E8-61CC-4603-A589-7422A47A8E4A}"/>
     </a:ext>
   </a:extLst>
 </a:theme>
